--- a/The Chess Project.pptx
+++ b/The Chess Project.pptx
@@ -5,29 +5,33 @@
     <p:sldMasterId id="2147483648" r:id="rId1"/>
   </p:sldMasterIdLst>
   <p:notesMasterIdLst>
-    <p:notesMasterId r:id="rId19"/>
+    <p:notesMasterId r:id="rId23"/>
   </p:notesMasterIdLst>
   <p:handoutMasterIdLst>
-    <p:handoutMasterId r:id="rId20"/>
+    <p:handoutMasterId r:id="rId24"/>
   </p:handoutMasterIdLst>
   <p:sldIdLst>
     <p:sldId id="270" r:id="rId2"/>
     <p:sldId id="257" r:id="rId3"/>
     <p:sldId id="258" r:id="rId4"/>
     <p:sldId id="259" r:id="rId5"/>
-    <p:sldId id="267" r:id="rId6"/>
-    <p:sldId id="261" r:id="rId7"/>
-    <p:sldId id="268" r:id="rId8"/>
-    <p:sldId id="269" r:id="rId9"/>
-    <p:sldId id="260" r:id="rId10"/>
-    <p:sldId id="271" r:id="rId11"/>
-    <p:sldId id="272" r:id="rId12"/>
-    <p:sldId id="273" r:id="rId13"/>
-    <p:sldId id="274" r:id="rId14"/>
-    <p:sldId id="263" r:id="rId15"/>
-    <p:sldId id="264" r:id="rId16"/>
-    <p:sldId id="265" r:id="rId17"/>
-    <p:sldId id="266" r:id="rId18"/>
+    <p:sldId id="261" r:id="rId6"/>
+    <p:sldId id="268" r:id="rId7"/>
+    <p:sldId id="269" r:id="rId8"/>
+    <p:sldId id="260" r:id="rId9"/>
+    <p:sldId id="271" r:id="rId10"/>
+    <p:sldId id="272" r:id="rId11"/>
+    <p:sldId id="273" r:id="rId12"/>
+    <p:sldId id="274" r:id="rId13"/>
+    <p:sldId id="277" r:id="rId14"/>
+    <p:sldId id="278" r:id="rId15"/>
+    <p:sldId id="279" r:id="rId16"/>
+    <p:sldId id="276" r:id="rId17"/>
+    <p:sldId id="275" r:id="rId18"/>
+    <p:sldId id="263" r:id="rId19"/>
+    <p:sldId id="265" r:id="rId20"/>
+    <p:sldId id="267" r:id="rId21"/>
+    <p:sldId id="266" r:id="rId22"/>
   </p:sldIdLst>
   <p:sldSz cx="12192000" cy="6858000"/>
   <p:notesSz cx="6858000" cy="9144000"/>
@@ -146,961 +150,6 @@
     </p:ext>
   </p:extLst>
 </p:presentation>
-</file>
-
-<file path=ppt/charts/chart1.xml><?xml version="1.0" encoding="utf-8"?>
-<c:chartSpace xmlns:c="http://schemas.openxmlformats.org/drawingml/2006/chart" xmlns:a="http://schemas.openxmlformats.org/drawingml/2006/main" xmlns:r="http://schemas.openxmlformats.org/officeDocument/2006/relationships" xmlns:c16r2="http://schemas.microsoft.com/office/drawing/2015/06/chart">
-  <c:date1904 val="0"/>
-  <c:lang val="en-US"/>
-  <c:roundedCorners val="0"/>
-  <mc:AlternateContent xmlns:mc="http://schemas.openxmlformats.org/markup-compatibility/2006">
-    <mc:Choice xmlns:c14="http://schemas.microsoft.com/office/drawing/2007/8/2/chart" Requires="c14">
-      <c14:style val="102"/>
-    </mc:Choice>
-    <mc:Fallback>
-      <c:style val="2"/>
-    </mc:Fallback>
-  </mc:AlternateContent>
-  <c:chart>
-    <c:autoTitleDeleted val="1"/>
-    <c:plotArea>
-      <c:layout/>
-      <c:barChart>
-        <c:barDir val="col"/>
-        <c:grouping val="clustered"/>
-        <c:varyColors val="0"/>
-        <c:ser>
-          <c:idx val="0"/>
-          <c:order val="0"/>
-          <c:tx>
-            <c:strRef>
-              <c:f>Sheet1!$B$1</c:f>
-              <c:strCache>
-                <c:ptCount val="1"/>
-                <c:pt idx="0">
-                  <c:v>Series 1</c:v>
-                </c:pt>
-              </c:strCache>
-            </c:strRef>
-          </c:tx>
-          <c:spPr>
-            <a:solidFill>
-              <a:schemeClr val="accent1">
-                <a:alpha val="70000"/>
-              </a:schemeClr>
-            </a:solidFill>
-            <a:ln>
-              <a:noFill/>
-            </a:ln>
-            <a:effectLst/>
-          </c:spPr>
-          <c:invertIfNegative val="0"/>
-          <c:cat>
-            <c:strRef>
-              <c:f>Sheet1!$A$2:$A$5</c:f>
-              <c:strCache>
-                <c:ptCount val="4"/>
-                <c:pt idx="0">
-                  <c:v>Category 1</c:v>
-                </c:pt>
-                <c:pt idx="1">
-                  <c:v>Category 2</c:v>
-                </c:pt>
-                <c:pt idx="2">
-                  <c:v>Category 3</c:v>
-                </c:pt>
-                <c:pt idx="3">
-                  <c:v>Category 4</c:v>
-                </c:pt>
-              </c:strCache>
-            </c:strRef>
-          </c:cat>
-          <c:val>
-            <c:numRef>
-              <c:f>Sheet1!$B$2:$B$5</c:f>
-              <c:numCache>
-                <c:formatCode>General</c:formatCode>
-                <c:ptCount val="4"/>
-                <c:pt idx="0">
-                  <c:v>4.3</c:v>
-                </c:pt>
-                <c:pt idx="1">
-                  <c:v>2.5</c:v>
-                </c:pt>
-                <c:pt idx="2">
-                  <c:v>3.5</c:v>
-                </c:pt>
-                <c:pt idx="3">
-                  <c:v>4.5</c:v>
-                </c:pt>
-              </c:numCache>
-            </c:numRef>
-          </c:val>
-          <c:extLst>
-            <c:ext xmlns:c16="http://schemas.microsoft.com/office/drawing/2014/chart" uri="{C3380CC4-5D6E-409C-BE32-E72D297353CC}">
-              <c16:uniqueId val="{00000000-9A68-4F35-B2E9-F60DB200EE2F}"/>
-            </c:ext>
-          </c:extLst>
-        </c:ser>
-        <c:ser>
-          <c:idx val="1"/>
-          <c:order val="1"/>
-          <c:tx>
-            <c:strRef>
-              <c:f>Sheet1!$C$1</c:f>
-              <c:strCache>
-                <c:ptCount val="1"/>
-                <c:pt idx="0">
-                  <c:v>Series 2</c:v>
-                </c:pt>
-              </c:strCache>
-            </c:strRef>
-          </c:tx>
-          <c:spPr>
-            <a:solidFill>
-              <a:schemeClr val="accent2">
-                <a:alpha val="70000"/>
-              </a:schemeClr>
-            </a:solidFill>
-            <a:ln>
-              <a:noFill/>
-            </a:ln>
-            <a:effectLst/>
-          </c:spPr>
-          <c:invertIfNegative val="0"/>
-          <c:cat>
-            <c:strRef>
-              <c:f>Sheet1!$A$2:$A$5</c:f>
-              <c:strCache>
-                <c:ptCount val="4"/>
-                <c:pt idx="0">
-                  <c:v>Category 1</c:v>
-                </c:pt>
-                <c:pt idx="1">
-                  <c:v>Category 2</c:v>
-                </c:pt>
-                <c:pt idx="2">
-                  <c:v>Category 3</c:v>
-                </c:pt>
-                <c:pt idx="3">
-                  <c:v>Category 4</c:v>
-                </c:pt>
-              </c:strCache>
-            </c:strRef>
-          </c:cat>
-          <c:val>
-            <c:numRef>
-              <c:f>Sheet1!$C$2:$C$5</c:f>
-              <c:numCache>
-                <c:formatCode>General</c:formatCode>
-                <c:ptCount val="4"/>
-                <c:pt idx="0">
-                  <c:v>2.4</c:v>
-                </c:pt>
-                <c:pt idx="1">
-                  <c:v>4.4000000000000004</c:v>
-                </c:pt>
-                <c:pt idx="2">
-                  <c:v>1.8</c:v>
-                </c:pt>
-                <c:pt idx="3">
-                  <c:v>2.8</c:v>
-                </c:pt>
-              </c:numCache>
-            </c:numRef>
-          </c:val>
-          <c:extLst>
-            <c:ext xmlns:c16="http://schemas.microsoft.com/office/drawing/2014/chart" uri="{C3380CC4-5D6E-409C-BE32-E72D297353CC}">
-              <c16:uniqueId val="{00000001-9A68-4F35-B2E9-F60DB200EE2F}"/>
-            </c:ext>
-          </c:extLst>
-        </c:ser>
-        <c:ser>
-          <c:idx val="2"/>
-          <c:order val="2"/>
-          <c:tx>
-            <c:strRef>
-              <c:f>Sheet1!$D$1</c:f>
-              <c:strCache>
-                <c:ptCount val="1"/>
-                <c:pt idx="0">
-                  <c:v>Series 3</c:v>
-                </c:pt>
-              </c:strCache>
-            </c:strRef>
-          </c:tx>
-          <c:spPr>
-            <a:solidFill>
-              <a:schemeClr val="accent3">
-                <a:alpha val="70000"/>
-              </a:schemeClr>
-            </a:solidFill>
-            <a:ln>
-              <a:noFill/>
-            </a:ln>
-            <a:effectLst/>
-          </c:spPr>
-          <c:invertIfNegative val="0"/>
-          <c:cat>
-            <c:strRef>
-              <c:f>Sheet1!$A$2:$A$5</c:f>
-              <c:strCache>
-                <c:ptCount val="4"/>
-                <c:pt idx="0">
-                  <c:v>Category 1</c:v>
-                </c:pt>
-                <c:pt idx="1">
-                  <c:v>Category 2</c:v>
-                </c:pt>
-                <c:pt idx="2">
-                  <c:v>Category 3</c:v>
-                </c:pt>
-                <c:pt idx="3">
-                  <c:v>Category 4</c:v>
-                </c:pt>
-              </c:strCache>
-            </c:strRef>
-          </c:cat>
-          <c:val>
-            <c:numRef>
-              <c:f>Sheet1!$D$2:$D$5</c:f>
-              <c:numCache>
-                <c:formatCode>General</c:formatCode>
-                <c:ptCount val="4"/>
-                <c:pt idx="0">
-                  <c:v>2</c:v>
-                </c:pt>
-                <c:pt idx="1">
-                  <c:v>2</c:v>
-                </c:pt>
-                <c:pt idx="2">
-                  <c:v>3</c:v>
-                </c:pt>
-                <c:pt idx="3">
-                  <c:v>5</c:v>
-                </c:pt>
-              </c:numCache>
-            </c:numRef>
-          </c:val>
-          <c:extLst>
-            <c:ext xmlns:c16="http://schemas.microsoft.com/office/drawing/2014/chart" uri="{C3380CC4-5D6E-409C-BE32-E72D297353CC}">
-              <c16:uniqueId val="{00000002-9A68-4F35-B2E9-F60DB200EE2F}"/>
-            </c:ext>
-          </c:extLst>
-        </c:ser>
-        <c:dLbls>
-          <c:showLegendKey val="0"/>
-          <c:showVal val="0"/>
-          <c:showCatName val="0"/>
-          <c:showSerName val="0"/>
-          <c:showPercent val="0"/>
-          <c:showBubbleSize val="0"/>
-        </c:dLbls>
-        <c:gapWidth val="80"/>
-        <c:overlap val="25"/>
-        <c:axId val="623407088"/>
-        <c:axId val="384343064"/>
-      </c:barChart>
-      <c:catAx>
-        <c:axId val="623407088"/>
-        <c:scaling>
-          <c:orientation val="minMax"/>
-        </c:scaling>
-        <c:delete val="0"/>
-        <c:axPos val="b"/>
-        <c:numFmt formatCode="General" sourceLinked="1"/>
-        <c:majorTickMark val="none"/>
-        <c:minorTickMark val="none"/>
-        <c:tickLblPos val="nextTo"/>
-        <c:spPr>
-          <a:noFill/>
-          <a:ln w="15875" cap="flat" cmpd="sng" algn="ctr">
-            <a:solidFill>
-              <a:schemeClr val="tx1">
-                <a:lumMod val="25000"/>
-                <a:lumOff val="75000"/>
-              </a:schemeClr>
-            </a:solidFill>
-            <a:round/>
-          </a:ln>
-          <a:effectLst/>
-        </c:spPr>
-        <c:txPr>
-          <a:bodyPr rot="-60000000" spcFirstLastPara="1" vertOverflow="ellipsis" vert="horz" wrap="square" anchor="ctr" anchorCtr="1"/>
-          <a:lstStyle/>
-          <a:p>
-            <a:pPr>
-              <a:defRPr sz="1197" b="0" i="0" u="none" strike="noStrike" kern="1200" cap="none" spc="20" normalizeH="0" baseline="0">
-                <a:solidFill>
-                  <a:schemeClr val="tx1">
-                    <a:lumMod val="65000"/>
-                    <a:lumOff val="35000"/>
-                  </a:schemeClr>
-                </a:solidFill>
-                <a:latin typeface="+mn-lt"/>
-                <a:ea typeface="+mn-ea"/>
-                <a:cs typeface="+mn-cs"/>
-              </a:defRPr>
-            </a:pPr>
-            <a:endParaRPr lang="en-US"/>
-          </a:p>
-        </c:txPr>
-        <c:crossAx val="384343064"/>
-        <c:crosses val="autoZero"/>
-        <c:auto val="1"/>
-        <c:lblAlgn val="ctr"/>
-        <c:lblOffset val="100"/>
-        <c:noMultiLvlLbl val="0"/>
-      </c:catAx>
-      <c:valAx>
-        <c:axId val="384343064"/>
-        <c:scaling>
-          <c:orientation val="minMax"/>
-        </c:scaling>
-        <c:delete val="0"/>
-        <c:axPos val="l"/>
-        <c:majorGridlines>
-          <c:spPr>
-            <a:ln w="9525" cap="flat" cmpd="sng" algn="ctr">
-              <a:solidFill>
-                <a:schemeClr val="tx1">
-                  <a:lumMod val="5000"/>
-                  <a:lumOff val="95000"/>
-                </a:schemeClr>
-              </a:solidFill>
-              <a:round/>
-            </a:ln>
-            <a:effectLst/>
-          </c:spPr>
-        </c:majorGridlines>
-        <c:numFmt formatCode="General" sourceLinked="1"/>
-        <c:majorTickMark val="none"/>
-        <c:minorTickMark val="none"/>
-        <c:tickLblPos val="nextTo"/>
-        <c:spPr>
-          <a:noFill/>
-          <a:ln>
-            <a:noFill/>
-          </a:ln>
-          <a:effectLst/>
-        </c:spPr>
-        <c:txPr>
-          <a:bodyPr rot="-60000000" spcFirstLastPara="1" vertOverflow="ellipsis" vert="horz" wrap="square" anchor="ctr" anchorCtr="1"/>
-          <a:lstStyle/>
-          <a:p>
-            <a:pPr>
-              <a:defRPr sz="1197" b="0" i="0" u="none" strike="noStrike" kern="1200" spc="20" baseline="0">
-                <a:solidFill>
-                  <a:schemeClr val="tx1">
-                    <a:lumMod val="65000"/>
-                    <a:lumOff val="35000"/>
-                  </a:schemeClr>
-                </a:solidFill>
-                <a:latin typeface="+mn-lt"/>
-                <a:ea typeface="+mn-ea"/>
-                <a:cs typeface="+mn-cs"/>
-              </a:defRPr>
-            </a:pPr>
-            <a:endParaRPr lang="en-US"/>
-          </a:p>
-        </c:txPr>
-        <c:crossAx val="623407088"/>
-        <c:crosses val="autoZero"/>
-        <c:crossBetween val="between"/>
-      </c:valAx>
-      <c:spPr>
-        <a:noFill/>
-        <a:ln>
-          <a:noFill/>
-        </a:ln>
-        <a:effectLst/>
-      </c:spPr>
-    </c:plotArea>
-    <c:legend>
-      <c:legendPos val="b"/>
-      <c:overlay val="0"/>
-      <c:spPr>
-        <a:noFill/>
-        <a:ln>
-          <a:noFill/>
-        </a:ln>
-        <a:effectLst/>
-      </c:spPr>
-      <c:txPr>
-        <a:bodyPr rot="0" spcFirstLastPara="1" vertOverflow="ellipsis" vert="horz" wrap="square" anchor="ctr" anchorCtr="1"/>
-        <a:lstStyle/>
-        <a:p>
-          <a:pPr>
-            <a:defRPr sz="1197" b="0" i="0" u="none" strike="noStrike" kern="1200" baseline="0">
-              <a:solidFill>
-                <a:schemeClr val="tx1">
-                  <a:lumMod val="65000"/>
-                  <a:lumOff val="35000"/>
-                </a:schemeClr>
-              </a:solidFill>
-              <a:latin typeface="+mn-lt"/>
-              <a:ea typeface="+mn-ea"/>
-              <a:cs typeface="+mn-cs"/>
-            </a:defRPr>
-          </a:pPr>
-          <a:endParaRPr lang="en-US"/>
-        </a:p>
-      </c:txPr>
-    </c:legend>
-    <c:plotVisOnly val="1"/>
-    <c:dispBlanksAs val="gap"/>
-    <c:showDLblsOverMax val="0"/>
-  </c:chart>
-  <c:spPr>
-    <a:noFill/>
-    <a:ln>
-      <a:noFill/>
-    </a:ln>
-    <a:effectLst/>
-  </c:spPr>
-  <c:txPr>
-    <a:bodyPr/>
-    <a:lstStyle/>
-    <a:p>
-      <a:pPr>
-        <a:defRPr/>
-      </a:pPr>
-      <a:endParaRPr lang="en-US"/>
-    </a:p>
-  </c:txPr>
-  <c:externalData r:id="rId3">
-    <c:autoUpdate val="0"/>
-  </c:externalData>
-</c:chartSpace>
-</file>
-
-<file path=ppt/charts/colors1.xml><?xml version="1.0" encoding="utf-8"?>
-<cs:colorStyle xmlns:cs="http://schemas.microsoft.com/office/drawing/2012/chartStyle" xmlns:a="http://schemas.openxmlformats.org/drawingml/2006/main" meth="cycle" id="10">
-  <a:schemeClr val="accent1"/>
-  <a:schemeClr val="accent2"/>
-  <a:schemeClr val="accent3"/>
-  <a:schemeClr val="accent4"/>
-  <a:schemeClr val="accent5"/>
-  <a:schemeClr val="accent6"/>
-  <cs:variation/>
-  <cs:variation>
-    <a:lumMod val="60000"/>
-  </cs:variation>
-  <cs:variation>
-    <a:lumMod val="80000"/>
-    <a:lumOff val="20000"/>
-  </cs:variation>
-  <cs:variation>
-    <a:lumMod val="80000"/>
-  </cs:variation>
-  <cs:variation>
-    <a:lumMod val="60000"/>
-    <a:lumOff val="40000"/>
-  </cs:variation>
-  <cs:variation>
-    <a:lumMod val="50000"/>
-  </cs:variation>
-  <cs:variation>
-    <a:lumMod val="70000"/>
-    <a:lumOff val="30000"/>
-  </cs:variation>
-  <cs:variation>
-    <a:lumMod val="70000"/>
-  </cs:variation>
-  <cs:variation>
-    <a:lumMod val="50000"/>
-    <a:lumOff val="50000"/>
-  </cs:variation>
-</cs:colorStyle>
-</file>
-
-<file path=ppt/charts/style1.xml><?xml version="1.0" encoding="utf-8"?>
-<cs:chartStyle xmlns:cs="http://schemas.microsoft.com/office/drawing/2012/chartStyle" xmlns:a="http://schemas.openxmlformats.org/drawingml/2006/main" id="215">
-  <cs:axisTitle>
-    <cs:lnRef idx="0"/>
-    <cs:fillRef idx="0"/>
-    <cs:effectRef idx="0"/>
-    <cs:fontRef idx="minor">
-      <a:schemeClr val="tx1">
-        <a:lumMod val="65000"/>
-        <a:lumOff val="35000"/>
-      </a:schemeClr>
-    </cs:fontRef>
-    <cs:defRPr sz="1197" kern="1200" cap="all"/>
-  </cs:axisTitle>
-  <cs:categoryAxis>
-    <cs:lnRef idx="0"/>
-    <cs:fillRef idx="0"/>
-    <cs:effectRef idx="0"/>
-    <cs:fontRef idx="minor">
-      <a:schemeClr val="tx1">
-        <a:lumMod val="65000"/>
-        <a:lumOff val="35000"/>
-      </a:schemeClr>
-    </cs:fontRef>
-    <cs:spPr>
-      <a:ln w="15875" cap="flat" cmpd="sng" algn="ctr">
-        <a:solidFill>
-          <a:schemeClr val="tx1">
-            <a:lumMod val="25000"/>
-            <a:lumOff val="75000"/>
-          </a:schemeClr>
-        </a:solidFill>
-        <a:round/>
-      </a:ln>
-    </cs:spPr>
-    <cs:defRPr sz="1197" kern="1200" cap="none" spc="20" normalizeH="0" baseline="0"/>
-  </cs:categoryAxis>
-  <cs:chartArea mods="allowNoFillOverride allowNoLineOverride">
-    <cs:lnRef idx="0"/>
-    <cs:fillRef idx="0"/>
-    <cs:effectRef idx="0"/>
-    <cs:fontRef idx="minor">
-      <a:schemeClr val="dk1"/>
-    </cs:fontRef>
-    <cs:spPr>
-      <a:solidFill>
-        <a:schemeClr val="lt1"/>
-      </a:solidFill>
-      <a:ln w="9525" cap="flat" cmpd="sng" algn="ctr">
-        <a:solidFill>
-          <a:schemeClr val="tx1">
-            <a:lumMod val="15000"/>
-            <a:lumOff val="85000"/>
-          </a:schemeClr>
-        </a:solidFill>
-        <a:round/>
-      </a:ln>
-    </cs:spPr>
-    <cs:defRPr sz="1197" kern="1200"/>
-  </cs:chartArea>
-  <cs:dataLabel>
-    <cs:lnRef idx="0"/>
-    <cs:fillRef idx="0"/>
-    <cs:effectRef idx="0"/>
-    <cs:fontRef idx="minor">
-      <a:schemeClr val="tx1">
-        <a:lumMod val="75000"/>
-        <a:lumOff val="25000"/>
-      </a:schemeClr>
-    </cs:fontRef>
-    <cs:defRPr sz="1197" kern="1200"/>
-  </cs:dataLabel>
-  <cs:dataLabelCallout>
-    <cs:lnRef idx="0"/>
-    <cs:fillRef idx="0"/>
-    <cs:effectRef idx="0"/>
-    <cs:fontRef idx="minor">
-      <a:schemeClr val="bg1"/>
-    </cs:fontRef>
-    <cs:spPr>
-      <a:solidFill>
-        <a:schemeClr val="tx1">
-          <a:lumMod val="50000"/>
-          <a:lumOff val="50000"/>
-        </a:schemeClr>
-      </a:solidFill>
-    </cs:spPr>
-    <cs:defRPr sz="1197" kern="1200"/>
-  </cs:dataLabelCallout>
-  <cs:dataPoint>
-    <cs:lnRef idx="0"/>
-    <cs:fillRef idx="0">
-      <cs:styleClr val="auto"/>
-    </cs:fillRef>
-    <cs:effectRef idx="0"/>
-    <cs:fontRef idx="minor">
-      <a:schemeClr val="dk1"/>
-    </cs:fontRef>
-    <cs:spPr>
-      <a:solidFill>
-        <a:schemeClr val="phClr">
-          <a:alpha val="70000"/>
-        </a:schemeClr>
-      </a:solidFill>
-    </cs:spPr>
-  </cs:dataPoint>
-  <cs:dataPoint3D>
-    <cs:lnRef idx="0"/>
-    <cs:fillRef idx="0">
-      <cs:styleClr val="auto"/>
-    </cs:fillRef>
-    <cs:effectRef idx="0"/>
-    <cs:fontRef idx="minor">
-      <a:schemeClr val="dk1"/>
-    </cs:fontRef>
-    <cs:spPr>
-      <a:solidFill>
-        <a:schemeClr val="phClr">
-          <a:alpha val="70000"/>
-        </a:schemeClr>
-      </a:solidFill>
-    </cs:spPr>
-  </cs:dataPoint3D>
-  <cs:dataPointLine>
-    <cs:lnRef idx="0">
-      <cs:styleClr val="auto"/>
-    </cs:lnRef>
-    <cs:fillRef idx="0"/>
-    <cs:effectRef idx="0"/>
-    <cs:fontRef idx="minor">
-      <a:schemeClr val="dk1"/>
-    </cs:fontRef>
-    <cs:spPr>
-      <a:ln w="28575" cap="rnd">
-        <a:solidFill>
-          <a:schemeClr val="phClr">
-            <a:alpha val="70000"/>
-          </a:schemeClr>
-        </a:solidFill>
-        <a:round/>
-      </a:ln>
-    </cs:spPr>
-  </cs:dataPointLine>
-  <cs:dataPointMarker>
-    <cs:lnRef idx="0"/>
-    <cs:fillRef idx="0">
-      <cs:styleClr val="auto"/>
-    </cs:fillRef>
-    <cs:effectRef idx="0"/>
-    <cs:fontRef idx="minor">
-      <a:schemeClr val="dk1"/>
-    </cs:fontRef>
-    <cs:spPr>
-      <a:solidFill>
-        <a:schemeClr val="phClr">
-          <a:alpha val="70000"/>
-        </a:schemeClr>
-      </a:solidFill>
-    </cs:spPr>
-  </cs:dataPointMarker>
-  <cs:dataPointMarkerLayout symbol="circle" size="6"/>
-  <cs:dataPointWireframe>
-    <cs:lnRef idx="0">
-      <cs:styleClr val="auto"/>
-    </cs:lnRef>
-    <cs:fillRef idx="0"/>
-    <cs:effectRef idx="0"/>
-    <cs:fontRef idx="minor">
-      <a:schemeClr val="dk1"/>
-    </cs:fontRef>
-    <cs:spPr>
-      <a:ln w="9525" cap="rnd">
-        <a:solidFill>
-          <a:schemeClr val="phClr"/>
-        </a:solidFill>
-        <a:round/>
-      </a:ln>
-    </cs:spPr>
-  </cs:dataPointWireframe>
-  <cs:dataTable>
-    <cs:lnRef idx="0"/>
-    <cs:fillRef idx="0"/>
-    <cs:effectRef idx="0"/>
-    <cs:fontRef idx="minor">
-      <a:schemeClr val="tx1">
-        <a:lumMod val="65000"/>
-        <a:lumOff val="35000"/>
-      </a:schemeClr>
-    </cs:fontRef>
-    <cs:spPr>
-      <a:ln w="9525">
-        <a:solidFill>
-          <a:schemeClr val="tx1">
-            <a:lumMod val="15000"/>
-            <a:lumOff val="85000"/>
-          </a:schemeClr>
-        </a:solidFill>
-      </a:ln>
-    </cs:spPr>
-    <cs:defRPr sz="1197" kern="1200"/>
-  </cs:dataTable>
-  <cs:downBar>
-    <cs:lnRef idx="0"/>
-    <cs:fillRef idx="0"/>
-    <cs:effectRef idx="0"/>
-    <cs:fontRef idx="minor">
-      <a:schemeClr val="dk1"/>
-    </cs:fontRef>
-    <cs:spPr>
-      <a:solidFill>
-        <a:schemeClr val="dk1">
-          <a:lumMod val="75000"/>
-          <a:lumOff val="25000"/>
-        </a:schemeClr>
-      </a:solidFill>
-      <a:ln w="9525">
-        <a:solidFill>
-          <a:schemeClr val="tx1">
-            <a:lumMod val="65000"/>
-            <a:lumOff val="35000"/>
-          </a:schemeClr>
-        </a:solidFill>
-      </a:ln>
-    </cs:spPr>
-  </cs:downBar>
-  <cs:dropLine>
-    <cs:lnRef idx="0"/>
-    <cs:fillRef idx="0"/>
-    <cs:effectRef idx="0"/>
-    <cs:fontRef idx="minor">
-      <a:schemeClr val="dk1"/>
-    </cs:fontRef>
-    <cs:spPr>
-      <a:ln w="9525">
-        <a:solidFill>
-          <a:schemeClr val="tx1">
-            <a:lumMod val="35000"/>
-            <a:lumOff val="65000"/>
-          </a:schemeClr>
-        </a:solidFill>
-        <a:round/>
-      </a:ln>
-    </cs:spPr>
-  </cs:dropLine>
-  <cs:errorBar>
-    <cs:lnRef idx="0"/>
-    <cs:fillRef idx="0"/>
-    <cs:effectRef idx="0"/>
-    <cs:fontRef idx="minor">
-      <a:schemeClr val="dk1"/>
-    </cs:fontRef>
-    <cs:spPr>
-      <a:ln w="9525">
-        <a:solidFill>
-          <a:schemeClr val="tx1">
-            <a:lumMod val="65000"/>
-            <a:lumOff val="35000"/>
-          </a:schemeClr>
-        </a:solidFill>
-        <a:round/>
-      </a:ln>
-    </cs:spPr>
-  </cs:errorBar>
-  <cs:floor>
-    <cs:lnRef idx="0"/>
-    <cs:fillRef idx="0"/>
-    <cs:effectRef idx="0"/>
-    <cs:fontRef idx="minor">
-      <a:schemeClr val="dk1"/>
-    </cs:fontRef>
-  </cs:floor>
-  <cs:gridlineMajor>
-    <cs:lnRef idx="0"/>
-    <cs:fillRef idx="0"/>
-    <cs:effectRef idx="0"/>
-    <cs:fontRef idx="minor">
-      <a:schemeClr val="dk1"/>
-    </cs:fontRef>
-    <cs:spPr>
-      <a:ln w="9525" cap="flat" cmpd="sng" algn="ctr">
-        <a:solidFill>
-          <a:schemeClr val="tx1">
-            <a:lumMod val="5000"/>
-            <a:lumOff val="95000"/>
-          </a:schemeClr>
-        </a:solidFill>
-        <a:round/>
-      </a:ln>
-    </cs:spPr>
-  </cs:gridlineMajor>
-  <cs:gridlineMinor>
-    <cs:lnRef idx="0"/>
-    <cs:fillRef idx="0"/>
-    <cs:effectRef idx="0"/>
-    <cs:fontRef idx="minor">
-      <a:schemeClr val="dk1"/>
-    </cs:fontRef>
-    <cs:spPr>
-      <a:ln>
-        <a:solidFill>
-          <a:schemeClr val="tx1">
-            <a:lumMod val="5000"/>
-            <a:lumOff val="95000"/>
-          </a:schemeClr>
-        </a:solidFill>
-      </a:ln>
-    </cs:spPr>
-  </cs:gridlineMinor>
-  <cs:hiLoLine>
-    <cs:lnRef idx="0"/>
-    <cs:fillRef idx="0"/>
-    <cs:effectRef idx="0"/>
-    <cs:fontRef idx="minor">
-      <a:schemeClr val="dk1"/>
-    </cs:fontRef>
-    <cs:spPr>
-      <a:ln w="9525">
-        <a:solidFill>
-          <a:schemeClr val="tx1">
-            <a:lumMod val="35000"/>
-            <a:lumOff val="65000"/>
-          </a:schemeClr>
-        </a:solidFill>
-        <a:round/>
-      </a:ln>
-    </cs:spPr>
-  </cs:hiLoLine>
-  <cs:leaderLine>
-    <cs:lnRef idx="0"/>
-    <cs:fillRef idx="0"/>
-    <cs:effectRef idx="0"/>
-    <cs:fontRef idx="minor">
-      <a:schemeClr val="dk1"/>
-    </cs:fontRef>
-    <cs:spPr>
-      <a:ln w="9525">
-        <a:solidFill>
-          <a:schemeClr val="tx1">
-            <a:lumMod val="35000"/>
-            <a:lumOff val="65000"/>
-          </a:schemeClr>
-        </a:solidFill>
-      </a:ln>
-    </cs:spPr>
-  </cs:leaderLine>
-  <cs:legend>
-    <cs:lnRef idx="0"/>
-    <cs:fillRef idx="0"/>
-    <cs:effectRef idx="0"/>
-    <cs:fontRef idx="minor">
-      <a:schemeClr val="tx1">
-        <a:lumMod val="65000"/>
-        <a:lumOff val="35000"/>
-      </a:schemeClr>
-    </cs:fontRef>
-    <cs:defRPr sz="1197" kern="1200" baseline="0"/>
-  </cs:legend>
-  <cs:plotArea mods="allowNoFillOverride allowNoLineOverride">
-    <cs:lnRef idx="0"/>
-    <cs:fillRef idx="0"/>
-    <cs:effectRef idx="0"/>
-    <cs:fontRef idx="minor">
-      <a:schemeClr val="dk1"/>
-    </cs:fontRef>
-  </cs:plotArea>
-  <cs:plotArea3D mods="allowNoFillOverride allowNoLineOverride">
-    <cs:lnRef idx="0"/>
-    <cs:fillRef idx="0"/>
-    <cs:effectRef idx="0"/>
-    <cs:fontRef idx="minor">
-      <a:schemeClr val="dk1"/>
-    </cs:fontRef>
-  </cs:plotArea3D>
-  <cs:seriesAxis>
-    <cs:lnRef idx="0"/>
-    <cs:fillRef idx="0"/>
-    <cs:effectRef idx="0"/>
-    <cs:fontRef idx="minor">
-      <a:schemeClr val="tx1">
-        <a:lumMod val="65000"/>
-        <a:lumOff val="35000"/>
-      </a:schemeClr>
-    </cs:fontRef>
-    <cs:defRPr sz="1197" kern="1200"/>
-  </cs:seriesAxis>
-  <cs:seriesLine>
-    <cs:lnRef idx="0"/>
-    <cs:fillRef idx="0"/>
-    <cs:effectRef idx="0"/>
-    <cs:fontRef idx="minor">
-      <a:schemeClr val="dk1"/>
-    </cs:fontRef>
-    <cs:spPr>
-      <a:ln w="9525">
-        <a:solidFill>
-          <a:schemeClr val="tx1">
-            <a:lumMod val="35000"/>
-            <a:lumOff val="65000"/>
-          </a:schemeClr>
-        </a:solidFill>
-        <a:round/>
-      </a:ln>
-    </cs:spPr>
-  </cs:seriesLine>
-  <cs:title>
-    <cs:lnRef idx="0"/>
-    <cs:fillRef idx="0"/>
-    <cs:effectRef idx="0"/>
-    <cs:fontRef idx="major">
-      <a:schemeClr val="tx1">
-        <a:lumMod val="65000"/>
-        <a:lumOff val="35000"/>
-      </a:schemeClr>
-    </cs:fontRef>
-    <cs:defRPr sz="2128" b="0" i="0" kern="1200" cap="none" spc="50" normalizeH="0" baseline="0"/>
-  </cs:title>
-  <cs:trendline>
-    <cs:lnRef idx="0">
-      <cs:styleClr val="auto"/>
-    </cs:lnRef>
-    <cs:fillRef idx="0"/>
-    <cs:effectRef idx="0"/>
-    <cs:fontRef idx="minor">
-      <a:schemeClr val="dk1"/>
-    </cs:fontRef>
-    <cs:spPr>
-      <a:ln w="15875" cap="rnd">
-        <a:solidFill>
-          <a:schemeClr val="phClr"/>
-        </a:solidFill>
-      </a:ln>
-    </cs:spPr>
-  </cs:trendline>
-  <cs:trendlineLabel>
-    <cs:lnRef idx="0"/>
-    <cs:fillRef idx="0"/>
-    <cs:effectRef idx="0"/>
-    <cs:fontRef idx="minor">
-      <a:schemeClr val="tx1">
-        <a:lumMod val="65000"/>
-        <a:lumOff val="35000"/>
-      </a:schemeClr>
-    </cs:fontRef>
-    <cs:defRPr sz="1197" kern="1200"/>
-  </cs:trendlineLabel>
-  <cs:upBar>
-    <cs:lnRef idx="0"/>
-    <cs:fillRef idx="0"/>
-    <cs:effectRef idx="0"/>
-    <cs:fontRef idx="minor">
-      <a:schemeClr val="dk1"/>
-    </cs:fontRef>
-    <cs:spPr>
-      <a:solidFill>
-        <a:schemeClr val="lt1"/>
-      </a:solidFill>
-      <a:ln w="9525">
-        <a:solidFill>
-          <a:schemeClr val="tx1">
-            <a:lumMod val="65000"/>
-            <a:lumOff val="35000"/>
-          </a:schemeClr>
-        </a:solidFill>
-      </a:ln>
-    </cs:spPr>
-  </cs:upBar>
-  <cs:valueAxis>
-    <cs:lnRef idx="0"/>
-    <cs:fillRef idx="0"/>
-    <cs:effectRef idx="0"/>
-    <cs:fontRef idx="minor">
-      <a:schemeClr val="tx1">
-        <a:lumMod val="65000"/>
-        <a:lumOff val="35000"/>
-      </a:schemeClr>
-    </cs:fontRef>
-    <cs:defRPr sz="1197" kern="1200" spc="20" baseline="0"/>
-  </cs:valueAxis>
-  <cs:wall>
-    <cs:lnRef idx="0"/>
-    <cs:fillRef idx="0"/>
-    <cs:effectRef idx="0"/>
-    <cs:fontRef idx="minor">
-      <a:schemeClr val="dk1"/>
-    </cs:fontRef>
-  </cs:wall>
-</cs:chartStyle>
 </file>
 
 <file path=ppt/diagrams/colors1.xml><?xml version="1.0" encoding="utf-8"?>
@@ -5293,15 +4342,7 @@
         <a:p>
           <a:r>
             <a:rPr lang="en-US" sz="1400" dirty="0"/>
-            <a:t>The positions are stored as </a:t>
-          </a:r>
-          <a:r>
-            <a:rPr lang="en-US" sz="1400" dirty="0" err="1"/>
-            <a:t>javascript</a:t>
-          </a:r>
-          <a:r>
-            <a:rPr lang="en-US" sz="1400" dirty="0"/>
-            <a:t> objects.</a:t>
+            <a:t>The positions are stored as JavaScript objects.</a:t>
           </a:r>
         </a:p>
       </dgm:t>
@@ -7300,15 +6341,7 @@
         <a:p>
           <a:r>
             <a:rPr lang="en-US" sz="1600" dirty="0"/>
-            <a:t>Services Directory manage the pieces determinations, pieces </a:t>
-          </a:r>
-          <a:r>
-            <a:rPr lang="en-US" sz="1600" dirty="0" err="1"/>
-            <a:t>handeling</a:t>
-          </a:r>
-          <a:r>
-            <a:rPr lang="en-US" sz="1600" dirty="0"/>
-            <a:t> , and the players turns/movement.</a:t>
+            <a:t>Services Directory manage the pieces determinations, pieces handling , and the players turns/movement.</a:t>
           </a:r>
         </a:p>
       </dgm:t>
@@ -8870,15 +7903,7 @@
           </a:pPr>
           <a:r>
             <a:rPr lang="en-US" sz="1400" kern="1200" dirty="0"/>
-            <a:t>The positions are stored as </a:t>
-          </a:r>
-          <a:r>
-            <a:rPr lang="en-US" sz="1400" kern="1200" dirty="0" err="1"/>
-            <a:t>javascript</a:t>
-          </a:r>
-          <a:r>
-            <a:rPr lang="en-US" sz="1400" kern="1200" dirty="0"/>
-            <a:t> objects.</a:t>
+            <a:t>The positions are stored as JavaScript objects.</a:t>
           </a:r>
         </a:p>
         <a:p>
@@ -10777,15 +9802,7 @@
           </a:pPr>
           <a:r>
             <a:rPr lang="en-US" sz="1600" kern="1200" dirty="0"/>
-            <a:t>Services Directory manage the pieces determinations, pieces </a:t>
-          </a:r>
-          <a:r>
-            <a:rPr lang="en-US" sz="1600" kern="1200" dirty="0" err="1"/>
-            <a:t>handeling</a:t>
-          </a:r>
-          <a:r>
-            <a:rPr lang="en-US" sz="1600" kern="1200" dirty="0"/>
-            <a:t> , and the players turns/movement.</a:t>
+            <a:t>Services Directory manage the pieces determinations, pieces handling , and the players turns/movement.</a:t>
           </a:r>
         </a:p>
         <a:p>
@@ -18855,6 +17872,440 @@
 </p:notes>
 </file>
 
+<file path=ppt/notesSlides/notesSlide10.xml><?xml version="1.0" encoding="utf-8"?>
+<p:notes xmlns:a="http://schemas.openxmlformats.org/drawingml/2006/main" xmlns:r="http://schemas.openxmlformats.org/officeDocument/2006/relationships" xmlns:p="http://schemas.openxmlformats.org/presentationml/2006/main">
+  <p:cSld>
+    <p:spTree>
+      <p:nvGrpSpPr>
+        <p:cNvPr id="1" name=""/>
+        <p:cNvGrpSpPr/>
+        <p:nvPr/>
+      </p:nvGrpSpPr>
+      <p:grpSpPr>
+        <a:xfrm>
+          <a:off x="0" y="0"/>
+          <a:ext cx="0" cy="0"/>
+          <a:chOff x="0" y="0"/>
+          <a:chExt cx="0" cy="0"/>
+        </a:xfrm>
+      </p:grpSpPr>
+      <p:sp>
+        <p:nvSpPr>
+          <p:cNvPr id="2" name="Slide Image Placeholder 1"/>
+          <p:cNvSpPr>
+            <a:spLocks noGrp="1" noRot="1" noChangeAspect="1"/>
+          </p:cNvSpPr>
+          <p:nvPr>
+            <p:ph type="sldImg"/>
+          </p:nvPr>
+        </p:nvSpPr>
+        <p:spPr/>
+      </p:sp>
+      <p:sp>
+        <p:nvSpPr>
+          <p:cNvPr id="3" name="Notes Placeholder 2"/>
+          <p:cNvSpPr>
+            <a:spLocks noGrp="1"/>
+          </p:cNvSpPr>
+          <p:nvPr>
+            <p:ph type="body" idx="1"/>
+          </p:nvPr>
+        </p:nvSpPr>
+        <p:spPr/>
+        <p:txBody>
+          <a:bodyPr/>
+          <a:lstStyle/>
+          <a:p>
+            <a:pPr marL="0" marR="0" indent="0" algn="l" defTabSz="914400" rtl="0" eaLnBrk="1" fontAlgn="auto" latinLnBrk="0" hangingPunct="1">
+              <a:lnSpc>
+                <a:spcPct val="100000"/>
+              </a:lnSpc>
+              <a:spcBef>
+                <a:spcPts val="0"/>
+              </a:spcBef>
+              <a:spcAft>
+                <a:spcPts val="0"/>
+              </a:spcAft>
+              <a:buClrTx/>
+              <a:buSzTx/>
+              <a:buFontTx/>
+              <a:buNone/>
+              <a:tabLst/>
+              <a:defRPr/>
+            </a:pPr>
+            <a:r>
+              <a:rPr lang="en-US" dirty="0"/>
+              <a:t>Summarize your research in</a:t>
+            </a:r>
+            <a:r>
+              <a:rPr lang="en-US" baseline="0" dirty="0"/>
+              <a:t> three to five points.</a:t>
+            </a:r>
+            <a:endParaRPr lang="en-US" dirty="0"/>
+          </a:p>
+          <a:p>
+            <a:endParaRPr lang="en-US" dirty="0"/>
+          </a:p>
+        </p:txBody>
+      </p:sp>
+      <p:sp>
+        <p:nvSpPr>
+          <p:cNvPr id="4" name="Slide Number Placeholder 3"/>
+          <p:cNvSpPr>
+            <a:spLocks noGrp="1"/>
+          </p:cNvSpPr>
+          <p:nvPr>
+            <p:ph type="sldNum" sz="quarter" idx="10"/>
+          </p:nvPr>
+        </p:nvSpPr>
+        <p:spPr/>
+        <p:txBody>
+          <a:bodyPr/>
+          <a:lstStyle/>
+          <a:p>
+            <a:fld id="{5D81F1E7-4EFD-4BFF-B438-FCD52FD36B17}" type="slidenum">
+              <a:rPr lang="en-US" smtClean="0"/>
+              <a:t>16</a:t>
+            </a:fld>
+            <a:endParaRPr lang="en-US"/>
+          </a:p>
+        </p:txBody>
+      </p:sp>
+    </p:spTree>
+    <p:extLst>
+      <p:ext uri="{BB962C8B-B14F-4D97-AF65-F5344CB8AC3E}">
+        <p14:creationId xmlns:p14="http://schemas.microsoft.com/office/powerpoint/2010/main" val="3363953032"/>
+      </p:ext>
+    </p:extLst>
+  </p:cSld>
+  <p:clrMapOvr>
+    <a:masterClrMapping/>
+  </p:clrMapOvr>
+</p:notes>
+</file>
+
+<file path=ppt/notesSlides/notesSlide11.xml><?xml version="1.0" encoding="utf-8"?>
+<p:notes xmlns:a="http://schemas.openxmlformats.org/drawingml/2006/main" xmlns:r="http://schemas.openxmlformats.org/officeDocument/2006/relationships" xmlns:p="http://schemas.openxmlformats.org/presentationml/2006/main">
+  <p:cSld>
+    <p:spTree>
+      <p:nvGrpSpPr>
+        <p:cNvPr id="1" name=""/>
+        <p:cNvGrpSpPr/>
+        <p:nvPr/>
+      </p:nvGrpSpPr>
+      <p:grpSpPr>
+        <a:xfrm>
+          <a:off x="0" y="0"/>
+          <a:ext cx="0" cy="0"/>
+          <a:chOff x="0" y="0"/>
+          <a:chExt cx="0" cy="0"/>
+        </a:xfrm>
+      </p:grpSpPr>
+      <p:sp>
+        <p:nvSpPr>
+          <p:cNvPr id="2" name="Slide Image Placeholder 1"/>
+          <p:cNvSpPr>
+            <a:spLocks noGrp="1" noRot="1" noChangeAspect="1"/>
+          </p:cNvSpPr>
+          <p:nvPr>
+            <p:ph type="sldImg"/>
+          </p:nvPr>
+        </p:nvSpPr>
+        <p:spPr/>
+      </p:sp>
+      <p:sp>
+        <p:nvSpPr>
+          <p:cNvPr id="3" name="Notes Placeholder 2"/>
+          <p:cNvSpPr>
+            <a:spLocks noGrp="1"/>
+          </p:cNvSpPr>
+          <p:nvPr>
+            <p:ph type="body" idx="1"/>
+          </p:nvPr>
+        </p:nvSpPr>
+        <p:spPr/>
+        <p:txBody>
+          <a:bodyPr/>
+          <a:lstStyle/>
+          <a:p>
+            <a:pPr marL="0" marR="0" indent="0" algn="l" defTabSz="914400" rtl="0" eaLnBrk="1" fontAlgn="auto" latinLnBrk="0" hangingPunct="1">
+              <a:lnSpc>
+                <a:spcPct val="100000"/>
+              </a:lnSpc>
+              <a:spcBef>
+                <a:spcPts val="0"/>
+              </a:spcBef>
+              <a:spcAft>
+                <a:spcPts val="0"/>
+              </a:spcAft>
+              <a:buClrTx/>
+              <a:buSzTx/>
+              <a:buFontTx/>
+              <a:buNone/>
+              <a:tabLst/>
+              <a:defRPr/>
+            </a:pPr>
+            <a:r>
+              <a:rPr lang="en-US" dirty="0"/>
+              <a:t>Summarize your research in</a:t>
+            </a:r>
+            <a:r>
+              <a:rPr lang="en-US" baseline="0" dirty="0"/>
+              <a:t> three to five points.</a:t>
+            </a:r>
+            <a:endParaRPr lang="en-US" dirty="0"/>
+          </a:p>
+          <a:p>
+            <a:endParaRPr lang="en-US" dirty="0"/>
+          </a:p>
+        </p:txBody>
+      </p:sp>
+      <p:sp>
+        <p:nvSpPr>
+          <p:cNvPr id="4" name="Slide Number Placeholder 3"/>
+          <p:cNvSpPr>
+            <a:spLocks noGrp="1"/>
+          </p:cNvSpPr>
+          <p:nvPr>
+            <p:ph type="sldNum" sz="quarter" idx="10"/>
+          </p:nvPr>
+        </p:nvSpPr>
+        <p:spPr/>
+        <p:txBody>
+          <a:bodyPr/>
+          <a:lstStyle/>
+          <a:p>
+            <a:fld id="{5D81F1E7-4EFD-4BFF-B438-FCD52FD36B17}" type="slidenum">
+              <a:rPr lang="en-US" smtClean="0"/>
+              <a:t>17</a:t>
+            </a:fld>
+            <a:endParaRPr lang="en-US"/>
+          </a:p>
+        </p:txBody>
+      </p:sp>
+    </p:spTree>
+    <p:extLst>
+      <p:ext uri="{BB962C8B-B14F-4D97-AF65-F5344CB8AC3E}">
+        <p14:creationId xmlns:p14="http://schemas.microsoft.com/office/powerpoint/2010/main" val="2806478324"/>
+      </p:ext>
+    </p:extLst>
+  </p:cSld>
+  <p:clrMapOvr>
+    <a:masterClrMapping/>
+  </p:clrMapOvr>
+</p:notes>
+</file>
+
+<file path=ppt/notesSlides/notesSlide12.xml><?xml version="1.0" encoding="utf-8"?>
+<p:notes xmlns:a="http://schemas.openxmlformats.org/drawingml/2006/main" xmlns:r="http://schemas.openxmlformats.org/officeDocument/2006/relationships" xmlns:p="http://schemas.openxmlformats.org/presentationml/2006/main">
+  <p:cSld>
+    <p:spTree>
+      <p:nvGrpSpPr>
+        <p:cNvPr id="1" name=""/>
+        <p:cNvGrpSpPr/>
+        <p:nvPr/>
+      </p:nvGrpSpPr>
+      <p:grpSpPr>
+        <a:xfrm>
+          <a:off x="0" y="0"/>
+          <a:ext cx="0" cy="0"/>
+          <a:chOff x="0" y="0"/>
+          <a:chExt cx="0" cy="0"/>
+        </a:xfrm>
+      </p:grpSpPr>
+      <p:sp>
+        <p:nvSpPr>
+          <p:cNvPr id="2" name="Slide Image Placeholder 1"/>
+          <p:cNvSpPr>
+            <a:spLocks noGrp="1" noRot="1" noChangeAspect="1"/>
+          </p:cNvSpPr>
+          <p:nvPr>
+            <p:ph type="sldImg"/>
+          </p:nvPr>
+        </p:nvSpPr>
+        <p:spPr/>
+      </p:sp>
+      <p:sp>
+        <p:nvSpPr>
+          <p:cNvPr id="3" name="Notes Placeholder 2"/>
+          <p:cNvSpPr>
+            <a:spLocks noGrp="1"/>
+          </p:cNvSpPr>
+          <p:nvPr>
+            <p:ph type="body" idx="1"/>
+          </p:nvPr>
+        </p:nvSpPr>
+        <p:spPr/>
+        <p:txBody>
+          <a:bodyPr/>
+          <a:lstStyle/>
+          <a:p>
+            <a:r>
+              <a:rPr lang="en-US" dirty="0"/>
+              <a:t>List all of the steps used in completing</a:t>
+            </a:r>
+            <a:r>
+              <a:rPr lang="en-US" baseline="0" dirty="0"/>
+              <a:t> your experiment.</a:t>
+            </a:r>
+          </a:p>
+          <a:p>
+            <a:r>
+              <a:rPr lang="en-US" baseline="0" dirty="0"/>
+              <a:t>Remember to number your steps.</a:t>
+            </a:r>
+            <a:endParaRPr lang="en-US" dirty="0"/>
+          </a:p>
+        </p:txBody>
+      </p:sp>
+      <p:sp>
+        <p:nvSpPr>
+          <p:cNvPr id="4" name="Slide Number Placeholder 3"/>
+          <p:cNvSpPr>
+            <a:spLocks noGrp="1"/>
+          </p:cNvSpPr>
+          <p:nvPr>
+            <p:ph type="sldNum" sz="quarter" idx="10"/>
+          </p:nvPr>
+        </p:nvSpPr>
+        <p:spPr/>
+        <p:txBody>
+          <a:bodyPr/>
+          <a:lstStyle/>
+          <a:p>
+            <a:fld id="{5D81F1E7-4EFD-4BFF-B438-FCD52FD36B17}" type="slidenum">
+              <a:rPr lang="en-US" smtClean="0"/>
+              <a:t>18</a:t>
+            </a:fld>
+            <a:endParaRPr lang="en-US" dirty="0"/>
+          </a:p>
+        </p:txBody>
+      </p:sp>
+    </p:spTree>
+    <p:extLst>
+      <p:ext uri="{BB962C8B-B14F-4D97-AF65-F5344CB8AC3E}">
+        <p14:creationId xmlns:p14="http://schemas.microsoft.com/office/powerpoint/2010/main" val="4167736229"/>
+      </p:ext>
+    </p:extLst>
+  </p:cSld>
+  <p:clrMapOvr>
+    <a:masterClrMapping/>
+  </p:clrMapOvr>
+</p:notes>
+</file>
+
+<file path=ppt/notesSlides/notesSlide13.xml><?xml version="1.0" encoding="utf-8"?>
+<p:notes xmlns:a="http://schemas.openxmlformats.org/drawingml/2006/main" xmlns:r="http://schemas.openxmlformats.org/officeDocument/2006/relationships" xmlns:p="http://schemas.openxmlformats.org/presentationml/2006/main">
+  <p:cSld>
+    <p:spTree>
+      <p:nvGrpSpPr>
+        <p:cNvPr id="1" name=""/>
+        <p:cNvGrpSpPr/>
+        <p:nvPr/>
+      </p:nvGrpSpPr>
+      <p:grpSpPr>
+        <a:xfrm>
+          <a:off x="0" y="0"/>
+          <a:ext cx="0" cy="0"/>
+          <a:chOff x="0" y="0"/>
+          <a:chExt cx="0" cy="0"/>
+        </a:xfrm>
+      </p:grpSpPr>
+      <p:sp>
+        <p:nvSpPr>
+          <p:cNvPr id="2" name="Slide Image Placeholder 1"/>
+          <p:cNvSpPr>
+            <a:spLocks noGrp="1" noRot="1" noChangeAspect="1"/>
+          </p:cNvSpPr>
+          <p:nvPr>
+            <p:ph type="sldImg"/>
+          </p:nvPr>
+        </p:nvSpPr>
+        <p:spPr/>
+      </p:sp>
+      <p:sp>
+        <p:nvSpPr>
+          <p:cNvPr id="3" name="Notes Placeholder 2"/>
+          <p:cNvSpPr>
+            <a:spLocks noGrp="1"/>
+          </p:cNvSpPr>
+          <p:nvPr>
+            <p:ph type="body" idx="1"/>
+          </p:nvPr>
+        </p:nvSpPr>
+        <p:spPr/>
+        <p:txBody>
+          <a:bodyPr/>
+          <a:lstStyle/>
+          <a:p>
+            <a:pPr marL="0" marR="0" indent="0" algn="l" defTabSz="914400" rtl="0" eaLnBrk="1" fontAlgn="auto" latinLnBrk="0" hangingPunct="1">
+              <a:lnSpc>
+                <a:spcPct val="100000"/>
+              </a:lnSpc>
+              <a:spcBef>
+                <a:spcPts val="0"/>
+              </a:spcBef>
+              <a:spcAft>
+                <a:spcPts val="0"/>
+              </a:spcAft>
+              <a:buClrTx/>
+              <a:buSzTx/>
+              <a:buFontTx/>
+              <a:buNone/>
+              <a:tabLst/>
+              <a:defRPr/>
+            </a:pPr>
+            <a:r>
+              <a:rPr lang="en-US" dirty="0"/>
+              <a:t>Summarize your research in</a:t>
+            </a:r>
+            <a:r>
+              <a:rPr lang="en-US" baseline="0" dirty="0"/>
+              <a:t> three to five points.</a:t>
+            </a:r>
+            <a:endParaRPr lang="en-US" dirty="0"/>
+          </a:p>
+          <a:p>
+            <a:endParaRPr lang="en-US" dirty="0"/>
+          </a:p>
+        </p:txBody>
+      </p:sp>
+      <p:sp>
+        <p:nvSpPr>
+          <p:cNvPr id="4" name="Slide Number Placeholder 3"/>
+          <p:cNvSpPr>
+            <a:spLocks noGrp="1"/>
+          </p:cNvSpPr>
+          <p:nvPr>
+            <p:ph type="sldNum" sz="quarter" idx="10"/>
+          </p:nvPr>
+        </p:nvSpPr>
+        <p:spPr/>
+        <p:txBody>
+          <a:bodyPr/>
+          <a:lstStyle/>
+          <a:p>
+            <a:fld id="{5D81F1E7-4EFD-4BFF-B438-FCD52FD36B17}" type="slidenum">
+              <a:rPr lang="en-US" smtClean="0"/>
+              <a:t>20</a:t>
+            </a:fld>
+            <a:endParaRPr lang="en-US" dirty="0"/>
+          </a:p>
+        </p:txBody>
+      </p:sp>
+    </p:spTree>
+    <p:extLst>
+      <p:ext uri="{BB962C8B-B14F-4D97-AF65-F5344CB8AC3E}">
+        <p14:creationId xmlns:p14="http://schemas.microsoft.com/office/powerpoint/2010/main" val="3232863937"/>
+      </p:ext>
+    </p:extLst>
+  </p:cSld>
+  <p:clrMapOvr>
+    <a:masterClrMapping/>
+  </p:clrMapOvr>
+</p:notes>
+</file>
+
 <file path=ppt/notesSlides/notesSlide2.xml><?xml version="1.0" encoding="utf-8"?>
 <p:notes xmlns:a="http://schemas.openxmlformats.org/drawingml/2006/main" xmlns:r="http://schemas.openxmlformats.org/officeDocument/2006/relationships" xmlns:p="http://schemas.openxmlformats.org/presentationml/2006/main">
   <p:cSld>
@@ -19030,15 +18481,12 @@
             </a:pPr>
             <a:r>
               <a:rPr lang="en-US" dirty="0"/>
-              <a:t>Summarize your research in</a:t>
+              <a:t>Establish hypothesis</a:t>
             </a:r>
             <a:r>
               <a:rPr lang="en-US" baseline="0" dirty="0"/>
-              <a:t> three to five points.</a:t>
+              <a:t> before you begin the experiment. This should be your best educated guess based on your research.</a:t>
             </a:r>
-            <a:endParaRPr lang="en-US" dirty="0"/>
-          </a:p>
-          <a:p>
             <a:endParaRPr lang="en-US" dirty="0"/>
           </a:p>
         </p:txBody>
@@ -19069,7 +18517,7 @@
     </p:spTree>
     <p:extLst>
       <p:ext uri="{BB962C8B-B14F-4D97-AF65-F5344CB8AC3E}">
-        <p14:creationId xmlns:p14="http://schemas.microsoft.com/office/powerpoint/2010/main" val="3232863937"/>
+        <p14:creationId xmlns:p14="http://schemas.microsoft.com/office/powerpoint/2010/main" val="1862177854"/>
       </p:ext>
     </p:extLst>
   </p:cSld>
@@ -19178,7 +18626,7 @@
     </p:spTree>
     <p:extLst>
       <p:ext uri="{BB962C8B-B14F-4D97-AF65-F5344CB8AC3E}">
-        <p14:creationId xmlns:p14="http://schemas.microsoft.com/office/powerpoint/2010/main" val="1862177854"/>
+        <p14:creationId xmlns:p14="http://schemas.microsoft.com/office/powerpoint/2010/main" val="4205867230"/>
       </p:ext>
     </p:extLst>
   </p:cSld>
@@ -19287,7 +18735,7 @@
     </p:spTree>
     <p:extLst>
       <p:ext uri="{BB962C8B-B14F-4D97-AF65-F5344CB8AC3E}">
-        <p14:creationId xmlns:p14="http://schemas.microsoft.com/office/powerpoint/2010/main" val="4205867230"/>
+        <p14:creationId xmlns:p14="http://schemas.microsoft.com/office/powerpoint/2010/main" val="3381575502"/>
       </p:ext>
     </p:extLst>
   </p:cSld>
@@ -19360,12 +18808,15 @@
             </a:pPr>
             <a:r>
               <a:rPr lang="en-US" dirty="0"/>
-              <a:t>Establish hypothesis</a:t>
+              <a:t>Summarize your research in</a:t>
             </a:r>
             <a:r>
               <a:rPr lang="en-US" baseline="0" dirty="0"/>
-              <a:t> before you begin the experiment. This should be your best educated guess based on your research.</a:t>
+              <a:t> three to five points.</a:t>
             </a:r>
+            <a:endParaRPr lang="en-US" dirty="0"/>
+          </a:p>
+          <a:p>
             <a:endParaRPr lang="en-US" dirty="0"/>
           </a:p>
         </p:txBody>
@@ -19387,16 +18838,16 @@
           <a:p>
             <a:fld id="{5D81F1E7-4EFD-4BFF-B438-FCD52FD36B17}" type="slidenum">
               <a:rPr lang="en-US" smtClean="0"/>
-              <a:t>8</a:t>
+              <a:t>12</a:t>
             </a:fld>
-            <a:endParaRPr lang="en-US" dirty="0"/>
+            <a:endParaRPr lang="en-US"/>
           </a:p>
         </p:txBody>
       </p:sp>
     </p:spTree>
     <p:extLst>
       <p:ext uri="{BB962C8B-B14F-4D97-AF65-F5344CB8AC3E}">
-        <p14:creationId xmlns:p14="http://schemas.microsoft.com/office/powerpoint/2010/main" val="3381575502"/>
+        <p14:creationId xmlns:p14="http://schemas.microsoft.com/office/powerpoint/2010/main" val="2099569614"/>
       </p:ext>
     </p:extLst>
   </p:cSld>
@@ -19508,7 +18959,7 @@
     </p:spTree>
     <p:extLst>
       <p:ext uri="{BB962C8B-B14F-4D97-AF65-F5344CB8AC3E}">
-        <p14:creationId xmlns:p14="http://schemas.microsoft.com/office/powerpoint/2010/main" val="2099569614"/>
+        <p14:creationId xmlns:p14="http://schemas.microsoft.com/office/powerpoint/2010/main" val="191030737"/>
       </p:ext>
     </p:extLst>
   </p:cSld>
@@ -19562,20 +19013,34 @@
           <a:bodyPr/>
           <a:lstStyle/>
           <a:p>
+            <a:pPr marL="0" marR="0" indent="0" algn="l" defTabSz="914400" rtl="0" eaLnBrk="1" fontAlgn="auto" latinLnBrk="0" hangingPunct="1">
+              <a:lnSpc>
+                <a:spcPct val="100000"/>
+              </a:lnSpc>
+              <a:spcBef>
+                <a:spcPts val="0"/>
+              </a:spcBef>
+              <a:spcAft>
+                <a:spcPts val="0"/>
+              </a:spcAft>
+              <a:buClrTx/>
+              <a:buSzTx/>
+              <a:buFontTx/>
+              <a:buNone/>
+              <a:tabLst/>
+              <a:defRPr/>
+            </a:pPr>
             <a:r>
               <a:rPr lang="en-US" dirty="0"/>
-              <a:t>List all of the steps used in completing</a:t>
+              <a:t>Summarize your research in</a:t>
             </a:r>
             <a:r>
               <a:rPr lang="en-US" baseline="0" dirty="0"/>
-              <a:t> your experiment.</a:t>
+              <a:t> three to five points.</a:t>
             </a:r>
+            <a:endParaRPr lang="en-US" dirty="0"/>
           </a:p>
           <a:p>
-            <a:r>
-              <a:rPr lang="en-US" baseline="0" dirty="0"/>
-              <a:t>Remember to number your steps.</a:t>
-            </a:r>
             <a:endParaRPr lang="en-US" dirty="0"/>
           </a:p>
         </p:txBody>
@@ -19599,14 +19064,126 @@
               <a:rPr lang="en-US" smtClean="0"/>
               <a:t>14</a:t>
             </a:fld>
-            <a:endParaRPr lang="en-US" dirty="0"/>
+            <a:endParaRPr lang="en-US"/>
           </a:p>
         </p:txBody>
       </p:sp>
     </p:spTree>
     <p:extLst>
       <p:ext uri="{BB962C8B-B14F-4D97-AF65-F5344CB8AC3E}">
-        <p14:creationId xmlns:p14="http://schemas.microsoft.com/office/powerpoint/2010/main" val="4167736229"/>
+        <p14:creationId xmlns:p14="http://schemas.microsoft.com/office/powerpoint/2010/main" val="2673275058"/>
+      </p:ext>
+    </p:extLst>
+  </p:cSld>
+  <p:clrMapOvr>
+    <a:masterClrMapping/>
+  </p:clrMapOvr>
+</p:notes>
+</file>
+
+<file path=ppt/notesSlides/notesSlide9.xml><?xml version="1.0" encoding="utf-8"?>
+<p:notes xmlns:a="http://schemas.openxmlformats.org/drawingml/2006/main" xmlns:r="http://schemas.openxmlformats.org/officeDocument/2006/relationships" xmlns:p="http://schemas.openxmlformats.org/presentationml/2006/main">
+  <p:cSld>
+    <p:spTree>
+      <p:nvGrpSpPr>
+        <p:cNvPr id="1" name=""/>
+        <p:cNvGrpSpPr/>
+        <p:nvPr/>
+      </p:nvGrpSpPr>
+      <p:grpSpPr>
+        <a:xfrm>
+          <a:off x="0" y="0"/>
+          <a:ext cx="0" cy="0"/>
+          <a:chOff x="0" y="0"/>
+          <a:chExt cx="0" cy="0"/>
+        </a:xfrm>
+      </p:grpSpPr>
+      <p:sp>
+        <p:nvSpPr>
+          <p:cNvPr id="2" name="Slide Image Placeholder 1"/>
+          <p:cNvSpPr>
+            <a:spLocks noGrp="1" noRot="1" noChangeAspect="1"/>
+          </p:cNvSpPr>
+          <p:nvPr>
+            <p:ph type="sldImg"/>
+          </p:nvPr>
+        </p:nvSpPr>
+        <p:spPr/>
+      </p:sp>
+      <p:sp>
+        <p:nvSpPr>
+          <p:cNvPr id="3" name="Notes Placeholder 2"/>
+          <p:cNvSpPr>
+            <a:spLocks noGrp="1"/>
+          </p:cNvSpPr>
+          <p:nvPr>
+            <p:ph type="body" idx="1"/>
+          </p:nvPr>
+        </p:nvSpPr>
+        <p:spPr/>
+        <p:txBody>
+          <a:bodyPr/>
+          <a:lstStyle/>
+          <a:p>
+            <a:pPr marL="0" marR="0" indent="0" algn="l" defTabSz="914400" rtl="0" eaLnBrk="1" fontAlgn="auto" latinLnBrk="0" hangingPunct="1">
+              <a:lnSpc>
+                <a:spcPct val="100000"/>
+              </a:lnSpc>
+              <a:spcBef>
+                <a:spcPts val="0"/>
+              </a:spcBef>
+              <a:spcAft>
+                <a:spcPts val="0"/>
+              </a:spcAft>
+              <a:buClrTx/>
+              <a:buSzTx/>
+              <a:buFontTx/>
+              <a:buNone/>
+              <a:tabLst/>
+              <a:defRPr/>
+            </a:pPr>
+            <a:r>
+              <a:rPr lang="en-US" dirty="0"/>
+              <a:t>Summarize your research in</a:t>
+            </a:r>
+            <a:r>
+              <a:rPr lang="en-US" baseline="0" dirty="0"/>
+              <a:t> three to five points.</a:t>
+            </a:r>
+            <a:endParaRPr lang="en-US" dirty="0"/>
+          </a:p>
+          <a:p>
+            <a:endParaRPr lang="en-US" dirty="0"/>
+          </a:p>
+        </p:txBody>
+      </p:sp>
+      <p:sp>
+        <p:nvSpPr>
+          <p:cNvPr id="4" name="Slide Number Placeholder 3"/>
+          <p:cNvSpPr>
+            <a:spLocks noGrp="1"/>
+          </p:cNvSpPr>
+          <p:nvPr>
+            <p:ph type="sldNum" sz="quarter" idx="10"/>
+          </p:nvPr>
+        </p:nvSpPr>
+        <p:spPr/>
+        <p:txBody>
+          <a:bodyPr/>
+          <a:lstStyle/>
+          <a:p>
+            <a:fld id="{5D81F1E7-4EFD-4BFF-B438-FCD52FD36B17}" type="slidenum">
+              <a:rPr lang="en-US" smtClean="0"/>
+              <a:t>15</a:t>
+            </a:fld>
+            <a:endParaRPr lang="en-US"/>
+          </a:p>
+        </p:txBody>
+      </p:sp>
+    </p:spTree>
+    <p:extLst>
+      <p:ext uri="{BB962C8B-B14F-4D97-AF65-F5344CB8AC3E}">
+        <p14:creationId xmlns:p14="http://schemas.microsoft.com/office/powerpoint/2010/main" val="4279235267"/>
       </p:ext>
     </p:extLst>
   </p:cSld>
@@ -23368,7 +22945,7 @@
           <a:p>
             <a:r>
               <a:rPr lang="en-US" dirty="0"/>
-              <a:t>Events:</a:t>
+              <a:t>CSS. [Name of file is style.css]:</a:t>
             </a:r>
           </a:p>
         </p:txBody>
@@ -23383,7 +22960,7 @@
             <p:ph idx="1"/>
             <p:extLst>
               <p:ext uri="{D42A27DB-BD31-4B8C-83A1-F6EECF244321}">
-                <p14:modId xmlns:p14="http://schemas.microsoft.com/office/powerpoint/2010/main" val="900388693"/>
+                <p14:modId xmlns:p14="http://schemas.microsoft.com/office/powerpoint/2010/main" val="2779252180"/>
               </p:ext>
             </p:extLst>
           </p:nvPr>
@@ -23401,7 +22978,7 @@
     </p:spTree>
     <p:extLst>
       <p:ext uri="{BB962C8B-B14F-4D97-AF65-F5344CB8AC3E}">
-        <p14:creationId xmlns:p14="http://schemas.microsoft.com/office/powerpoint/2010/main" val="2458698177"/>
+        <p14:creationId xmlns:p14="http://schemas.microsoft.com/office/powerpoint/2010/main" val="1915705820"/>
       </p:ext>
     </p:extLst>
   </p:cSld>
@@ -23457,7 +23034,7 @@
           <a:p>
             <a:r>
               <a:rPr lang="en-US" dirty="0"/>
-              <a:t>CSS. Name of file is style.css</a:t>
+              <a:t>Java Script:</a:t>
             </a:r>
           </a:p>
         </p:txBody>
@@ -23472,7 +23049,7 @@
             <p:ph idx="1"/>
             <p:extLst>
               <p:ext uri="{D42A27DB-BD31-4B8C-83A1-F6EECF244321}">
-                <p14:modId xmlns:p14="http://schemas.microsoft.com/office/powerpoint/2010/main" val="2779252180"/>
+                <p14:modId xmlns:p14="http://schemas.microsoft.com/office/powerpoint/2010/main" val="3358360966"/>
               </p:ext>
             </p:extLst>
           </p:nvPr>
@@ -23490,7 +23067,7 @@
     </p:spTree>
     <p:extLst>
       <p:ext uri="{BB962C8B-B14F-4D97-AF65-F5344CB8AC3E}">
-        <p14:creationId xmlns:p14="http://schemas.microsoft.com/office/powerpoint/2010/main" val="1915705820"/>
+        <p14:creationId xmlns:p14="http://schemas.microsoft.com/office/powerpoint/2010/main" val="3364061144"/>
       </p:ext>
     </p:extLst>
   </p:cSld>
@@ -23531,7 +23108,13 @@
       </p:grpSpPr>
       <p:sp>
         <p:nvSpPr>
-          <p:cNvPr id="2" name="Title 1"/>
+          <p:cNvPr id="5" name="Title 4">
+            <a:extLst>
+              <a:ext uri="{FF2B5EF4-FFF2-40B4-BE49-F238E27FC236}">
+                <a16:creationId xmlns:a16="http://schemas.microsoft.com/office/drawing/2014/main" id="{C24D817F-800F-42FD-8A23-6CE84305CE6D}"/>
+              </a:ext>
+            </a:extLst>
+          </p:cNvPr>
           <p:cNvSpPr>
             <a:spLocks noGrp="1"/>
           </p:cNvSpPr>
@@ -23546,40 +23129,489 @@
           <a:p>
             <a:r>
               <a:rPr lang="en-US" dirty="0"/>
-              <a:t>Java Script:</a:t>
+              <a:t>Chess DFD [Level 0]:</a:t>
+            </a:r>
+            <a:endParaRPr lang="en-IN" dirty="0"/>
+          </a:p>
+        </p:txBody>
+      </p:sp>
+      <p:sp>
+        <p:nvSpPr>
+          <p:cNvPr id="6" name="Rectangle: Rounded Corners 5">
+            <a:extLst>
+              <a:ext uri="{FF2B5EF4-FFF2-40B4-BE49-F238E27FC236}">
+                <a16:creationId xmlns:a16="http://schemas.microsoft.com/office/drawing/2014/main" id="{92D7985D-F340-4616-BDE7-6009F7AFEE57}"/>
+              </a:ext>
+            </a:extLst>
+          </p:cNvPr>
+          <p:cNvSpPr/>
+          <p:nvPr/>
+        </p:nvSpPr>
+        <p:spPr>
+          <a:xfrm>
+            <a:off x="298698" y="3314325"/>
+            <a:ext cx="2605865" cy="1097279"/>
+          </a:xfrm>
+          <a:prstGeom prst="roundRect">
+            <a:avLst/>
+          </a:prstGeom>
+        </p:spPr>
+        <p:style>
+          <a:lnRef idx="2">
+            <a:schemeClr val="accent1">
+              <a:shade val="50000"/>
+            </a:schemeClr>
+          </a:lnRef>
+          <a:fillRef idx="1">
+            <a:schemeClr val="accent1"/>
+          </a:fillRef>
+          <a:effectRef idx="0">
+            <a:schemeClr val="accent1"/>
+          </a:effectRef>
+          <a:fontRef idx="minor">
+            <a:schemeClr val="lt1"/>
+          </a:fontRef>
+        </p:style>
+        <p:txBody>
+          <a:bodyPr rtlCol="0" anchor="ctr"/>
+          <a:lstStyle/>
+          <a:p>
+            <a:pPr algn="ctr"/>
+            <a:r>
+              <a:rPr lang="en-US" dirty="0"/>
+              <a:t>Player 1</a:t>
+            </a:r>
+            <a:endParaRPr lang="en-IN" dirty="0"/>
+          </a:p>
+        </p:txBody>
+      </p:sp>
+      <p:sp>
+        <p:nvSpPr>
+          <p:cNvPr id="7" name="Arrow: Right 6">
+            <a:extLst>
+              <a:ext uri="{FF2B5EF4-FFF2-40B4-BE49-F238E27FC236}">
+                <a16:creationId xmlns:a16="http://schemas.microsoft.com/office/drawing/2014/main" id="{2D11F8FD-2467-4160-A7D6-6EEEE1ED5027}"/>
+              </a:ext>
+            </a:extLst>
+          </p:cNvPr>
+          <p:cNvSpPr/>
+          <p:nvPr/>
+        </p:nvSpPr>
+        <p:spPr>
+          <a:xfrm>
+            <a:off x="2904563" y="3429000"/>
+            <a:ext cx="1470766" cy="368523"/>
+          </a:xfrm>
+          <a:prstGeom prst="rightArrow">
+            <a:avLst/>
+          </a:prstGeom>
+        </p:spPr>
+        <p:style>
+          <a:lnRef idx="2">
+            <a:schemeClr val="accent1">
+              <a:shade val="50000"/>
+            </a:schemeClr>
+          </a:lnRef>
+          <a:fillRef idx="1">
+            <a:schemeClr val="accent1"/>
+          </a:fillRef>
+          <a:effectRef idx="0">
+            <a:schemeClr val="accent1"/>
+          </a:effectRef>
+          <a:fontRef idx="minor">
+            <a:schemeClr val="lt1"/>
+          </a:fontRef>
+        </p:style>
+        <p:txBody>
+          <a:bodyPr rtlCol="0" anchor="ctr"/>
+          <a:lstStyle/>
+          <a:p>
+            <a:pPr algn="ctr"/>
+            <a:endParaRPr lang="en-IN"/>
+          </a:p>
+        </p:txBody>
+      </p:sp>
+      <p:sp>
+        <p:nvSpPr>
+          <p:cNvPr id="2" name="Oval 1">
+            <a:extLst>
+              <a:ext uri="{FF2B5EF4-FFF2-40B4-BE49-F238E27FC236}">
+                <a16:creationId xmlns:a16="http://schemas.microsoft.com/office/drawing/2014/main" id="{BD7FECE9-418D-4846-9098-745A17251C13}"/>
+              </a:ext>
+            </a:extLst>
+          </p:cNvPr>
+          <p:cNvSpPr/>
+          <p:nvPr/>
+        </p:nvSpPr>
+        <p:spPr>
+          <a:xfrm>
+            <a:off x="4375329" y="2704313"/>
+            <a:ext cx="2946522" cy="2186419"/>
+          </a:xfrm>
+          <a:prstGeom prst="ellipse">
+            <a:avLst/>
+          </a:prstGeom>
+        </p:spPr>
+        <p:style>
+          <a:lnRef idx="2">
+            <a:schemeClr val="accent1">
+              <a:shade val="50000"/>
+            </a:schemeClr>
+          </a:lnRef>
+          <a:fillRef idx="1">
+            <a:schemeClr val="accent1"/>
+          </a:fillRef>
+          <a:effectRef idx="0">
+            <a:schemeClr val="accent1"/>
+          </a:effectRef>
+          <a:fontRef idx="minor">
+            <a:schemeClr val="lt1"/>
+          </a:fontRef>
+        </p:style>
+        <p:txBody>
+          <a:bodyPr rtlCol="0" anchor="ctr"/>
+          <a:lstStyle/>
+          <a:p>
+            <a:pPr algn="ctr"/>
+            <a:r>
+              <a:rPr lang="en-IN" dirty="0"/>
+              <a:t>Software</a:t>
             </a:r>
           </a:p>
         </p:txBody>
       </p:sp>
-      <p:graphicFrame>
-        <p:nvGraphicFramePr>
-          <p:cNvPr id="4" name="Content Placeholder 2" descr="Horizontal bullet list showing 3 groups arranged adjacent to one another and bullet points are present under each group"/>
-          <p:cNvGraphicFramePr>
-            <a:graphicFrameLocks noGrp="1"/>
-          </p:cNvGraphicFramePr>
-          <p:nvPr>
-            <p:ph idx="1"/>
-            <p:extLst>
-              <p:ext uri="{D42A27DB-BD31-4B8C-83A1-F6EECF244321}">
-                <p14:modId xmlns:p14="http://schemas.microsoft.com/office/powerpoint/2010/main" val="4282546297"/>
-              </p:ext>
-            </p:extLst>
-          </p:nvPr>
-        </p:nvGraphicFramePr>
-        <p:xfrm>
-          <a:off x="1066800" y="1714500"/>
-          <a:ext cx="10058400" cy="4457700"/>
-        </p:xfrm>
-        <a:graphic>
-          <a:graphicData uri="http://schemas.openxmlformats.org/drawingml/2006/diagram">
-            <dgm:relIds xmlns:dgm="http://schemas.openxmlformats.org/drawingml/2006/diagram" xmlns:r="http://schemas.openxmlformats.org/officeDocument/2006/relationships" r:dm="rId2" r:lo="rId3" r:qs="rId4" r:cs="rId5"/>
-          </a:graphicData>
-        </a:graphic>
-      </p:graphicFrame>
+      <p:sp>
+        <p:nvSpPr>
+          <p:cNvPr id="13" name="Rectangle: Rounded Corners 12">
+            <a:extLst>
+              <a:ext uri="{FF2B5EF4-FFF2-40B4-BE49-F238E27FC236}">
+                <a16:creationId xmlns:a16="http://schemas.microsoft.com/office/drawing/2014/main" id="{82DC62CC-C0F5-4026-871B-32124E0F25B9}"/>
+              </a:ext>
+            </a:extLst>
+          </p:cNvPr>
+          <p:cNvSpPr/>
+          <p:nvPr/>
+        </p:nvSpPr>
+        <p:spPr>
+          <a:xfrm>
+            <a:off x="9075146" y="3314325"/>
+            <a:ext cx="2605865" cy="1097279"/>
+          </a:xfrm>
+          <a:prstGeom prst="roundRect">
+            <a:avLst/>
+          </a:prstGeom>
+        </p:spPr>
+        <p:style>
+          <a:lnRef idx="2">
+            <a:schemeClr val="accent1">
+              <a:shade val="50000"/>
+            </a:schemeClr>
+          </a:lnRef>
+          <a:fillRef idx="1">
+            <a:schemeClr val="accent1"/>
+          </a:fillRef>
+          <a:effectRef idx="0">
+            <a:schemeClr val="accent1"/>
+          </a:effectRef>
+          <a:fontRef idx="minor">
+            <a:schemeClr val="lt1"/>
+          </a:fontRef>
+        </p:style>
+        <p:txBody>
+          <a:bodyPr rtlCol="0" anchor="ctr"/>
+          <a:lstStyle/>
+          <a:p>
+            <a:pPr algn="ctr"/>
+            <a:r>
+              <a:rPr lang="en-US" dirty="0"/>
+              <a:t>Player 2</a:t>
+            </a:r>
+            <a:endParaRPr lang="en-IN" dirty="0"/>
+          </a:p>
+        </p:txBody>
+      </p:sp>
+      <p:sp>
+        <p:nvSpPr>
+          <p:cNvPr id="14" name="Arrow: Right 13">
+            <a:extLst>
+              <a:ext uri="{FF2B5EF4-FFF2-40B4-BE49-F238E27FC236}">
+                <a16:creationId xmlns:a16="http://schemas.microsoft.com/office/drawing/2014/main" id="{1CCE4E8F-B659-48BC-8A4D-8B71D13E309B}"/>
+              </a:ext>
+            </a:extLst>
+          </p:cNvPr>
+          <p:cNvSpPr/>
+          <p:nvPr/>
+        </p:nvSpPr>
+        <p:spPr>
+          <a:xfrm>
+            <a:off x="7321850" y="3854484"/>
+            <a:ext cx="1753295" cy="368523"/>
+          </a:xfrm>
+          <a:prstGeom prst="rightArrow">
+            <a:avLst/>
+          </a:prstGeom>
+        </p:spPr>
+        <p:style>
+          <a:lnRef idx="2">
+            <a:schemeClr val="accent1">
+              <a:shade val="50000"/>
+            </a:schemeClr>
+          </a:lnRef>
+          <a:fillRef idx="1">
+            <a:schemeClr val="accent1"/>
+          </a:fillRef>
+          <a:effectRef idx="0">
+            <a:schemeClr val="accent1"/>
+          </a:effectRef>
+          <a:fontRef idx="minor">
+            <a:schemeClr val="lt1"/>
+          </a:fontRef>
+        </p:style>
+        <p:txBody>
+          <a:bodyPr rtlCol="0" anchor="ctr"/>
+          <a:lstStyle/>
+          <a:p>
+            <a:pPr algn="ctr"/>
+            <a:endParaRPr lang="en-IN"/>
+          </a:p>
+        </p:txBody>
+      </p:sp>
+      <p:sp>
+        <p:nvSpPr>
+          <p:cNvPr id="15" name="Arrow: Right 14">
+            <a:extLst>
+              <a:ext uri="{FF2B5EF4-FFF2-40B4-BE49-F238E27FC236}">
+                <a16:creationId xmlns:a16="http://schemas.microsoft.com/office/drawing/2014/main" id="{92470B1E-169E-4CD2-A4E3-B0754A9E2A32}"/>
+              </a:ext>
+            </a:extLst>
+          </p:cNvPr>
+          <p:cNvSpPr/>
+          <p:nvPr/>
+        </p:nvSpPr>
+        <p:spPr>
+          <a:xfrm rot="10800000">
+            <a:off x="7321849" y="3390525"/>
+            <a:ext cx="1753295" cy="368523"/>
+          </a:xfrm>
+          <a:prstGeom prst="rightArrow">
+            <a:avLst/>
+          </a:prstGeom>
+        </p:spPr>
+        <p:style>
+          <a:lnRef idx="2">
+            <a:schemeClr val="accent1">
+              <a:shade val="50000"/>
+            </a:schemeClr>
+          </a:lnRef>
+          <a:fillRef idx="1">
+            <a:schemeClr val="accent1"/>
+          </a:fillRef>
+          <a:effectRef idx="0">
+            <a:schemeClr val="accent1"/>
+          </a:effectRef>
+          <a:fontRef idx="minor">
+            <a:schemeClr val="lt1"/>
+          </a:fontRef>
+        </p:style>
+        <p:txBody>
+          <a:bodyPr rtlCol="0" anchor="ctr"/>
+          <a:lstStyle/>
+          <a:p>
+            <a:pPr algn="ctr"/>
+            <a:endParaRPr lang="en-IN"/>
+          </a:p>
+        </p:txBody>
+      </p:sp>
+      <p:sp>
+        <p:nvSpPr>
+          <p:cNvPr id="16" name="Arrow: Right 15">
+            <a:extLst>
+              <a:ext uri="{FF2B5EF4-FFF2-40B4-BE49-F238E27FC236}">
+                <a16:creationId xmlns:a16="http://schemas.microsoft.com/office/drawing/2014/main" id="{33D1ECE0-14B8-4B54-8933-E6CABE0BF397}"/>
+              </a:ext>
+            </a:extLst>
+          </p:cNvPr>
+          <p:cNvSpPr/>
+          <p:nvPr/>
+        </p:nvSpPr>
+        <p:spPr>
+          <a:xfrm rot="10800000">
+            <a:off x="2904561" y="3862963"/>
+            <a:ext cx="1470765" cy="368523"/>
+          </a:xfrm>
+          <a:prstGeom prst="rightArrow">
+            <a:avLst/>
+          </a:prstGeom>
+        </p:spPr>
+        <p:style>
+          <a:lnRef idx="2">
+            <a:schemeClr val="accent1">
+              <a:shade val="50000"/>
+            </a:schemeClr>
+          </a:lnRef>
+          <a:fillRef idx="1">
+            <a:schemeClr val="accent1"/>
+          </a:fillRef>
+          <a:effectRef idx="0">
+            <a:schemeClr val="accent1"/>
+          </a:effectRef>
+          <a:fontRef idx="minor">
+            <a:schemeClr val="lt1"/>
+          </a:fontRef>
+        </p:style>
+        <p:txBody>
+          <a:bodyPr rtlCol="0" anchor="ctr"/>
+          <a:lstStyle/>
+          <a:p>
+            <a:pPr algn="ctr"/>
+            <a:endParaRPr lang="en-IN"/>
+          </a:p>
+        </p:txBody>
+      </p:sp>
+      <p:sp>
+        <p:nvSpPr>
+          <p:cNvPr id="3" name="TextBox 2">
+            <a:extLst>
+              <a:ext uri="{FF2B5EF4-FFF2-40B4-BE49-F238E27FC236}">
+                <a16:creationId xmlns:a16="http://schemas.microsoft.com/office/drawing/2014/main" id="{819B5563-AFDC-494C-8C00-D32C4D2098B3}"/>
+              </a:ext>
+            </a:extLst>
+          </p:cNvPr>
+          <p:cNvSpPr txBox="1"/>
+          <p:nvPr/>
+        </p:nvSpPr>
+        <p:spPr>
+          <a:xfrm>
+            <a:off x="3012141" y="3173506"/>
+            <a:ext cx="1156447" cy="369332"/>
+          </a:xfrm>
+          <a:prstGeom prst="rect">
+            <a:avLst/>
+          </a:prstGeom>
+          <a:noFill/>
+        </p:spPr>
+        <p:txBody>
+          <a:bodyPr wrap="square" rtlCol="0">
+            <a:spAutoFit/>
+          </a:bodyPr>
+          <a:lstStyle/>
+          <a:p>
+            <a:r>
+              <a:rPr lang="en-IN" dirty="0"/>
+              <a:t>move</a:t>
+            </a:r>
+          </a:p>
+        </p:txBody>
+      </p:sp>
+      <p:sp>
+        <p:nvSpPr>
+          <p:cNvPr id="17" name="TextBox 16">
+            <a:extLst>
+              <a:ext uri="{FF2B5EF4-FFF2-40B4-BE49-F238E27FC236}">
+                <a16:creationId xmlns:a16="http://schemas.microsoft.com/office/drawing/2014/main" id="{CF145991-0656-4853-A1DE-0900EB7250F5}"/>
+              </a:ext>
+            </a:extLst>
+          </p:cNvPr>
+          <p:cNvSpPr txBox="1"/>
+          <p:nvPr/>
+        </p:nvSpPr>
+        <p:spPr>
+          <a:xfrm>
+            <a:off x="7835152" y="3167759"/>
+            <a:ext cx="1156447" cy="369332"/>
+          </a:xfrm>
+          <a:prstGeom prst="rect">
+            <a:avLst/>
+          </a:prstGeom>
+          <a:noFill/>
+        </p:spPr>
+        <p:txBody>
+          <a:bodyPr wrap="square" rtlCol="0">
+            <a:spAutoFit/>
+          </a:bodyPr>
+          <a:lstStyle/>
+          <a:p>
+            <a:r>
+              <a:rPr lang="en-IN" dirty="0"/>
+              <a:t>move</a:t>
+            </a:r>
+          </a:p>
+        </p:txBody>
+      </p:sp>
+      <p:sp>
+        <p:nvSpPr>
+          <p:cNvPr id="18" name="TextBox 17">
+            <a:extLst>
+              <a:ext uri="{FF2B5EF4-FFF2-40B4-BE49-F238E27FC236}">
+                <a16:creationId xmlns:a16="http://schemas.microsoft.com/office/drawing/2014/main" id="{2BA6B01A-53BC-48E9-8537-2F62DA4025ED}"/>
+              </a:ext>
+            </a:extLst>
+          </p:cNvPr>
+          <p:cNvSpPr txBox="1"/>
+          <p:nvPr/>
+        </p:nvSpPr>
+        <p:spPr>
+          <a:xfrm>
+            <a:off x="7600725" y="4077250"/>
+            <a:ext cx="1156447" cy="369332"/>
+          </a:xfrm>
+          <a:prstGeom prst="rect">
+            <a:avLst/>
+          </a:prstGeom>
+          <a:noFill/>
+        </p:spPr>
+        <p:txBody>
+          <a:bodyPr wrap="square" rtlCol="0">
+            <a:spAutoFit/>
+          </a:bodyPr>
+          <a:lstStyle/>
+          <a:p>
+            <a:r>
+              <a:rPr lang="en-IN" dirty="0"/>
+              <a:t>response</a:t>
+            </a:r>
+          </a:p>
+        </p:txBody>
+      </p:sp>
+      <p:sp>
+        <p:nvSpPr>
+          <p:cNvPr id="19" name="TextBox 18">
+            <a:extLst>
+              <a:ext uri="{FF2B5EF4-FFF2-40B4-BE49-F238E27FC236}">
+                <a16:creationId xmlns:a16="http://schemas.microsoft.com/office/drawing/2014/main" id="{B7449D8D-000B-47CB-8FAF-7588DE675EB6}"/>
+              </a:ext>
+            </a:extLst>
+          </p:cNvPr>
+          <p:cNvSpPr txBox="1"/>
+          <p:nvPr/>
+        </p:nvSpPr>
+        <p:spPr>
+          <a:xfrm>
+            <a:off x="3157833" y="4112260"/>
+            <a:ext cx="1156447" cy="369332"/>
+          </a:xfrm>
+          <a:prstGeom prst="rect">
+            <a:avLst/>
+          </a:prstGeom>
+          <a:noFill/>
+        </p:spPr>
+        <p:txBody>
+          <a:bodyPr wrap="square" rtlCol="0">
+            <a:spAutoFit/>
+          </a:bodyPr>
+          <a:lstStyle/>
+          <a:p>
+            <a:r>
+              <a:rPr lang="en-IN" dirty="0"/>
+              <a:t>response</a:t>
+            </a:r>
+          </a:p>
+        </p:txBody>
+      </p:sp>
     </p:spTree>
     <p:extLst>
       <p:ext uri="{BB962C8B-B14F-4D97-AF65-F5344CB8AC3E}">
-        <p14:creationId xmlns:p14="http://schemas.microsoft.com/office/powerpoint/2010/main" val="3364061144"/>
+        <p14:creationId xmlns:p14="http://schemas.microsoft.com/office/powerpoint/2010/main" val="1101118378"/>
       </p:ext>
     </p:extLst>
   </p:cSld>
@@ -23602,6 +23634,3653 @@
 </file>
 
 <file path=ppt/slides/slide13.xml><?xml version="1.0" encoding="utf-8"?>
+<p:sld xmlns:a="http://schemas.openxmlformats.org/drawingml/2006/main" xmlns:r="http://schemas.openxmlformats.org/officeDocument/2006/relationships" xmlns:p="http://schemas.openxmlformats.org/presentationml/2006/main">
+  <p:cSld>
+    <p:spTree>
+      <p:nvGrpSpPr>
+        <p:cNvPr id="1" name=""/>
+        <p:cNvGrpSpPr/>
+        <p:nvPr/>
+      </p:nvGrpSpPr>
+      <p:grpSpPr>
+        <a:xfrm>
+          <a:off x="0" y="0"/>
+          <a:ext cx="0" cy="0"/>
+          <a:chOff x="0" y="0"/>
+          <a:chExt cx="0" cy="0"/>
+        </a:xfrm>
+      </p:grpSpPr>
+      <p:sp>
+        <p:nvSpPr>
+          <p:cNvPr id="56" name="Arrow: Right 55">
+            <a:extLst>
+              <a:ext uri="{FF2B5EF4-FFF2-40B4-BE49-F238E27FC236}">
+                <a16:creationId xmlns:a16="http://schemas.microsoft.com/office/drawing/2014/main" id="{EA425A6F-C705-4F93-BC6D-E4A0BE7365D8}"/>
+              </a:ext>
+            </a:extLst>
+          </p:cNvPr>
+          <p:cNvSpPr/>
+          <p:nvPr/>
+        </p:nvSpPr>
+        <p:spPr>
+          <a:xfrm rot="11761651">
+            <a:off x="1753807" y="3009330"/>
+            <a:ext cx="5671375" cy="324757"/>
+          </a:xfrm>
+          <a:prstGeom prst="rightArrow">
+            <a:avLst/>
+          </a:prstGeom>
+          <a:solidFill>
+            <a:schemeClr val="accent6">
+              <a:lumMod val="20000"/>
+              <a:lumOff val="80000"/>
+            </a:schemeClr>
+          </a:solidFill>
+        </p:spPr>
+        <p:style>
+          <a:lnRef idx="2">
+            <a:schemeClr val="accent1">
+              <a:shade val="50000"/>
+            </a:schemeClr>
+          </a:lnRef>
+          <a:fillRef idx="1">
+            <a:schemeClr val="accent1"/>
+          </a:fillRef>
+          <a:effectRef idx="0">
+            <a:schemeClr val="accent1"/>
+          </a:effectRef>
+          <a:fontRef idx="minor">
+            <a:schemeClr val="lt1"/>
+          </a:fontRef>
+        </p:style>
+        <p:txBody>
+          <a:bodyPr rtlCol="0" anchor="ctr"/>
+          <a:lstStyle/>
+          <a:p>
+            <a:pPr algn="ctr"/>
+            <a:endParaRPr lang="en-IN" dirty="0"/>
+          </a:p>
+        </p:txBody>
+      </p:sp>
+      <p:sp>
+        <p:nvSpPr>
+          <p:cNvPr id="5" name="Title 4">
+            <a:extLst>
+              <a:ext uri="{FF2B5EF4-FFF2-40B4-BE49-F238E27FC236}">
+                <a16:creationId xmlns:a16="http://schemas.microsoft.com/office/drawing/2014/main" id="{C24D817F-800F-42FD-8A23-6CE84305CE6D}"/>
+              </a:ext>
+            </a:extLst>
+          </p:cNvPr>
+          <p:cNvSpPr>
+            <a:spLocks noGrp="1"/>
+          </p:cNvSpPr>
+          <p:nvPr>
+            <p:ph type="title"/>
+          </p:nvPr>
+        </p:nvSpPr>
+        <p:spPr/>
+        <p:txBody>
+          <a:bodyPr/>
+          <a:lstStyle/>
+          <a:p>
+            <a:r>
+              <a:rPr lang="en-US" dirty="0"/>
+              <a:t>Chess DFD [Level 1]:</a:t>
+            </a:r>
+            <a:endParaRPr lang="en-IN" dirty="0"/>
+          </a:p>
+        </p:txBody>
+      </p:sp>
+      <p:sp>
+        <p:nvSpPr>
+          <p:cNvPr id="6" name="Rectangle: Rounded Corners 5">
+            <a:extLst>
+              <a:ext uri="{FF2B5EF4-FFF2-40B4-BE49-F238E27FC236}">
+                <a16:creationId xmlns:a16="http://schemas.microsoft.com/office/drawing/2014/main" id="{92D7985D-F340-4616-BDE7-6009F7AFEE57}"/>
+              </a:ext>
+            </a:extLst>
+          </p:cNvPr>
+          <p:cNvSpPr/>
+          <p:nvPr/>
+        </p:nvSpPr>
+        <p:spPr>
+          <a:xfrm>
+            <a:off x="110439" y="1763432"/>
+            <a:ext cx="2092561" cy="548638"/>
+          </a:xfrm>
+          <a:prstGeom prst="roundRect">
+            <a:avLst/>
+          </a:prstGeom>
+        </p:spPr>
+        <p:style>
+          <a:lnRef idx="2">
+            <a:schemeClr val="accent1">
+              <a:shade val="50000"/>
+            </a:schemeClr>
+          </a:lnRef>
+          <a:fillRef idx="1">
+            <a:schemeClr val="accent1"/>
+          </a:fillRef>
+          <a:effectRef idx="0">
+            <a:schemeClr val="accent1"/>
+          </a:effectRef>
+          <a:fontRef idx="minor">
+            <a:schemeClr val="lt1"/>
+          </a:fontRef>
+        </p:style>
+        <p:txBody>
+          <a:bodyPr rtlCol="0" anchor="ctr"/>
+          <a:lstStyle/>
+          <a:p>
+            <a:pPr algn="ctr"/>
+            <a:r>
+              <a:rPr lang="en-US" dirty="0"/>
+              <a:t>Player 1</a:t>
+            </a:r>
+            <a:endParaRPr lang="en-IN" dirty="0"/>
+          </a:p>
+        </p:txBody>
+      </p:sp>
+      <p:sp>
+        <p:nvSpPr>
+          <p:cNvPr id="7" name="Arrow: Right 6">
+            <a:extLst>
+              <a:ext uri="{FF2B5EF4-FFF2-40B4-BE49-F238E27FC236}">
+                <a16:creationId xmlns:a16="http://schemas.microsoft.com/office/drawing/2014/main" id="{2D11F8FD-2467-4160-A7D6-6EEEE1ED5027}"/>
+              </a:ext>
+            </a:extLst>
+          </p:cNvPr>
+          <p:cNvSpPr/>
+          <p:nvPr/>
+        </p:nvSpPr>
+        <p:spPr>
+          <a:xfrm>
+            <a:off x="6110792" y="2016796"/>
+            <a:ext cx="1939247" cy="237788"/>
+          </a:xfrm>
+          <a:prstGeom prst="rightArrow">
+            <a:avLst/>
+          </a:prstGeom>
+        </p:spPr>
+        <p:style>
+          <a:lnRef idx="2">
+            <a:schemeClr val="accent1">
+              <a:shade val="50000"/>
+            </a:schemeClr>
+          </a:lnRef>
+          <a:fillRef idx="1">
+            <a:schemeClr val="accent1"/>
+          </a:fillRef>
+          <a:effectRef idx="0">
+            <a:schemeClr val="accent1"/>
+          </a:effectRef>
+          <a:fontRef idx="minor">
+            <a:schemeClr val="lt1"/>
+          </a:fontRef>
+        </p:style>
+        <p:txBody>
+          <a:bodyPr rtlCol="0" anchor="ctr"/>
+          <a:lstStyle/>
+          <a:p>
+            <a:pPr algn="ctr"/>
+            <a:endParaRPr lang="en-IN"/>
+          </a:p>
+        </p:txBody>
+      </p:sp>
+      <p:sp>
+        <p:nvSpPr>
+          <p:cNvPr id="2" name="Oval 1">
+            <a:extLst>
+              <a:ext uri="{FF2B5EF4-FFF2-40B4-BE49-F238E27FC236}">
+                <a16:creationId xmlns:a16="http://schemas.microsoft.com/office/drawing/2014/main" id="{BD7FECE9-418D-4846-9098-745A17251C13}"/>
+              </a:ext>
+            </a:extLst>
+          </p:cNvPr>
+          <p:cNvSpPr/>
+          <p:nvPr/>
+        </p:nvSpPr>
+        <p:spPr>
+          <a:xfrm>
+            <a:off x="4142247" y="1451067"/>
+            <a:ext cx="1953753" cy="1240158"/>
+          </a:xfrm>
+          <a:prstGeom prst="ellipse">
+            <a:avLst/>
+          </a:prstGeom>
+        </p:spPr>
+        <p:style>
+          <a:lnRef idx="2">
+            <a:schemeClr val="accent1">
+              <a:shade val="50000"/>
+            </a:schemeClr>
+          </a:lnRef>
+          <a:fillRef idx="1">
+            <a:schemeClr val="accent1"/>
+          </a:fillRef>
+          <a:effectRef idx="0">
+            <a:schemeClr val="accent1"/>
+          </a:effectRef>
+          <a:fontRef idx="minor">
+            <a:schemeClr val="lt1"/>
+          </a:fontRef>
+        </p:style>
+        <p:txBody>
+          <a:bodyPr rtlCol="0" anchor="ctr"/>
+          <a:lstStyle/>
+          <a:p>
+            <a:pPr algn="ctr"/>
+            <a:r>
+              <a:rPr lang="en-IN" dirty="0"/>
+              <a:t>Chess</a:t>
+            </a:r>
+          </a:p>
+        </p:txBody>
+      </p:sp>
+      <p:sp>
+        <p:nvSpPr>
+          <p:cNvPr id="13" name="Rectangle: Rounded Corners 12">
+            <a:extLst>
+              <a:ext uri="{FF2B5EF4-FFF2-40B4-BE49-F238E27FC236}">
+                <a16:creationId xmlns:a16="http://schemas.microsoft.com/office/drawing/2014/main" id="{82DC62CC-C0F5-4026-871B-32124E0F25B9}"/>
+              </a:ext>
+            </a:extLst>
+          </p:cNvPr>
+          <p:cNvSpPr/>
+          <p:nvPr/>
+        </p:nvSpPr>
+        <p:spPr>
+          <a:xfrm>
+            <a:off x="8035247" y="1782724"/>
+            <a:ext cx="1753296" cy="483198"/>
+          </a:xfrm>
+          <a:prstGeom prst="roundRect">
+            <a:avLst/>
+          </a:prstGeom>
+        </p:spPr>
+        <p:style>
+          <a:lnRef idx="2">
+            <a:schemeClr val="accent1">
+              <a:shade val="50000"/>
+            </a:schemeClr>
+          </a:lnRef>
+          <a:fillRef idx="1">
+            <a:schemeClr val="accent1"/>
+          </a:fillRef>
+          <a:effectRef idx="0">
+            <a:schemeClr val="accent1"/>
+          </a:effectRef>
+          <a:fontRef idx="minor">
+            <a:schemeClr val="lt1"/>
+          </a:fontRef>
+        </p:style>
+        <p:txBody>
+          <a:bodyPr rtlCol="0" anchor="ctr"/>
+          <a:lstStyle/>
+          <a:p>
+            <a:pPr algn="ctr"/>
+            <a:r>
+              <a:rPr lang="en-US" dirty="0"/>
+              <a:t>Player 2</a:t>
+            </a:r>
+            <a:endParaRPr lang="en-IN" dirty="0"/>
+          </a:p>
+        </p:txBody>
+      </p:sp>
+      <p:sp>
+        <p:nvSpPr>
+          <p:cNvPr id="16" name="Arrow: Right 15">
+            <a:extLst>
+              <a:ext uri="{FF2B5EF4-FFF2-40B4-BE49-F238E27FC236}">
+                <a16:creationId xmlns:a16="http://schemas.microsoft.com/office/drawing/2014/main" id="{33D1ECE0-14B8-4B54-8933-E6CABE0BF397}"/>
+              </a:ext>
+            </a:extLst>
+          </p:cNvPr>
+          <p:cNvSpPr/>
+          <p:nvPr/>
+        </p:nvSpPr>
+        <p:spPr>
+          <a:xfrm rot="10800000">
+            <a:off x="2188210" y="2051634"/>
+            <a:ext cx="1939245" cy="214287"/>
+          </a:xfrm>
+          <a:prstGeom prst="rightArrow">
+            <a:avLst/>
+          </a:prstGeom>
+        </p:spPr>
+        <p:style>
+          <a:lnRef idx="2">
+            <a:schemeClr val="accent1">
+              <a:shade val="50000"/>
+            </a:schemeClr>
+          </a:lnRef>
+          <a:fillRef idx="1">
+            <a:schemeClr val="accent1"/>
+          </a:fillRef>
+          <a:effectRef idx="0">
+            <a:schemeClr val="accent1"/>
+          </a:effectRef>
+          <a:fontRef idx="minor">
+            <a:schemeClr val="lt1"/>
+          </a:fontRef>
+        </p:style>
+        <p:txBody>
+          <a:bodyPr rtlCol="0" anchor="ctr"/>
+          <a:lstStyle/>
+          <a:p>
+            <a:pPr algn="ctr"/>
+            <a:endParaRPr lang="en-IN"/>
+          </a:p>
+        </p:txBody>
+      </p:sp>
+      <p:sp>
+        <p:nvSpPr>
+          <p:cNvPr id="3" name="TextBox 2">
+            <a:extLst>
+              <a:ext uri="{FF2B5EF4-FFF2-40B4-BE49-F238E27FC236}">
+                <a16:creationId xmlns:a16="http://schemas.microsoft.com/office/drawing/2014/main" id="{819B5563-AFDC-494C-8C00-D32C4D2098B3}"/>
+              </a:ext>
+            </a:extLst>
+          </p:cNvPr>
+          <p:cNvSpPr txBox="1"/>
+          <p:nvPr/>
+        </p:nvSpPr>
+        <p:spPr>
+          <a:xfrm>
+            <a:off x="2707341" y="1558674"/>
+            <a:ext cx="1156447" cy="369332"/>
+          </a:xfrm>
+          <a:prstGeom prst="rect">
+            <a:avLst/>
+          </a:prstGeom>
+          <a:noFill/>
+        </p:spPr>
+        <p:txBody>
+          <a:bodyPr wrap="square" rtlCol="0">
+            <a:spAutoFit/>
+          </a:bodyPr>
+          <a:lstStyle/>
+          <a:p>
+            <a:r>
+              <a:rPr lang="en-IN" dirty="0"/>
+              <a:t>move</a:t>
+            </a:r>
+          </a:p>
+        </p:txBody>
+      </p:sp>
+      <p:sp>
+        <p:nvSpPr>
+          <p:cNvPr id="17" name="TextBox 16">
+            <a:extLst>
+              <a:ext uri="{FF2B5EF4-FFF2-40B4-BE49-F238E27FC236}">
+                <a16:creationId xmlns:a16="http://schemas.microsoft.com/office/drawing/2014/main" id="{CF145991-0656-4853-A1DE-0900EB7250F5}"/>
+              </a:ext>
+            </a:extLst>
+          </p:cNvPr>
+          <p:cNvSpPr txBox="1"/>
+          <p:nvPr/>
+        </p:nvSpPr>
+        <p:spPr>
+          <a:xfrm>
+            <a:off x="6618119" y="1578766"/>
+            <a:ext cx="1156447" cy="369332"/>
+          </a:xfrm>
+          <a:prstGeom prst="rect">
+            <a:avLst/>
+          </a:prstGeom>
+          <a:noFill/>
+        </p:spPr>
+        <p:txBody>
+          <a:bodyPr wrap="square" rtlCol="0">
+            <a:spAutoFit/>
+          </a:bodyPr>
+          <a:lstStyle/>
+          <a:p>
+            <a:r>
+              <a:rPr lang="en-IN" dirty="0"/>
+              <a:t>move</a:t>
+            </a:r>
+          </a:p>
+        </p:txBody>
+      </p:sp>
+      <p:sp>
+        <p:nvSpPr>
+          <p:cNvPr id="18" name="TextBox 17">
+            <a:extLst>
+              <a:ext uri="{FF2B5EF4-FFF2-40B4-BE49-F238E27FC236}">
+                <a16:creationId xmlns:a16="http://schemas.microsoft.com/office/drawing/2014/main" id="{2BA6B01A-53BC-48E9-8537-2F62DA4025ED}"/>
+              </a:ext>
+            </a:extLst>
+          </p:cNvPr>
+          <p:cNvSpPr txBox="1"/>
+          <p:nvPr/>
+        </p:nvSpPr>
+        <p:spPr>
+          <a:xfrm>
+            <a:off x="6502191" y="2117636"/>
+            <a:ext cx="1156447" cy="369332"/>
+          </a:xfrm>
+          <a:prstGeom prst="rect">
+            <a:avLst/>
+          </a:prstGeom>
+          <a:noFill/>
+        </p:spPr>
+        <p:txBody>
+          <a:bodyPr wrap="square" rtlCol="0">
+            <a:spAutoFit/>
+          </a:bodyPr>
+          <a:lstStyle/>
+          <a:p>
+            <a:r>
+              <a:rPr lang="en-IN" dirty="0"/>
+              <a:t>response</a:t>
+            </a:r>
+          </a:p>
+        </p:txBody>
+      </p:sp>
+      <p:sp>
+        <p:nvSpPr>
+          <p:cNvPr id="19" name="TextBox 18">
+            <a:extLst>
+              <a:ext uri="{FF2B5EF4-FFF2-40B4-BE49-F238E27FC236}">
+                <a16:creationId xmlns:a16="http://schemas.microsoft.com/office/drawing/2014/main" id="{B7449D8D-000B-47CB-8FAF-7588DE675EB6}"/>
+              </a:ext>
+            </a:extLst>
+          </p:cNvPr>
+          <p:cNvSpPr txBox="1"/>
+          <p:nvPr/>
+        </p:nvSpPr>
+        <p:spPr>
+          <a:xfrm>
+            <a:off x="2601796" y="2120447"/>
+            <a:ext cx="1156447" cy="369332"/>
+          </a:xfrm>
+          <a:prstGeom prst="rect">
+            <a:avLst/>
+          </a:prstGeom>
+          <a:noFill/>
+        </p:spPr>
+        <p:txBody>
+          <a:bodyPr wrap="square" rtlCol="0">
+            <a:spAutoFit/>
+          </a:bodyPr>
+          <a:lstStyle/>
+          <a:p>
+            <a:r>
+              <a:rPr lang="en-IN" dirty="0"/>
+              <a:t>response</a:t>
+            </a:r>
+          </a:p>
+        </p:txBody>
+      </p:sp>
+      <p:sp>
+        <p:nvSpPr>
+          <p:cNvPr id="24" name="Arrow: Right 23">
+            <a:extLst>
+              <a:ext uri="{FF2B5EF4-FFF2-40B4-BE49-F238E27FC236}">
+                <a16:creationId xmlns:a16="http://schemas.microsoft.com/office/drawing/2014/main" id="{0CC3CAB9-DD1B-403E-8C2F-183C8916AE1B}"/>
+              </a:ext>
+            </a:extLst>
+          </p:cNvPr>
+          <p:cNvSpPr/>
+          <p:nvPr/>
+        </p:nvSpPr>
+        <p:spPr>
+          <a:xfrm>
+            <a:off x="2229341" y="1811209"/>
+            <a:ext cx="1939247" cy="237788"/>
+          </a:xfrm>
+          <a:prstGeom prst="rightArrow">
+            <a:avLst/>
+          </a:prstGeom>
+        </p:spPr>
+        <p:style>
+          <a:lnRef idx="2">
+            <a:schemeClr val="accent1">
+              <a:shade val="50000"/>
+            </a:schemeClr>
+          </a:lnRef>
+          <a:fillRef idx="1">
+            <a:schemeClr val="accent1"/>
+          </a:fillRef>
+          <a:effectRef idx="0">
+            <a:schemeClr val="accent1"/>
+          </a:effectRef>
+          <a:fontRef idx="minor">
+            <a:schemeClr val="lt1"/>
+          </a:fontRef>
+        </p:style>
+        <p:txBody>
+          <a:bodyPr rtlCol="0" anchor="ctr"/>
+          <a:lstStyle/>
+          <a:p>
+            <a:pPr algn="ctr"/>
+            <a:endParaRPr lang="en-IN"/>
+          </a:p>
+        </p:txBody>
+      </p:sp>
+      <p:sp>
+        <p:nvSpPr>
+          <p:cNvPr id="25" name="Arrow: Right 24">
+            <a:extLst>
+              <a:ext uri="{FF2B5EF4-FFF2-40B4-BE49-F238E27FC236}">
+                <a16:creationId xmlns:a16="http://schemas.microsoft.com/office/drawing/2014/main" id="{7530763A-82C8-4472-BDA9-BB82C6EF674E}"/>
+              </a:ext>
+            </a:extLst>
+          </p:cNvPr>
+          <p:cNvSpPr/>
+          <p:nvPr/>
+        </p:nvSpPr>
+        <p:spPr>
+          <a:xfrm rot="10800000">
+            <a:off x="6069661" y="1820863"/>
+            <a:ext cx="1939245" cy="214287"/>
+          </a:xfrm>
+          <a:prstGeom prst="rightArrow">
+            <a:avLst/>
+          </a:prstGeom>
+        </p:spPr>
+        <p:style>
+          <a:lnRef idx="2">
+            <a:schemeClr val="accent1">
+              <a:shade val="50000"/>
+            </a:schemeClr>
+          </a:lnRef>
+          <a:fillRef idx="1">
+            <a:schemeClr val="accent1"/>
+          </a:fillRef>
+          <a:effectRef idx="0">
+            <a:schemeClr val="accent1"/>
+          </a:effectRef>
+          <a:fontRef idx="minor">
+            <a:schemeClr val="lt1"/>
+          </a:fontRef>
+        </p:style>
+        <p:txBody>
+          <a:bodyPr rtlCol="0" anchor="ctr"/>
+          <a:lstStyle/>
+          <a:p>
+            <a:pPr algn="ctr"/>
+            <a:endParaRPr lang="en-IN"/>
+          </a:p>
+        </p:txBody>
+      </p:sp>
+      <p:sp>
+        <p:nvSpPr>
+          <p:cNvPr id="26" name="Oval 25">
+            <a:extLst>
+              <a:ext uri="{FF2B5EF4-FFF2-40B4-BE49-F238E27FC236}">
+                <a16:creationId xmlns:a16="http://schemas.microsoft.com/office/drawing/2014/main" id="{B38C0E1E-155F-4E51-8C9C-4CAA0D8293AC}"/>
+              </a:ext>
+            </a:extLst>
+          </p:cNvPr>
+          <p:cNvSpPr/>
+          <p:nvPr/>
+        </p:nvSpPr>
+        <p:spPr>
+          <a:xfrm>
+            <a:off x="4205613" y="3983338"/>
+            <a:ext cx="2296578" cy="1423595"/>
+          </a:xfrm>
+          <a:prstGeom prst="ellipse">
+            <a:avLst/>
+          </a:prstGeom>
+        </p:spPr>
+        <p:style>
+          <a:lnRef idx="2">
+            <a:schemeClr val="accent1">
+              <a:shade val="50000"/>
+            </a:schemeClr>
+          </a:lnRef>
+          <a:fillRef idx="1">
+            <a:schemeClr val="accent1"/>
+          </a:fillRef>
+          <a:effectRef idx="0">
+            <a:schemeClr val="accent1"/>
+          </a:effectRef>
+          <a:fontRef idx="minor">
+            <a:schemeClr val="lt1"/>
+          </a:fontRef>
+        </p:style>
+        <p:txBody>
+          <a:bodyPr rtlCol="0" anchor="ctr"/>
+          <a:lstStyle/>
+          <a:p>
+            <a:pPr algn="ctr"/>
+            <a:r>
+              <a:rPr lang="en-IN" dirty="0"/>
+              <a:t>Determination</a:t>
+            </a:r>
+          </a:p>
+        </p:txBody>
+      </p:sp>
+      <p:sp>
+        <p:nvSpPr>
+          <p:cNvPr id="27" name="Arrow: Right 26">
+            <a:extLst>
+              <a:ext uri="{FF2B5EF4-FFF2-40B4-BE49-F238E27FC236}">
+                <a16:creationId xmlns:a16="http://schemas.microsoft.com/office/drawing/2014/main" id="{04D3A974-FEC8-4268-A84A-6E3E0B669E21}"/>
+              </a:ext>
+            </a:extLst>
+          </p:cNvPr>
+          <p:cNvSpPr/>
+          <p:nvPr/>
+        </p:nvSpPr>
+        <p:spPr>
+          <a:xfrm rot="5400000">
+            <a:off x="4602000" y="3234325"/>
+            <a:ext cx="1240158" cy="205912"/>
+          </a:xfrm>
+          <a:prstGeom prst="rightArrow">
+            <a:avLst/>
+          </a:prstGeom>
+        </p:spPr>
+        <p:style>
+          <a:lnRef idx="2">
+            <a:schemeClr val="accent1">
+              <a:shade val="50000"/>
+            </a:schemeClr>
+          </a:lnRef>
+          <a:fillRef idx="1">
+            <a:schemeClr val="accent1"/>
+          </a:fillRef>
+          <a:effectRef idx="0">
+            <a:schemeClr val="accent1"/>
+          </a:effectRef>
+          <a:fontRef idx="minor">
+            <a:schemeClr val="lt1"/>
+          </a:fontRef>
+        </p:style>
+        <p:txBody>
+          <a:bodyPr rtlCol="0" anchor="ctr"/>
+          <a:lstStyle/>
+          <a:p>
+            <a:pPr algn="ctr"/>
+            <a:endParaRPr lang="en-IN"/>
+          </a:p>
+        </p:txBody>
+      </p:sp>
+      <p:sp>
+        <p:nvSpPr>
+          <p:cNvPr id="28" name="TextBox 27">
+            <a:extLst>
+              <a:ext uri="{FF2B5EF4-FFF2-40B4-BE49-F238E27FC236}">
+                <a16:creationId xmlns:a16="http://schemas.microsoft.com/office/drawing/2014/main" id="{CA23C557-BCF6-44DB-930A-2AF12C9992A5}"/>
+              </a:ext>
+            </a:extLst>
+          </p:cNvPr>
+          <p:cNvSpPr txBox="1"/>
+          <p:nvPr/>
+        </p:nvSpPr>
+        <p:spPr>
+          <a:xfrm rot="16200000">
+            <a:off x="4804345" y="2948219"/>
+            <a:ext cx="1156447" cy="369332"/>
+          </a:xfrm>
+          <a:prstGeom prst="rect">
+            <a:avLst/>
+          </a:prstGeom>
+          <a:noFill/>
+        </p:spPr>
+        <p:txBody>
+          <a:bodyPr wrap="square" rtlCol="0">
+            <a:spAutoFit/>
+          </a:bodyPr>
+          <a:lstStyle/>
+          <a:p>
+            <a:r>
+              <a:rPr lang="en-IN" dirty="0"/>
+              <a:t>move</a:t>
+            </a:r>
+          </a:p>
+        </p:txBody>
+      </p:sp>
+      <p:sp>
+        <p:nvSpPr>
+          <p:cNvPr id="29" name="TextBox 28">
+            <a:extLst>
+              <a:ext uri="{FF2B5EF4-FFF2-40B4-BE49-F238E27FC236}">
+                <a16:creationId xmlns:a16="http://schemas.microsoft.com/office/drawing/2014/main" id="{18693C6B-4237-46DA-9533-374007434CCB}"/>
+              </a:ext>
+            </a:extLst>
+          </p:cNvPr>
+          <p:cNvSpPr txBox="1"/>
+          <p:nvPr/>
+        </p:nvSpPr>
+        <p:spPr>
+          <a:xfrm rot="5400000">
+            <a:off x="4501510" y="3357012"/>
+            <a:ext cx="1156447" cy="369332"/>
+          </a:xfrm>
+          <a:prstGeom prst="rect">
+            <a:avLst/>
+          </a:prstGeom>
+          <a:noFill/>
+        </p:spPr>
+        <p:txBody>
+          <a:bodyPr wrap="square" rtlCol="0">
+            <a:spAutoFit/>
+          </a:bodyPr>
+          <a:lstStyle/>
+          <a:p>
+            <a:r>
+              <a:rPr lang="en-IN" dirty="0"/>
+              <a:t>move</a:t>
+            </a:r>
+          </a:p>
+        </p:txBody>
+      </p:sp>
+      <p:sp>
+        <p:nvSpPr>
+          <p:cNvPr id="31" name="Arrow: Right 30">
+            <a:extLst>
+              <a:ext uri="{FF2B5EF4-FFF2-40B4-BE49-F238E27FC236}">
+                <a16:creationId xmlns:a16="http://schemas.microsoft.com/office/drawing/2014/main" id="{C8132E7F-FE74-48ED-B6B8-E1C93C2C9695}"/>
+              </a:ext>
+            </a:extLst>
+          </p:cNvPr>
+          <p:cNvSpPr/>
+          <p:nvPr/>
+        </p:nvSpPr>
+        <p:spPr>
+          <a:xfrm rot="16200000">
+            <a:off x="4951257" y="3166219"/>
+            <a:ext cx="1376369" cy="205912"/>
+          </a:xfrm>
+          <a:prstGeom prst="rightArrow">
+            <a:avLst/>
+          </a:prstGeom>
+        </p:spPr>
+        <p:style>
+          <a:lnRef idx="2">
+            <a:schemeClr val="accent1">
+              <a:shade val="50000"/>
+            </a:schemeClr>
+          </a:lnRef>
+          <a:fillRef idx="1">
+            <a:schemeClr val="accent1"/>
+          </a:fillRef>
+          <a:effectRef idx="0">
+            <a:schemeClr val="accent1"/>
+          </a:effectRef>
+          <a:fontRef idx="minor">
+            <a:schemeClr val="lt1"/>
+          </a:fontRef>
+        </p:style>
+        <p:txBody>
+          <a:bodyPr rtlCol="0" anchor="ctr"/>
+          <a:lstStyle/>
+          <a:p>
+            <a:pPr algn="ctr"/>
+            <a:endParaRPr lang="en-IN" dirty="0"/>
+          </a:p>
+        </p:txBody>
+      </p:sp>
+      <p:sp>
+        <p:nvSpPr>
+          <p:cNvPr id="32" name="Arrow: Right 31">
+            <a:extLst>
+              <a:ext uri="{FF2B5EF4-FFF2-40B4-BE49-F238E27FC236}">
+                <a16:creationId xmlns:a16="http://schemas.microsoft.com/office/drawing/2014/main" id="{12F34AF5-D486-4DC8-8C95-C253B43464D7}"/>
+              </a:ext>
+            </a:extLst>
+          </p:cNvPr>
+          <p:cNvSpPr/>
+          <p:nvPr/>
+        </p:nvSpPr>
+        <p:spPr>
+          <a:xfrm rot="16200000">
+            <a:off x="4090555" y="3221336"/>
+            <a:ext cx="1376369" cy="205912"/>
+          </a:xfrm>
+          <a:prstGeom prst="rightArrow">
+            <a:avLst/>
+          </a:prstGeom>
+        </p:spPr>
+        <p:style>
+          <a:lnRef idx="2">
+            <a:schemeClr val="accent1">
+              <a:shade val="50000"/>
+            </a:schemeClr>
+          </a:lnRef>
+          <a:fillRef idx="1">
+            <a:schemeClr val="accent1"/>
+          </a:fillRef>
+          <a:effectRef idx="0">
+            <a:schemeClr val="accent1"/>
+          </a:effectRef>
+          <a:fontRef idx="minor">
+            <a:schemeClr val="lt1"/>
+          </a:fontRef>
+        </p:style>
+        <p:txBody>
+          <a:bodyPr rtlCol="0" anchor="ctr"/>
+          <a:lstStyle/>
+          <a:p>
+            <a:pPr algn="ctr"/>
+            <a:endParaRPr lang="en-IN"/>
+          </a:p>
+        </p:txBody>
+      </p:sp>
+      <p:sp>
+        <p:nvSpPr>
+          <p:cNvPr id="33" name="TextBox 32">
+            <a:extLst>
+              <a:ext uri="{FF2B5EF4-FFF2-40B4-BE49-F238E27FC236}">
+                <a16:creationId xmlns:a16="http://schemas.microsoft.com/office/drawing/2014/main" id="{C1962247-238A-43DE-BB84-AF9FA356AA7C}"/>
+              </a:ext>
+            </a:extLst>
+          </p:cNvPr>
+          <p:cNvSpPr txBox="1"/>
+          <p:nvPr/>
+        </p:nvSpPr>
+        <p:spPr>
+          <a:xfrm rot="5400000">
+            <a:off x="4070183" y="3249588"/>
+            <a:ext cx="1156447" cy="369332"/>
+          </a:xfrm>
+          <a:prstGeom prst="rect">
+            <a:avLst/>
+          </a:prstGeom>
+          <a:noFill/>
+        </p:spPr>
+        <p:txBody>
+          <a:bodyPr wrap="square" rtlCol="0">
+            <a:spAutoFit/>
+          </a:bodyPr>
+          <a:lstStyle/>
+          <a:p>
+            <a:r>
+              <a:rPr lang="en-IN" dirty="0"/>
+              <a:t>response</a:t>
+            </a:r>
+          </a:p>
+        </p:txBody>
+      </p:sp>
+      <p:sp>
+        <p:nvSpPr>
+          <p:cNvPr id="34" name="TextBox 33">
+            <a:extLst>
+              <a:ext uri="{FF2B5EF4-FFF2-40B4-BE49-F238E27FC236}">
+                <a16:creationId xmlns:a16="http://schemas.microsoft.com/office/drawing/2014/main" id="{B65E85C8-7D0F-4D20-BE85-62CB0107FD07}"/>
+              </a:ext>
+            </a:extLst>
+          </p:cNvPr>
+          <p:cNvSpPr txBox="1"/>
+          <p:nvPr/>
+        </p:nvSpPr>
+        <p:spPr>
+          <a:xfrm rot="16200000">
+            <a:off x="5212640" y="3110759"/>
+            <a:ext cx="1156447" cy="369332"/>
+          </a:xfrm>
+          <a:prstGeom prst="rect">
+            <a:avLst/>
+          </a:prstGeom>
+          <a:noFill/>
+        </p:spPr>
+        <p:txBody>
+          <a:bodyPr wrap="square" rtlCol="0">
+            <a:spAutoFit/>
+          </a:bodyPr>
+          <a:lstStyle/>
+          <a:p>
+            <a:r>
+              <a:rPr lang="en-IN" dirty="0"/>
+              <a:t>response</a:t>
+            </a:r>
+          </a:p>
+        </p:txBody>
+      </p:sp>
+      <p:sp>
+        <p:nvSpPr>
+          <p:cNvPr id="4" name="Cylinder 3">
+            <a:extLst>
+              <a:ext uri="{FF2B5EF4-FFF2-40B4-BE49-F238E27FC236}">
+                <a16:creationId xmlns:a16="http://schemas.microsoft.com/office/drawing/2014/main" id="{26A59466-B9E6-4F40-89CA-899F9312A553}"/>
+              </a:ext>
+            </a:extLst>
+          </p:cNvPr>
+          <p:cNvSpPr/>
+          <p:nvPr/>
+        </p:nvSpPr>
+        <p:spPr>
+          <a:xfrm>
+            <a:off x="10612808" y="2791932"/>
+            <a:ext cx="1191329" cy="1708074"/>
+          </a:xfrm>
+          <a:prstGeom prst="can">
+            <a:avLst/>
+          </a:prstGeom>
+        </p:spPr>
+        <p:style>
+          <a:lnRef idx="2">
+            <a:schemeClr val="accent1">
+              <a:shade val="50000"/>
+            </a:schemeClr>
+          </a:lnRef>
+          <a:fillRef idx="1">
+            <a:schemeClr val="accent1"/>
+          </a:fillRef>
+          <a:effectRef idx="0">
+            <a:schemeClr val="accent1"/>
+          </a:effectRef>
+          <a:fontRef idx="minor">
+            <a:schemeClr val="lt1"/>
+          </a:fontRef>
+        </p:style>
+        <p:txBody>
+          <a:bodyPr rtlCol="0" anchor="ctr"/>
+          <a:lstStyle/>
+          <a:p>
+            <a:pPr algn="ctr"/>
+            <a:r>
+              <a:rPr lang="en-IN" dirty="0"/>
+              <a:t>DataBase</a:t>
+            </a:r>
+          </a:p>
+        </p:txBody>
+      </p:sp>
+      <p:sp>
+        <p:nvSpPr>
+          <p:cNvPr id="35" name="Arrow: Right 34">
+            <a:extLst>
+              <a:ext uri="{FF2B5EF4-FFF2-40B4-BE49-F238E27FC236}">
+                <a16:creationId xmlns:a16="http://schemas.microsoft.com/office/drawing/2014/main" id="{0EC0560D-8BE2-4C0C-A19A-7411A37E2037}"/>
+              </a:ext>
+            </a:extLst>
+          </p:cNvPr>
+          <p:cNvSpPr/>
+          <p:nvPr/>
+        </p:nvSpPr>
+        <p:spPr>
+          <a:xfrm rot="19435375">
+            <a:off x="8724551" y="4938591"/>
+            <a:ext cx="2115509" cy="203844"/>
+          </a:xfrm>
+          <a:prstGeom prst="rightArrow">
+            <a:avLst/>
+          </a:prstGeom>
+        </p:spPr>
+        <p:style>
+          <a:lnRef idx="2">
+            <a:schemeClr val="accent1">
+              <a:shade val="50000"/>
+            </a:schemeClr>
+          </a:lnRef>
+          <a:fillRef idx="1">
+            <a:schemeClr val="accent1"/>
+          </a:fillRef>
+          <a:effectRef idx="0">
+            <a:schemeClr val="accent1"/>
+          </a:effectRef>
+          <a:fontRef idx="minor">
+            <a:schemeClr val="lt1"/>
+          </a:fontRef>
+        </p:style>
+        <p:txBody>
+          <a:bodyPr rtlCol="0" anchor="ctr"/>
+          <a:lstStyle/>
+          <a:p>
+            <a:pPr algn="ctr"/>
+            <a:endParaRPr lang="en-IN" dirty="0"/>
+          </a:p>
+        </p:txBody>
+      </p:sp>
+      <p:sp>
+        <p:nvSpPr>
+          <p:cNvPr id="36" name="TextBox 35">
+            <a:extLst>
+              <a:ext uri="{FF2B5EF4-FFF2-40B4-BE49-F238E27FC236}">
+                <a16:creationId xmlns:a16="http://schemas.microsoft.com/office/drawing/2014/main" id="{EF796192-26CB-4659-B585-CD2C99B67027}"/>
+              </a:ext>
+            </a:extLst>
+          </p:cNvPr>
+          <p:cNvSpPr txBox="1"/>
+          <p:nvPr/>
+        </p:nvSpPr>
+        <p:spPr>
+          <a:xfrm rot="19425398">
+            <a:off x="8464100" y="4560525"/>
+            <a:ext cx="2651106" cy="369332"/>
+          </a:xfrm>
+          <a:prstGeom prst="rect">
+            <a:avLst/>
+          </a:prstGeom>
+          <a:noFill/>
+        </p:spPr>
+        <p:txBody>
+          <a:bodyPr wrap="square" rtlCol="0">
+            <a:spAutoFit/>
+          </a:bodyPr>
+          <a:lstStyle/>
+          <a:p>
+            <a:r>
+              <a:rPr lang="en-IN" dirty="0"/>
+              <a:t>current state , move</a:t>
+            </a:r>
+          </a:p>
+        </p:txBody>
+      </p:sp>
+      <p:sp>
+        <p:nvSpPr>
+          <p:cNvPr id="38" name="Oval 37">
+            <a:extLst>
+              <a:ext uri="{FF2B5EF4-FFF2-40B4-BE49-F238E27FC236}">
+                <a16:creationId xmlns:a16="http://schemas.microsoft.com/office/drawing/2014/main" id="{132E5A11-642A-4D35-B9A9-5D285A99049E}"/>
+              </a:ext>
+            </a:extLst>
+          </p:cNvPr>
+          <p:cNvSpPr/>
+          <p:nvPr/>
+        </p:nvSpPr>
+        <p:spPr>
+          <a:xfrm>
+            <a:off x="968188" y="5524670"/>
+            <a:ext cx="2472603" cy="1287031"/>
+          </a:xfrm>
+          <a:prstGeom prst="ellipse">
+            <a:avLst/>
+          </a:prstGeom>
+        </p:spPr>
+        <p:style>
+          <a:lnRef idx="2">
+            <a:schemeClr val="accent1">
+              <a:shade val="50000"/>
+            </a:schemeClr>
+          </a:lnRef>
+          <a:fillRef idx="1">
+            <a:schemeClr val="accent1"/>
+          </a:fillRef>
+          <a:effectRef idx="0">
+            <a:schemeClr val="accent1"/>
+          </a:effectRef>
+          <a:fontRef idx="minor">
+            <a:schemeClr val="lt1"/>
+          </a:fontRef>
+        </p:style>
+        <p:txBody>
+          <a:bodyPr rtlCol="0" anchor="ctr"/>
+          <a:lstStyle/>
+          <a:p>
+            <a:pPr algn="ctr"/>
+            <a:r>
+              <a:rPr lang="en-IN" dirty="0"/>
+              <a:t>Move Validation</a:t>
+            </a:r>
+          </a:p>
+        </p:txBody>
+      </p:sp>
+      <p:sp>
+        <p:nvSpPr>
+          <p:cNvPr id="40" name="Oval 39">
+            <a:extLst>
+              <a:ext uri="{FF2B5EF4-FFF2-40B4-BE49-F238E27FC236}">
+                <a16:creationId xmlns:a16="http://schemas.microsoft.com/office/drawing/2014/main" id="{59903704-A26F-4DA0-BB8D-F684F0747DFB}"/>
+              </a:ext>
+            </a:extLst>
+          </p:cNvPr>
+          <p:cNvSpPr/>
+          <p:nvPr/>
+        </p:nvSpPr>
+        <p:spPr>
+          <a:xfrm>
+            <a:off x="7315940" y="5587449"/>
+            <a:ext cx="2063992" cy="1117437"/>
+          </a:xfrm>
+          <a:prstGeom prst="ellipse">
+            <a:avLst/>
+          </a:prstGeom>
+        </p:spPr>
+        <p:style>
+          <a:lnRef idx="2">
+            <a:schemeClr val="accent1">
+              <a:shade val="50000"/>
+            </a:schemeClr>
+          </a:lnRef>
+          <a:fillRef idx="1">
+            <a:schemeClr val="accent1"/>
+          </a:fillRef>
+          <a:effectRef idx="0">
+            <a:schemeClr val="accent1"/>
+          </a:effectRef>
+          <a:fontRef idx="minor">
+            <a:schemeClr val="lt1"/>
+          </a:fontRef>
+        </p:style>
+        <p:txBody>
+          <a:bodyPr rtlCol="0" anchor="ctr"/>
+          <a:lstStyle/>
+          <a:p>
+            <a:pPr algn="ctr"/>
+            <a:r>
+              <a:rPr lang="en-IN" dirty="0"/>
+              <a:t>Game State</a:t>
+            </a:r>
+          </a:p>
+        </p:txBody>
+      </p:sp>
+      <p:sp>
+        <p:nvSpPr>
+          <p:cNvPr id="41" name="Arrow: Right 40">
+            <a:extLst>
+              <a:ext uri="{FF2B5EF4-FFF2-40B4-BE49-F238E27FC236}">
+                <a16:creationId xmlns:a16="http://schemas.microsoft.com/office/drawing/2014/main" id="{2D1D4C77-8978-40E6-B665-73A527B43060}"/>
+              </a:ext>
+            </a:extLst>
+          </p:cNvPr>
+          <p:cNvSpPr/>
+          <p:nvPr/>
+        </p:nvSpPr>
+        <p:spPr>
+          <a:xfrm rot="8568573">
+            <a:off x="2911184" y="5160563"/>
+            <a:ext cx="1429267" cy="202070"/>
+          </a:xfrm>
+          <a:prstGeom prst="rightArrow">
+            <a:avLst/>
+          </a:prstGeom>
+        </p:spPr>
+        <p:style>
+          <a:lnRef idx="2">
+            <a:schemeClr val="accent1">
+              <a:shade val="50000"/>
+            </a:schemeClr>
+          </a:lnRef>
+          <a:fillRef idx="1">
+            <a:schemeClr val="accent1"/>
+          </a:fillRef>
+          <a:effectRef idx="0">
+            <a:schemeClr val="accent1"/>
+          </a:effectRef>
+          <a:fontRef idx="minor">
+            <a:schemeClr val="lt1"/>
+          </a:fontRef>
+        </p:style>
+        <p:txBody>
+          <a:bodyPr rtlCol="0" anchor="ctr"/>
+          <a:lstStyle/>
+          <a:p>
+            <a:pPr algn="ctr"/>
+            <a:endParaRPr lang="en-IN"/>
+          </a:p>
+        </p:txBody>
+      </p:sp>
+      <p:sp>
+        <p:nvSpPr>
+          <p:cNvPr id="42" name="Arrow: Right 41">
+            <a:extLst>
+              <a:ext uri="{FF2B5EF4-FFF2-40B4-BE49-F238E27FC236}">
+                <a16:creationId xmlns:a16="http://schemas.microsoft.com/office/drawing/2014/main" id="{E7E8A65A-FF97-4F35-B137-42B363E72D80}"/>
+              </a:ext>
+            </a:extLst>
+          </p:cNvPr>
+          <p:cNvSpPr/>
+          <p:nvPr/>
+        </p:nvSpPr>
+        <p:spPr>
+          <a:xfrm rot="19344318">
+            <a:off x="3204316" y="5363735"/>
+            <a:ext cx="1315415" cy="190434"/>
+          </a:xfrm>
+          <a:prstGeom prst="rightArrow">
+            <a:avLst/>
+          </a:prstGeom>
+        </p:spPr>
+        <p:style>
+          <a:lnRef idx="2">
+            <a:schemeClr val="accent1">
+              <a:shade val="50000"/>
+            </a:schemeClr>
+          </a:lnRef>
+          <a:fillRef idx="1">
+            <a:schemeClr val="accent1"/>
+          </a:fillRef>
+          <a:effectRef idx="0">
+            <a:schemeClr val="accent1"/>
+          </a:effectRef>
+          <a:fontRef idx="minor">
+            <a:schemeClr val="lt1"/>
+          </a:fontRef>
+        </p:style>
+        <p:txBody>
+          <a:bodyPr rtlCol="0" anchor="ctr"/>
+          <a:lstStyle/>
+          <a:p>
+            <a:pPr algn="ctr"/>
+            <a:endParaRPr lang="en-IN"/>
+          </a:p>
+        </p:txBody>
+      </p:sp>
+      <p:sp>
+        <p:nvSpPr>
+          <p:cNvPr id="43" name="TextBox 42">
+            <a:extLst>
+              <a:ext uri="{FF2B5EF4-FFF2-40B4-BE49-F238E27FC236}">
+                <a16:creationId xmlns:a16="http://schemas.microsoft.com/office/drawing/2014/main" id="{62819C2B-F2E1-4F88-92E0-E8A181E7F2A4}"/>
+              </a:ext>
+            </a:extLst>
+          </p:cNvPr>
+          <p:cNvSpPr txBox="1"/>
+          <p:nvPr/>
+        </p:nvSpPr>
+        <p:spPr>
+          <a:xfrm rot="19244217">
+            <a:off x="3094674" y="4761137"/>
+            <a:ext cx="1156447" cy="369332"/>
+          </a:xfrm>
+          <a:prstGeom prst="rect">
+            <a:avLst/>
+          </a:prstGeom>
+          <a:noFill/>
+        </p:spPr>
+        <p:txBody>
+          <a:bodyPr wrap="square" rtlCol="0">
+            <a:spAutoFit/>
+          </a:bodyPr>
+          <a:lstStyle/>
+          <a:p>
+            <a:r>
+              <a:rPr lang="en-IN" dirty="0"/>
+              <a:t>move</a:t>
+            </a:r>
+          </a:p>
+        </p:txBody>
+      </p:sp>
+      <p:sp>
+        <p:nvSpPr>
+          <p:cNvPr id="44" name="TextBox 43">
+            <a:extLst>
+              <a:ext uri="{FF2B5EF4-FFF2-40B4-BE49-F238E27FC236}">
+                <a16:creationId xmlns:a16="http://schemas.microsoft.com/office/drawing/2014/main" id="{DF143AA8-A5BE-408A-91BA-4499A31E4F73}"/>
+              </a:ext>
+            </a:extLst>
+          </p:cNvPr>
+          <p:cNvSpPr txBox="1"/>
+          <p:nvPr/>
+        </p:nvSpPr>
+        <p:spPr>
+          <a:xfrm rot="19388920">
+            <a:off x="3389533" y="5413051"/>
+            <a:ext cx="1156447" cy="369332"/>
+          </a:xfrm>
+          <a:prstGeom prst="rect">
+            <a:avLst/>
+          </a:prstGeom>
+          <a:noFill/>
+        </p:spPr>
+        <p:txBody>
+          <a:bodyPr wrap="square" rtlCol="0">
+            <a:spAutoFit/>
+          </a:bodyPr>
+          <a:lstStyle/>
+          <a:p>
+            <a:r>
+              <a:rPr lang="en-IN" dirty="0"/>
+              <a:t>response</a:t>
+            </a:r>
+          </a:p>
+        </p:txBody>
+      </p:sp>
+      <p:sp>
+        <p:nvSpPr>
+          <p:cNvPr id="45" name="Arrow: Right 44">
+            <a:extLst>
+              <a:ext uri="{FF2B5EF4-FFF2-40B4-BE49-F238E27FC236}">
+                <a16:creationId xmlns:a16="http://schemas.microsoft.com/office/drawing/2014/main" id="{AA9570F2-379B-4C0C-90B9-B02A20109123}"/>
+              </a:ext>
+            </a:extLst>
+          </p:cNvPr>
+          <p:cNvSpPr/>
+          <p:nvPr/>
+        </p:nvSpPr>
+        <p:spPr>
+          <a:xfrm>
+            <a:off x="3458292" y="6068091"/>
+            <a:ext cx="3857648" cy="203745"/>
+          </a:xfrm>
+          <a:prstGeom prst="rightArrow">
+            <a:avLst/>
+          </a:prstGeom>
+        </p:spPr>
+        <p:style>
+          <a:lnRef idx="2">
+            <a:schemeClr val="accent1">
+              <a:shade val="50000"/>
+            </a:schemeClr>
+          </a:lnRef>
+          <a:fillRef idx="1">
+            <a:schemeClr val="accent1"/>
+          </a:fillRef>
+          <a:effectRef idx="0">
+            <a:schemeClr val="accent1"/>
+          </a:effectRef>
+          <a:fontRef idx="minor">
+            <a:schemeClr val="lt1"/>
+          </a:fontRef>
+        </p:style>
+        <p:txBody>
+          <a:bodyPr rtlCol="0" anchor="ctr"/>
+          <a:lstStyle/>
+          <a:p>
+            <a:pPr algn="ctr"/>
+            <a:endParaRPr lang="en-IN" dirty="0"/>
+          </a:p>
+        </p:txBody>
+      </p:sp>
+      <p:sp>
+        <p:nvSpPr>
+          <p:cNvPr id="46" name="TextBox 45">
+            <a:extLst>
+              <a:ext uri="{FF2B5EF4-FFF2-40B4-BE49-F238E27FC236}">
+                <a16:creationId xmlns:a16="http://schemas.microsoft.com/office/drawing/2014/main" id="{1994096C-053E-4315-AF36-1770A910B6C4}"/>
+              </a:ext>
+            </a:extLst>
+          </p:cNvPr>
+          <p:cNvSpPr txBox="1"/>
+          <p:nvPr/>
+        </p:nvSpPr>
+        <p:spPr>
+          <a:xfrm>
+            <a:off x="4728601" y="5775999"/>
+            <a:ext cx="2118653" cy="369332"/>
+          </a:xfrm>
+          <a:prstGeom prst="rect">
+            <a:avLst/>
+          </a:prstGeom>
+          <a:noFill/>
+        </p:spPr>
+        <p:txBody>
+          <a:bodyPr wrap="square" rtlCol="0">
+            <a:spAutoFit/>
+          </a:bodyPr>
+          <a:lstStyle/>
+          <a:p>
+            <a:r>
+              <a:rPr lang="en-IN" dirty="0"/>
+              <a:t>Valid move</a:t>
+            </a:r>
+          </a:p>
+        </p:txBody>
+      </p:sp>
+      <p:sp>
+        <p:nvSpPr>
+          <p:cNvPr id="49" name="Oval 48">
+            <a:extLst>
+              <a:ext uri="{FF2B5EF4-FFF2-40B4-BE49-F238E27FC236}">
+                <a16:creationId xmlns:a16="http://schemas.microsoft.com/office/drawing/2014/main" id="{407A496D-E474-4CA0-B84B-390316211FFD}"/>
+              </a:ext>
+            </a:extLst>
+          </p:cNvPr>
+          <p:cNvSpPr/>
+          <p:nvPr/>
+        </p:nvSpPr>
+        <p:spPr>
+          <a:xfrm>
+            <a:off x="10499690" y="5860343"/>
+            <a:ext cx="1610224" cy="662015"/>
+          </a:xfrm>
+          <a:prstGeom prst="ellipse">
+            <a:avLst/>
+          </a:prstGeom>
+        </p:spPr>
+        <p:style>
+          <a:lnRef idx="2">
+            <a:schemeClr val="accent1">
+              <a:shade val="50000"/>
+            </a:schemeClr>
+          </a:lnRef>
+          <a:fillRef idx="1">
+            <a:schemeClr val="accent1"/>
+          </a:fillRef>
+          <a:effectRef idx="0">
+            <a:schemeClr val="accent1"/>
+          </a:effectRef>
+          <a:fontRef idx="minor">
+            <a:schemeClr val="lt1"/>
+          </a:fontRef>
+        </p:style>
+        <p:txBody>
+          <a:bodyPr rtlCol="0" anchor="ctr"/>
+          <a:lstStyle/>
+          <a:p>
+            <a:pPr algn="ctr"/>
+            <a:r>
+              <a:rPr lang="en-IN" dirty="0"/>
+              <a:t>Game Over</a:t>
+            </a:r>
+          </a:p>
+        </p:txBody>
+      </p:sp>
+      <p:sp>
+        <p:nvSpPr>
+          <p:cNvPr id="50" name="Arrow: Right 49">
+            <a:extLst>
+              <a:ext uri="{FF2B5EF4-FFF2-40B4-BE49-F238E27FC236}">
+                <a16:creationId xmlns:a16="http://schemas.microsoft.com/office/drawing/2014/main" id="{683BCD0C-F4F8-40F3-B577-EB16304C4932}"/>
+              </a:ext>
+            </a:extLst>
+          </p:cNvPr>
+          <p:cNvSpPr/>
+          <p:nvPr/>
+        </p:nvSpPr>
+        <p:spPr>
+          <a:xfrm>
+            <a:off x="9379932" y="6110590"/>
+            <a:ext cx="1119758" cy="161522"/>
+          </a:xfrm>
+          <a:prstGeom prst="rightArrow">
+            <a:avLst/>
+          </a:prstGeom>
+        </p:spPr>
+        <p:style>
+          <a:lnRef idx="2">
+            <a:schemeClr val="accent1">
+              <a:shade val="50000"/>
+            </a:schemeClr>
+          </a:lnRef>
+          <a:fillRef idx="1">
+            <a:schemeClr val="accent1"/>
+          </a:fillRef>
+          <a:effectRef idx="0">
+            <a:schemeClr val="accent1"/>
+          </a:effectRef>
+          <a:fontRef idx="minor">
+            <a:schemeClr val="lt1"/>
+          </a:fontRef>
+        </p:style>
+        <p:txBody>
+          <a:bodyPr rtlCol="0" anchor="ctr"/>
+          <a:lstStyle/>
+          <a:p>
+            <a:pPr algn="ctr"/>
+            <a:endParaRPr lang="en-IN"/>
+          </a:p>
+        </p:txBody>
+      </p:sp>
+      <p:sp>
+        <p:nvSpPr>
+          <p:cNvPr id="51" name="TextBox 50">
+            <a:extLst>
+              <a:ext uri="{FF2B5EF4-FFF2-40B4-BE49-F238E27FC236}">
+                <a16:creationId xmlns:a16="http://schemas.microsoft.com/office/drawing/2014/main" id="{49AAB601-DE68-451B-9452-FDA0E79660A7}"/>
+              </a:ext>
+            </a:extLst>
+          </p:cNvPr>
+          <p:cNvSpPr txBox="1"/>
+          <p:nvPr/>
+        </p:nvSpPr>
+        <p:spPr>
+          <a:xfrm>
+            <a:off x="9250231" y="5817519"/>
+            <a:ext cx="1379160" cy="369332"/>
+          </a:xfrm>
+          <a:prstGeom prst="rect">
+            <a:avLst/>
+          </a:prstGeom>
+          <a:noFill/>
+        </p:spPr>
+        <p:txBody>
+          <a:bodyPr wrap="square" rtlCol="0">
+            <a:spAutoFit/>
+          </a:bodyPr>
+          <a:lstStyle/>
+          <a:p>
+            <a:r>
+              <a:rPr lang="en-IN" dirty="0"/>
+              <a:t>checkmate</a:t>
+            </a:r>
+          </a:p>
+        </p:txBody>
+      </p:sp>
+      <p:sp>
+        <p:nvSpPr>
+          <p:cNvPr id="52" name="Oval 51">
+            <a:extLst>
+              <a:ext uri="{FF2B5EF4-FFF2-40B4-BE49-F238E27FC236}">
+                <a16:creationId xmlns:a16="http://schemas.microsoft.com/office/drawing/2014/main" id="{759902C0-2C10-4E30-9892-D2B2F30DFF93}"/>
+              </a:ext>
+            </a:extLst>
+          </p:cNvPr>
+          <p:cNvSpPr/>
+          <p:nvPr/>
+        </p:nvSpPr>
+        <p:spPr>
+          <a:xfrm>
+            <a:off x="7197902" y="3582570"/>
+            <a:ext cx="2063992" cy="1117437"/>
+          </a:xfrm>
+          <a:prstGeom prst="ellipse">
+            <a:avLst/>
+          </a:prstGeom>
+        </p:spPr>
+        <p:style>
+          <a:lnRef idx="2">
+            <a:schemeClr val="accent1">
+              <a:shade val="50000"/>
+            </a:schemeClr>
+          </a:lnRef>
+          <a:fillRef idx="1">
+            <a:schemeClr val="accent1"/>
+          </a:fillRef>
+          <a:effectRef idx="0">
+            <a:schemeClr val="accent1"/>
+          </a:effectRef>
+          <a:fontRef idx="minor">
+            <a:schemeClr val="lt1"/>
+          </a:fontRef>
+        </p:style>
+        <p:txBody>
+          <a:bodyPr rtlCol="0" anchor="ctr"/>
+          <a:lstStyle/>
+          <a:p>
+            <a:pPr algn="ctr"/>
+            <a:r>
+              <a:rPr lang="en-IN" dirty="0"/>
+              <a:t>Check Players turn</a:t>
+            </a:r>
+          </a:p>
+        </p:txBody>
+      </p:sp>
+      <p:sp>
+        <p:nvSpPr>
+          <p:cNvPr id="53" name="Arrow: Right 52">
+            <a:extLst>
+              <a:ext uri="{FF2B5EF4-FFF2-40B4-BE49-F238E27FC236}">
+                <a16:creationId xmlns:a16="http://schemas.microsoft.com/office/drawing/2014/main" id="{46571F3E-25E6-4D73-910A-4565C11F8D69}"/>
+              </a:ext>
+            </a:extLst>
+          </p:cNvPr>
+          <p:cNvSpPr/>
+          <p:nvPr/>
+        </p:nvSpPr>
+        <p:spPr>
+          <a:xfrm rot="16200000">
+            <a:off x="7850341" y="5031369"/>
+            <a:ext cx="897104" cy="215055"/>
+          </a:xfrm>
+          <a:prstGeom prst="rightArrow">
+            <a:avLst/>
+          </a:prstGeom>
+        </p:spPr>
+        <p:style>
+          <a:lnRef idx="2">
+            <a:schemeClr val="accent1">
+              <a:shade val="50000"/>
+            </a:schemeClr>
+          </a:lnRef>
+          <a:fillRef idx="1">
+            <a:schemeClr val="accent1"/>
+          </a:fillRef>
+          <a:effectRef idx="0">
+            <a:schemeClr val="accent1"/>
+          </a:effectRef>
+          <a:fontRef idx="minor">
+            <a:schemeClr val="lt1"/>
+          </a:fontRef>
+        </p:style>
+        <p:txBody>
+          <a:bodyPr rtlCol="0" anchor="ctr"/>
+          <a:lstStyle/>
+          <a:p>
+            <a:pPr algn="ctr"/>
+            <a:endParaRPr lang="en-IN"/>
+          </a:p>
+        </p:txBody>
+      </p:sp>
+      <p:sp>
+        <p:nvSpPr>
+          <p:cNvPr id="54" name="TextBox 53">
+            <a:extLst>
+              <a:ext uri="{FF2B5EF4-FFF2-40B4-BE49-F238E27FC236}">
+                <a16:creationId xmlns:a16="http://schemas.microsoft.com/office/drawing/2014/main" id="{7EE16AF4-097E-4F36-9A22-19D6A62D38F4}"/>
+              </a:ext>
+            </a:extLst>
+          </p:cNvPr>
+          <p:cNvSpPr txBox="1"/>
+          <p:nvPr/>
+        </p:nvSpPr>
+        <p:spPr>
+          <a:xfrm rot="5400000">
+            <a:off x="7406305" y="5126461"/>
+            <a:ext cx="1236929" cy="646331"/>
+          </a:xfrm>
+          <a:prstGeom prst="rect">
+            <a:avLst/>
+          </a:prstGeom>
+          <a:noFill/>
+        </p:spPr>
+        <p:txBody>
+          <a:bodyPr wrap="square" rtlCol="0">
+            <a:spAutoFit/>
+          </a:bodyPr>
+          <a:lstStyle/>
+          <a:p>
+            <a:r>
+              <a:rPr lang="en-IN" dirty="0"/>
+              <a:t>Game state</a:t>
+            </a:r>
+          </a:p>
+        </p:txBody>
+      </p:sp>
+      <p:sp>
+        <p:nvSpPr>
+          <p:cNvPr id="55" name="Arrow: Right 54">
+            <a:extLst>
+              <a:ext uri="{FF2B5EF4-FFF2-40B4-BE49-F238E27FC236}">
+                <a16:creationId xmlns:a16="http://schemas.microsoft.com/office/drawing/2014/main" id="{22C091A8-57B2-4BD6-A989-4E9DB860E9BD}"/>
+              </a:ext>
+            </a:extLst>
+          </p:cNvPr>
+          <p:cNvSpPr/>
+          <p:nvPr/>
+        </p:nvSpPr>
+        <p:spPr>
+          <a:xfrm rot="17435580">
+            <a:off x="8004596" y="2843389"/>
+            <a:ext cx="1376369" cy="205912"/>
+          </a:xfrm>
+          <a:prstGeom prst="rightArrow">
+            <a:avLst/>
+          </a:prstGeom>
+        </p:spPr>
+        <p:style>
+          <a:lnRef idx="2">
+            <a:schemeClr val="accent1">
+              <a:shade val="50000"/>
+            </a:schemeClr>
+          </a:lnRef>
+          <a:fillRef idx="1">
+            <a:schemeClr val="accent1"/>
+          </a:fillRef>
+          <a:effectRef idx="0">
+            <a:schemeClr val="accent1"/>
+          </a:effectRef>
+          <a:fontRef idx="minor">
+            <a:schemeClr val="lt1"/>
+          </a:fontRef>
+        </p:style>
+        <p:txBody>
+          <a:bodyPr rtlCol="0" anchor="ctr"/>
+          <a:lstStyle/>
+          <a:p>
+            <a:pPr algn="ctr"/>
+            <a:endParaRPr lang="en-IN"/>
+          </a:p>
+        </p:txBody>
+      </p:sp>
+      <p:sp>
+        <p:nvSpPr>
+          <p:cNvPr id="57" name="TextBox 56">
+            <a:extLst>
+              <a:ext uri="{FF2B5EF4-FFF2-40B4-BE49-F238E27FC236}">
+                <a16:creationId xmlns:a16="http://schemas.microsoft.com/office/drawing/2014/main" id="{8484B7E4-10AA-4EF2-8FBB-F060DAC25F99}"/>
+              </a:ext>
+            </a:extLst>
+          </p:cNvPr>
+          <p:cNvSpPr txBox="1"/>
+          <p:nvPr/>
+        </p:nvSpPr>
+        <p:spPr>
+          <a:xfrm rot="1009470">
+            <a:off x="2778557" y="2961804"/>
+            <a:ext cx="1687528" cy="369332"/>
+          </a:xfrm>
+          <a:prstGeom prst="rect">
+            <a:avLst/>
+          </a:prstGeom>
+          <a:noFill/>
+        </p:spPr>
+        <p:txBody>
+          <a:bodyPr wrap="square" rtlCol="0">
+            <a:spAutoFit/>
+          </a:bodyPr>
+          <a:lstStyle/>
+          <a:p>
+            <a:r>
+              <a:rPr lang="en-IN" dirty="0"/>
+              <a:t>Player 1 turn</a:t>
+            </a:r>
+          </a:p>
+        </p:txBody>
+      </p:sp>
+      <p:sp>
+        <p:nvSpPr>
+          <p:cNvPr id="58" name="TextBox 57">
+            <a:extLst>
+              <a:ext uri="{FF2B5EF4-FFF2-40B4-BE49-F238E27FC236}">
+                <a16:creationId xmlns:a16="http://schemas.microsoft.com/office/drawing/2014/main" id="{25DF024B-4005-4956-9C91-42A90456CEFF}"/>
+              </a:ext>
+            </a:extLst>
+          </p:cNvPr>
+          <p:cNvSpPr txBox="1"/>
+          <p:nvPr/>
+        </p:nvSpPr>
+        <p:spPr>
+          <a:xfrm rot="17400578">
+            <a:off x="7713638" y="2761109"/>
+            <a:ext cx="1508814" cy="369332"/>
+          </a:xfrm>
+          <a:prstGeom prst="rect">
+            <a:avLst/>
+          </a:prstGeom>
+          <a:noFill/>
+        </p:spPr>
+        <p:txBody>
+          <a:bodyPr wrap="square" rtlCol="0">
+            <a:spAutoFit/>
+          </a:bodyPr>
+          <a:lstStyle/>
+          <a:p>
+            <a:r>
+              <a:rPr lang="en-IN" dirty="0"/>
+              <a:t>Player 2 turn</a:t>
+            </a:r>
+          </a:p>
+        </p:txBody>
+      </p:sp>
+    </p:spTree>
+    <p:extLst>
+      <p:ext uri="{BB962C8B-B14F-4D97-AF65-F5344CB8AC3E}">
+        <p14:creationId xmlns:p14="http://schemas.microsoft.com/office/powerpoint/2010/main" val="4066113679"/>
+      </p:ext>
+    </p:extLst>
+  </p:cSld>
+  <p:clrMapOvr>
+    <a:masterClrMapping/>
+  </p:clrMapOvr>
+  <mc:AlternateContent xmlns:mc="http://schemas.openxmlformats.org/markup-compatibility/2006">
+    <mc:Choice xmlns:p14="http://schemas.microsoft.com/office/powerpoint/2010/main" Requires="p14">
+      <p:transition spd="med" p14:dur="700">
+        <p:fade/>
+      </p:transition>
+    </mc:Choice>
+    <mc:Fallback>
+      <p:transition spd="med">
+        <p:fade/>
+      </p:transition>
+    </mc:Fallback>
+  </mc:AlternateContent>
+</p:sld>
+</file>
+
+<file path=ppt/slides/slide14.xml><?xml version="1.0" encoding="utf-8"?>
+<p:sld xmlns:a="http://schemas.openxmlformats.org/drawingml/2006/main" xmlns:r="http://schemas.openxmlformats.org/officeDocument/2006/relationships" xmlns:p="http://schemas.openxmlformats.org/presentationml/2006/main">
+  <p:cSld>
+    <p:spTree>
+      <p:nvGrpSpPr>
+        <p:cNvPr id="1" name=""/>
+        <p:cNvGrpSpPr/>
+        <p:nvPr/>
+      </p:nvGrpSpPr>
+      <p:grpSpPr>
+        <a:xfrm>
+          <a:off x="0" y="0"/>
+          <a:ext cx="0" cy="0"/>
+          <a:chOff x="0" y="0"/>
+          <a:chExt cx="0" cy="0"/>
+        </a:xfrm>
+      </p:grpSpPr>
+      <p:sp>
+        <p:nvSpPr>
+          <p:cNvPr id="5" name="Title 4">
+            <a:extLst>
+              <a:ext uri="{FF2B5EF4-FFF2-40B4-BE49-F238E27FC236}">
+                <a16:creationId xmlns:a16="http://schemas.microsoft.com/office/drawing/2014/main" id="{C24D817F-800F-42FD-8A23-6CE84305CE6D}"/>
+              </a:ext>
+            </a:extLst>
+          </p:cNvPr>
+          <p:cNvSpPr>
+            <a:spLocks noGrp="1"/>
+          </p:cNvSpPr>
+          <p:nvPr>
+            <p:ph type="title"/>
+          </p:nvPr>
+        </p:nvSpPr>
+        <p:spPr/>
+        <p:txBody>
+          <a:bodyPr/>
+          <a:lstStyle/>
+          <a:p>
+            <a:r>
+              <a:rPr lang="en-US" dirty="0"/>
+              <a:t>ML DFD [Level 0]:</a:t>
+            </a:r>
+            <a:endParaRPr lang="en-IN" dirty="0"/>
+          </a:p>
+        </p:txBody>
+      </p:sp>
+      <p:sp>
+        <p:nvSpPr>
+          <p:cNvPr id="6" name="Rectangle: Rounded Corners 5">
+            <a:extLst>
+              <a:ext uri="{FF2B5EF4-FFF2-40B4-BE49-F238E27FC236}">
+                <a16:creationId xmlns:a16="http://schemas.microsoft.com/office/drawing/2014/main" id="{92D7985D-F340-4616-BDE7-6009F7AFEE57}"/>
+              </a:ext>
+            </a:extLst>
+          </p:cNvPr>
+          <p:cNvSpPr/>
+          <p:nvPr/>
+        </p:nvSpPr>
+        <p:spPr>
+          <a:xfrm>
+            <a:off x="298698" y="3314325"/>
+            <a:ext cx="2605865" cy="1097279"/>
+          </a:xfrm>
+          <a:prstGeom prst="roundRect">
+            <a:avLst/>
+          </a:prstGeom>
+        </p:spPr>
+        <p:style>
+          <a:lnRef idx="2">
+            <a:schemeClr val="accent1">
+              <a:shade val="50000"/>
+            </a:schemeClr>
+          </a:lnRef>
+          <a:fillRef idx="1">
+            <a:schemeClr val="accent1"/>
+          </a:fillRef>
+          <a:effectRef idx="0">
+            <a:schemeClr val="accent1"/>
+          </a:effectRef>
+          <a:fontRef idx="minor">
+            <a:schemeClr val="lt1"/>
+          </a:fontRef>
+        </p:style>
+        <p:txBody>
+          <a:bodyPr rtlCol="0" anchor="ctr"/>
+          <a:lstStyle/>
+          <a:p>
+            <a:pPr algn="ctr"/>
+            <a:r>
+              <a:rPr lang="en-US" dirty="0"/>
+              <a:t>Player </a:t>
+            </a:r>
+            <a:endParaRPr lang="en-IN" dirty="0"/>
+          </a:p>
+        </p:txBody>
+      </p:sp>
+      <p:sp>
+        <p:nvSpPr>
+          <p:cNvPr id="7" name="Arrow: Right 6">
+            <a:extLst>
+              <a:ext uri="{FF2B5EF4-FFF2-40B4-BE49-F238E27FC236}">
+                <a16:creationId xmlns:a16="http://schemas.microsoft.com/office/drawing/2014/main" id="{2D11F8FD-2467-4160-A7D6-6EEEE1ED5027}"/>
+              </a:ext>
+            </a:extLst>
+          </p:cNvPr>
+          <p:cNvSpPr/>
+          <p:nvPr/>
+        </p:nvSpPr>
+        <p:spPr>
+          <a:xfrm>
+            <a:off x="2904563" y="3429000"/>
+            <a:ext cx="1470766" cy="368523"/>
+          </a:xfrm>
+          <a:prstGeom prst="rightArrow">
+            <a:avLst/>
+          </a:prstGeom>
+        </p:spPr>
+        <p:style>
+          <a:lnRef idx="2">
+            <a:schemeClr val="accent1">
+              <a:shade val="50000"/>
+            </a:schemeClr>
+          </a:lnRef>
+          <a:fillRef idx="1">
+            <a:schemeClr val="accent1"/>
+          </a:fillRef>
+          <a:effectRef idx="0">
+            <a:schemeClr val="accent1"/>
+          </a:effectRef>
+          <a:fontRef idx="minor">
+            <a:schemeClr val="lt1"/>
+          </a:fontRef>
+        </p:style>
+        <p:txBody>
+          <a:bodyPr rtlCol="0" anchor="ctr"/>
+          <a:lstStyle/>
+          <a:p>
+            <a:pPr algn="ctr"/>
+            <a:endParaRPr lang="en-IN"/>
+          </a:p>
+        </p:txBody>
+      </p:sp>
+      <p:sp>
+        <p:nvSpPr>
+          <p:cNvPr id="2" name="Oval 1">
+            <a:extLst>
+              <a:ext uri="{FF2B5EF4-FFF2-40B4-BE49-F238E27FC236}">
+                <a16:creationId xmlns:a16="http://schemas.microsoft.com/office/drawing/2014/main" id="{BD7FECE9-418D-4846-9098-745A17251C13}"/>
+              </a:ext>
+            </a:extLst>
+          </p:cNvPr>
+          <p:cNvSpPr/>
+          <p:nvPr/>
+        </p:nvSpPr>
+        <p:spPr>
+          <a:xfrm>
+            <a:off x="4375329" y="2704313"/>
+            <a:ext cx="2946522" cy="2186419"/>
+          </a:xfrm>
+          <a:prstGeom prst="ellipse">
+            <a:avLst/>
+          </a:prstGeom>
+        </p:spPr>
+        <p:style>
+          <a:lnRef idx="2">
+            <a:schemeClr val="accent1">
+              <a:shade val="50000"/>
+            </a:schemeClr>
+          </a:lnRef>
+          <a:fillRef idx="1">
+            <a:schemeClr val="accent1"/>
+          </a:fillRef>
+          <a:effectRef idx="0">
+            <a:schemeClr val="accent1"/>
+          </a:effectRef>
+          <a:fontRef idx="minor">
+            <a:schemeClr val="lt1"/>
+          </a:fontRef>
+        </p:style>
+        <p:txBody>
+          <a:bodyPr rtlCol="0" anchor="ctr"/>
+          <a:lstStyle/>
+          <a:p>
+            <a:pPr algn="ctr"/>
+            <a:r>
+              <a:rPr lang="en-IN" dirty="0"/>
+              <a:t>ML /</a:t>
+            </a:r>
+          </a:p>
+          <a:p>
+            <a:pPr algn="ctr"/>
+            <a:r>
+              <a:rPr lang="en-IN" dirty="0"/>
+              <a:t>Module</a:t>
+            </a:r>
+          </a:p>
+        </p:txBody>
+      </p:sp>
+      <p:sp>
+        <p:nvSpPr>
+          <p:cNvPr id="13" name="Rectangle: Rounded Corners 12">
+            <a:extLst>
+              <a:ext uri="{FF2B5EF4-FFF2-40B4-BE49-F238E27FC236}">
+                <a16:creationId xmlns:a16="http://schemas.microsoft.com/office/drawing/2014/main" id="{82DC62CC-C0F5-4026-871B-32124E0F25B9}"/>
+              </a:ext>
+            </a:extLst>
+          </p:cNvPr>
+          <p:cNvSpPr/>
+          <p:nvPr/>
+        </p:nvSpPr>
+        <p:spPr>
+          <a:xfrm>
+            <a:off x="9075146" y="3314325"/>
+            <a:ext cx="2605865" cy="1097279"/>
+          </a:xfrm>
+          <a:prstGeom prst="roundRect">
+            <a:avLst/>
+          </a:prstGeom>
+        </p:spPr>
+        <p:style>
+          <a:lnRef idx="2">
+            <a:schemeClr val="accent1">
+              <a:shade val="50000"/>
+            </a:schemeClr>
+          </a:lnRef>
+          <a:fillRef idx="1">
+            <a:schemeClr val="accent1"/>
+          </a:fillRef>
+          <a:effectRef idx="0">
+            <a:schemeClr val="accent1"/>
+          </a:effectRef>
+          <a:fontRef idx="minor">
+            <a:schemeClr val="lt1"/>
+          </a:fontRef>
+        </p:style>
+        <p:txBody>
+          <a:bodyPr rtlCol="0" anchor="ctr"/>
+          <a:lstStyle/>
+          <a:p>
+            <a:pPr algn="ctr"/>
+            <a:r>
+              <a:rPr lang="en-US" dirty="0"/>
+              <a:t>Admin</a:t>
+            </a:r>
+            <a:endParaRPr lang="en-IN" dirty="0"/>
+          </a:p>
+        </p:txBody>
+      </p:sp>
+      <p:sp>
+        <p:nvSpPr>
+          <p:cNvPr id="14" name="Arrow: Right 13">
+            <a:extLst>
+              <a:ext uri="{FF2B5EF4-FFF2-40B4-BE49-F238E27FC236}">
+                <a16:creationId xmlns:a16="http://schemas.microsoft.com/office/drawing/2014/main" id="{1CCE4E8F-B659-48BC-8A4D-8B71D13E309B}"/>
+              </a:ext>
+            </a:extLst>
+          </p:cNvPr>
+          <p:cNvSpPr/>
+          <p:nvPr/>
+        </p:nvSpPr>
+        <p:spPr>
+          <a:xfrm>
+            <a:off x="7321850" y="3854484"/>
+            <a:ext cx="1753295" cy="368523"/>
+          </a:xfrm>
+          <a:prstGeom prst="rightArrow">
+            <a:avLst/>
+          </a:prstGeom>
+        </p:spPr>
+        <p:style>
+          <a:lnRef idx="2">
+            <a:schemeClr val="accent1">
+              <a:shade val="50000"/>
+            </a:schemeClr>
+          </a:lnRef>
+          <a:fillRef idx="1">
+            <a:schemeClr val="accent1"/>
+          </a:fillRef>
+          <a:effectRef idx="0">
+            <a:schemeClr val="accent1"/>
+          </a:effectRef>
+          <a:fontRef idx="minor">
+            <a:schemeClr val="lt1"/>
+          </a:fontRef>
+        </p:style>
+        <p:txBody>
+          <a:bodyPr rtlCol="0" anchor="ctr"/>
+          <a:lstStyle/>
+          <a:p>
+            <a:pPr algn="ctr"/>
+            <a:endParaRPr lang="en-IN"/>
+          </a:p>
+        </p:txBody>
+      </p:sp>
+      <p:sp>
+        <p:nvSpPr>
+          <p:cNvPr id="15" name="Arrow: Right 14">
+            <a:extLst>
+              <a:ext uri="{FF2B5EF4-FFF2-40B4-BE49-F238E27FC236}">
+                <a16:creationId xmlns:a16="http://schemas.microsoft.com/office/drawing/2014/main" id="{92470B1E-169E-4CD2-A4E3-B0754A9E2A32}"/>
+              </a:ext>
+            </a:extLst>
+          </p:cNvPr>
+          <p:cNvSpPr/>
+          <p:nvPr/>
+        </p:nvSpPr>
+        <p:spPr>
+          <a:xfrm rot="10800000">
+            <a:off x="7321849" y="3390525"/>
+            <a:ext cx="1753295" cy="368523"/>
+          </a:xfrm>
+          <a:prstGeom prst="rightArrow">
+            <a:avLst/>
+          </a:prstGeom>
+        </p:spPr>
+        <p:style>
+          <a:lnRef idx="2">
+            <a:schemeClr val="accent1">
+              <a:shade val="50000"/>
+            </a:schemeClr>
+          </a:lnRef>
+          <a:fillRef idx="1">
+            <a:schemeClr val="accent1"/>
+          </a:fillRef>
+          <a:effectRef idx="0">
+            <a:schemeClr val="accent1"/>
+          </a:effectRef>
+          <a:fontRef idx="minor">
+            <a:schemeClr val="lt1"/>
+          </a:fontRef>
+        </p:style>
+        <p:txBody>
+          <a:bodyPr rtlCol="0" anchor="ctr"/>
+          <a:lstStyle/>
+          <a:p>
+            <a:pPr algn="ctr"/>
+            <a:endParaRPr lang="en-IN"/>
+          </a:p>
+        </p:txBody>
+      </p:sp>
+      <p:sp>
+        <p:nvSpPr>
+          <p:cNvPr id="16" name="Arrow: Right 15">
+            <a:extLst>
+              <a:ext uri="{FF2B5EF4-FFF2-40B4-BE49-F238E27FC236}">
+                <a16:creationId xmlns:a16="http://schemas.microsoft.com/office/drawing/2014/main" id="{33D1ECE0-14B8-4B54-8933-E6CABE0BF397}"/>
+              </a:ext>
+            </a:extLst>
+          </p:cNvPr>
+          <p:cNvSpPr/>
+          <p:nvPr/>
+        </p:nvSpPr>
+        <p:spPr>
+          <a:xfrm rot="10800000">
+            <a:off x="2904561" y="3862963"/>
+            <a:ext cx="1470765" cy="368523"/>
+          </a:xfrm>
+          <a:prstGeom prst="rightArrow">
+            <a:avLst/>
+          </a:prstGeom>
+        </p:spPr>
+        <p:style>
+          <a:lnRef idx="2">
+            <a:schemeClr val="accent1">
+              <a:shade val="50000"/>
+            </a:schemeClr>
+          </a:lnRef>
+          <a:fillRef idx="1">
+            <a:schemeClr val="accent1"/>
+          </a:fillRef>
+          <a:effectRef idx="0">
+            <a:schemeClr val="accent1"/>
+          </a:effectRef>
+          <a:fontRef idx="minor">
+            <a:schemeClr val="lt1"/>
+          </a:fontRef>
+        </p:style>
+        <p:txBody>
+          <a:bodyPr rtlCol="0" anchor="ctr"/>
+          <a:lstStyle/>
+          <a:p>
+            <a:pPr algn="ctr"/>
+            <a:endParaRPr lang="en-IN"/>
+          </a:p>
+        </p:txBody>
+      </p:sp>
+      <p:sp>
+        <p:nvSpPr>
+          <p:cNvPr id="3" name="TextBox 2">
+            <a:extLst>
+              <a:ext uri="{FF2B5EF4-FFF2-40B4-BE49-F238E27FC236}">
+                <a16:creationId xmlns:a16="http://schemas.microsoft.com/office/drawing/2014/main" id="{819B5563-AFDC-494C-8C00-D32C4D2098B3}"/>
+              </a:ext>
+            </a:extLst>
+          </p:cNvPr>
+          <p:cNvSpPr txBox="1"/>
+          <p:nvPr/>
+        </p:nvSpPr>
+        <p:spPr>
+          <a:xfrm>
+            <a:off x="2904560" y="3184317"/>
+            <a:ext cx="1559859" cy="369332"/>
+          </a:xfrm>
+          <a:prstGeom prst="rect">
+            <a:avLst/>
+          </a:prstGeom>
+          <a:noFill/>
+        </p:spPr>
+        <p:txBody>
+          <a:bodyPr wrap="square" rtlCol="0">
+            <a:spAutoFit/>
+          </a:bodyPr>
+          <a:lstStyle/>
+          <a:p>
+            <a:r>
+              <a:rPr lang="en-IN" dirty="0"/>
+              <a:t>Game State</a:t>
+            </a:r>
+          </a:p>
+        </p:txBody>
+      </p:sp>
+      <p:sp>
+        <p:nvSpPr>
+          <p:cNvPr id="17" name="TextBox 16">
+            <a:extLst>
+              <a:ext uri="{FF2B5EF4-FFF2-40B4-BE49-F238E27FC236}">
+                <a16:creationId xmlns:a16="http://schemas.microsoft.com/office/drawing/2014/main" id="{CF145991-0656-4853-A1DE-0900EB7250F5}"/>
+              </a:ext>
+            </a:extLst>
+          </p:cNvPr>
+          <p:cNvSpPr txBox="1"/>
+          <p:nvPr/>
+        </p:nvSpPr>
+        <p:spPr>
+          <a:xfrm>
+            <a:off x="7474248" y="3094476"/>
+            <a:ext cx="1669752" cy="369332"/>
+          </a:xfrm>
+          <a:prstGeom prst="rect">
+            <a:avLst/>
+          </a:prstGeom>
+          <a:noFill/>
+        </p:spPr>
+        <p:txBody>
+          <a:bodyPr wrap="square" rtlCol="0">
+            <a:spAutoFit/>
+          </a:bodyPr>
+          <a:lstStyle/>
+          <a:p>
+            <a:r>
+              <a:rPr lang="en-IN" dirty="0"/>
+              <a:t>Game State</a:t>
+            </a:r>
+          </a:p>
+        </p:txBody>
+      </p:sp>
+      <p:sp>
+        <p:nvSpPr>
+          <p:cNvPr id="18" name="TextBox 17">
+            <a:extLst>
+              <a:ext uri="{FF2B5EF4-FFF2-40B4-BE49-F238E27FC236}">
+                <a16:creationId xmlns:a16="http://schemas.microsoft.com/office/drawing/2014/main" id="{2BA6B01A-53BC-48E9-8537-2F62DA4025ED}"/>
+              </a:ext>
+            </a:extLst>
+          </p:cNvPr>
+          <p:cNvSpPr txBox="1"/>
+          <p:nvPr/>
+        </p:nvSpPr>
+        <p:spPr>
+          <a:xfrm>
+            <a:off x="7600725" y="4077250"/>
+            <a:ext cx="1156447" cy="369332"/>
+          </a:xfrm>
+          <a:prstGeom prst="rect">
+            <a:avLst/>
+          </a:prstGeom>
+          <a:noFill/>
+        </p:spPr>
+        <p:txBody>
+          <a:bodyPr wrap="square" rtlCol="0">
+            <a:spAutoFit/>
+          </a:bodyPr>
+          <a:lstStyle/>
+          <a:p>
+            <a:r>
+              <a:rPr lang="en-IN" dirty="0"/>
+              <a:t>response</a:t>
+            </a:r>
+          </a:p>
+        </p:txBody>
+      </p:sp>
+      <p:sp>
+        <p:nvSpPr>
+          <p:cNvPr id="19" name="TextBox 18">
+            <a:extLst>
+              <a:ext uri="{FF2B5EF4-FFF2-40B4-BE49-F238E27FC236}">
+                <a16:creationId xmlns:a16="http://schemas.microsoft.com/office/drawing/2014/main" id="{B7449D8D-000B-47CB-8FAF-7588DE675EB6}"/>
+              </a:ext>
+            </a:extLst>
+          </p:cNvPr>
+          <p:cNvSpPr txBox="1"/>
+          <p:nvPr/>
+        </p:nvSpPr>
+        <p:spPr>
+          <a:xfrm>
+            <a:off x="2796660" y="4150999"/>
+            <a:ext cx="2130736" cy="369332"/>
+          </a:xfrm>
+          <a:prstGeom prst="rect">
+            <a:avLst/>
+          </a:prstGeom>
+          <a:noFill/>
+        </p:spPr>
+        <p:txBody>
+          <a:bodyPr wrap="square" rtlCol="0">
+            <a:spAutoFit/>
+          </a:bodyPr>
+          <a:lstStyle/>
+          <a:p>
+            <a:r>
+              <a:rPr lang="en-IN" dirty="0"/>
+              <a:t>Suggested move</a:t>
+            </a:r>
+          </a:p>
+        </p:txBody>
+      </p:sp>
+    </p:spTree>
+    <p:extLst>
+      <p:ext uri="{BB962C8B-B14F-4D97-AF65-F5344CB8AC3E}">
+        <p14:creationId xmlns:p14="http://schemas.microsoft.com/office/powerpoint/2010/main" val="3467980712"/>
+      </p:ext>
+    </p:extLst>
+  </p:cSld>
+  <p:clrMapOvr>
+    <a:masterClrMapping/>
+  </p:clrMapOvr>
+  <mc:AlternateContent xmlns:mc="http://schemas.openxmlformats.org/markup-compatibility/2006">
+    <mc:Choice xmlns:p14="http://schemas.microsoft.com/office/powerpoint/2010/main" Requires="p14">
+      <p:transition spd="med" p14:dur="700">
+        <p:fade/>
+      </p:transition>
+    </mc:Choice>
+    <mc:Fallback>
+      <p:transition spd="med">
+        <p:fade/>
+      </p:transition>
+    </mc:Fallback>
+  </mc:AlternateContent>
+</p:sld>
+</file>
+
+<file path=ppt/slides/slide15.xml><?xml version="1.0" encoding="utf-8"?>
+<p:sld xmlns:a="http://schemas.openxmlformats.org/drawingml/2006/main" xmlns:r="http://schemas.openxmlformats.org/officeDocument/2006/relationships" xmlns:p="http://schemas.openxmlformats.org/presentationml/2006/main">
+  <p:cSld>
+    <p:spTree>
+      <p:nvGrpSpPr>
+        <p:cNvPr id="1" name=""/>
+        <p:cNvGrpSpPr/>
+        <p:nvPr/>
+      </p:nvGrpSpPr>
+      <p:grpSpPr>
+        <a:xfrm>
+          <a:off x="0" y="0"/>
+          <a:ext cx="0" cy="0"/>
+          <a:chOff x="0" y="0"/>
+          <a:chExt cx="0" cy="0"/>
+        </a:xfrm>
+      </p:grpSpPr>
+      <p:sp>
+        <p:nvSpPr>
+          <p:cNvPr id="32" name="Arrow: Right 31">
+            <a:extLst>
+              <a:ext uri="{FF2B5EF4-FFF2-40B4-BE49-F238E27FC236}">
+                <a16:creationId xmlns:a16="http://schemas.microsoft.com/office/drawing/2014/main" id="{6CDEDD4C-9C06-44DA-8943-73D6A3B14C95}"/>
+              </a:ext>
+            </a:extLst>
+          </p:cNvPr>
+          <p:cNvSpPr/>
+          <p:nvPr/>
+        </p:nvSpPr>
+        <p:spPr>
+          <a:xfrm rot="11782354">
+            <a:off x="1167439" y="3712295"/>
+            <a:ext cx="9391528" cy="216471"/>
+          </a:xfrm>
+          <a:prstGeom prst="rightArrow">
+            <a:avLst/>
+          </a:prstGeom>
+          <a:solidFill>
+            <a:schemeClr val="accent2">
+              <a:lumMod val="75000"/>
+            </a:schemeClr>
+          </a:solidFill>
+        </p:spPr>
+        <p:style>
+          <a:lnRef idx="2">
+            <a:schemeClr val="accent1">
+              <a:shade val="50000"/>
+            </a:schemeClr>
+          </a:lnRef>
+          <a:fillRef idx="1">
+            <a:schemeClr val="accent1"/>
+          </a:fillRef>
+          <a:effectRef idx="0">
+            <a:schemeClr val="accent1"/>
+          </a:effectRef>
+          <a:fontRef idx="minor">
+            <a:schemeClr val="lt1"/>
+          </a:fontRef>
+        </p:style>
+        <p:txBody>
+          <a:bodyPr rtlCol="0" anchor="ctr"/>
+          <a:lstStyle/>
+          <a:p>
+            <a:pPr algn="ctr"/>
+            <a:endParaRPr lang="en-IN"/>
+          </a:p>
+        </p:txBody>
+      </p:sp>
+      <p:sp>
+        <p:nvSpPr>
+          <p:cNvPr id="5" name="Title 4">
+            <a:extLst>
+              <a:ext uri="{FF2B5EF4-FFF2-40B4-BE49-F238E27FC236}">
+                <a16:creationId xmlns:a16="http://schemas.microsoft.com/office/drawing/2014/main" id="{C24D817F-800F-42FD-8A23-6CE84305CE6D}"/>
+              </a:ext>
+            </a:extLst>
+          </p:cNvPr>
+          <p:cNvSpPr>
+            <a:spLocks noGrp="1"/>
+          </p:cNvSpPr>
+          <p:nvPr>
+            <p:ph type="title"/>
+          </p:nvPr>
+        </p:nvSpPr>
+        <p:spPr>
+          <a:xfrm>
+            <a:off x="1066800" y="127000"/>
+            <a:ext cx="10058400" cy="1006266"/>
+          </a:xfrm>
+        </p:spPr>
+        <p:txBody>
+          <a:bodyPr/>
+          <a:lstStyle/>
+          <a:p>
+            <a:r>
+              <a:rPr lang="en-US" dirty="0"/>
+              <a:t>ML DFD [Level 1]:</a:t>
+            </a:r>
+            <a:endParaRPr lang="en-IN" dirty="0"/>
+          </a:p>
+        </p:txBody>
+      </p:sp>
+      <p:sp>
+        <p:nvSpPr>
+          <p:cNvPr id="6" name="Rectangle: Rounded Corners 5">
+            <a:extLst>
+              <a:ext uri="{FF2B5EF4-FFF2-40B4-BE49-F238E27FC236}">
+                <a16:creationId xmlns:a16="http://schemas.microsoft.com/office/drawing/2014/main" id="{92D7985D-F340-4616-BDE7-6009F7AFEE57}"/>
+              </a:ext>
+            </a:extLst>
+          </p:cNvPr>
+          <p:cNvSpPr/>
+          <p:nvPr/>
+        </p:nvSpPr>
+        <p:spPr>
+          <a:xfrm>
+            <a:off x="268803" y="1851622"/>
+            <a:ext cx="1902000" cy="546196"/>
+          </a:xfrm>
+          <a:prstGeom prst="roundRect">
+            <a:avLst/>
+          </a:prstGeom>
+        </p:spPr>
+        <p:style>
+          <a:lnRef idx="2">
+            <a:schemeClr val="accent1">
+              <a:shade val="50000"/>
+            </a:schemeClr>
+          </a:lnRef>
+          <a:fillRef idx="1">
+            <a:schemeClr val="accent1"/>
+          </a:fillRef>
+          <a:effectRef idx="0">
+            <a:schemeClr val="accent1"/>
+          </a:effectRef>
+          <a:fontRef idx="minor">
+            <a:schemeClr val="lt1"/>
+          </a:fontRef>
+        </p:style>
+        <p:txBody>
+          <a:bodyPr rtlCol="0" anchor="ctr"/>
+          <a:lstStyle/>
+          <a:p>
+            <a:pPr algn="ctr"/>
+            <a:r>
+              <a:rPr lang="en-US" dirty="0"/>
+              <a:t>Player </a:t>
+            </a:r>
+            <a:endParaRPr lang="en-IN" dirty="0"/>
+          </a:p>
+        </p:txBody>
+      </p:sp>
+      <p:sp>
+        <p:nvSpPr>
+          <p:cNvPr id="7" name="Arrow: Right 6">
+            <a:extLst>
+              <a:ext uri="{FF2B5EF4-FFF2-40B4-BE49-F238E27FC236}">
+                <a16:creationId xmlns:a16="http://schemas.microsoft.com/office/drawing/2014/main" id="{2D11F8FD-2467-4160-A7D6-6EEEE1ED5027}"/>
+              </a:ext>
+            </a:extLst>
+          </p:cNvPr>
+          <p:cNvSpPr/>
+          <p:nvPr/>
+        </p:nvSpPr>
+        <p:spPr>
+          <a:xfrm>
+            <a:off x="2170803" y="1908328"/>
+            <a:ext cx="1470766" cy="246753"/>
+          </a:xfrm>
+          <a:prstGeom prst="rightArrow">
+            <a:avLst/>
+          </a:prstGeom>
+        </p:spPr>
+        <p:style>
+          <a:lnRef idx="2">
+            <a:schemeClr val="accent1">
+              <a:shade val="50000"/>
+            </a:schemeClr>
+          </a:lnRef>
+          <a:fillRef idx="1">
+            <a:schemeClr val="accent1"/>
+          </a:fillRef>
+          <a:effectRef idx="0">
+            <a:schemeClr val="accent1"/>
+          </a:effectRef>
+          <a:fontRef idx="minor">
+            <a:schemeClr val="lt1"/>
+          </a:fontRef>
+        </p:style>
+        <p:txBody>
+          <a:bodyPr rtlCol="0" anchor="ctr"/>
+          <a:lstStyle/>
+          <a:p>
+            <a:pPr algn="ctr"/>
+            <a:endParaRPr lang="en-IN" dirty="0"/>
+          </a:p>
+        </p:txBody>
+      </p:sp>
+      <p:sp>
+        <p:nvSpPr>
+          <p:cNvPr id="2" name="Oval 1">
+            <a:extLst>
+              <a:ext uri="{FF2B5EF4-FFF2-40B4-BE49-F238E27FC236}">
+                <a16:creationId xmlns:a16="http://schemas.microsoft.com/office/drawing/2014/main" id="{BD7FECE9-418D-4846-9098-745A17251C13}"/>
+              </a:ext>
+            </a:extLst>
+          </p:cNvPr>
+          <p:cNvSpPr/>
+          <p:nvPr/>
+        </p:nvSpPr>
+        <p:spPr>
+          <a:xfrm>
+            <a:off x="3590454" y="1512448"/>
+            <a:ext cx="2673326" cy="1616675"/>
+          </a:xfrm>
+          <a:prstGeom prst="ellipse">
+            <a:avLst/>
+          </a:prstGeom>
+        </p:spPr>
+        <p:style>
+          <a:lnRef idx="2">
+            <a:schemeClr val="accent1">
+              <a:shade val="50000"/>
+            </a:schemeClr>
+          </a:lnRef>
+          <a:fillRef idx="1">
+            <a:schemeClr val="accent1"/>
+          </a:fillRef>
+          <a:effectRef idx="0">
+            <a:schemeClr val="accent1"/>
+          </a:effectRef>
+          <a:fontRef idx="minor">
+            <a:schemeClr val="lt1"/>
+          </a:fontRef>
+        </p:style>
+        <p:txBody>
+          <a:bodyPr rtlCol="0" anchor="ctr"/>
+          <a:lstStyle/>
+          <a:p>
+            <a:pPr algn="ctr"/>
+            <a:r>
+              <a:rPr lang="en-IN" dirty="0"/>
+              <a:t>ML /</a:t>
+            </a:r>
+          </a:p>
+          <a:p>
+            <a:pPr algn="ctr"/>
+            <a:r>
+              <a:rPr lang="en-IN" dirty="0"/>
+              <a:t>Module</a:t>
+            </a:r>
+          </a:p>
+        </p:txBody>
+      </p:sp>
+      <p:sp>
+        <p:nvSpPr>
+          <p:cNvPr id="13" name="Rectangle: Rounded Corners 12">
+            <a:extLst>
+              <a:ext uri="{FF2B5EF4-FFF2-40B4-BE49-F238E27FC236}">
+                <a16:creationId xmlns:a16="http://schemas.microsoft.com/office/drawing/2014/main" id="{82DC62CC-C0F5-4026-871B-32124E0F25B9}"/>
+              </a:ext>
+            </a:extLst>
+          </p:cNvPr>
+          <p:cNvSpPr/>
+          <p:nvPr/>
+        </p:nvSpPr>
+        <p:spPr>
+          <a:xfrm>
+            <a:off x="7988395" y="1872806"/>
+            <a:ext cx="1825935" cy="503828"/>
+          </a:xfrm>
+          <a:prstGeom prst="roundRect">
+            <a:avLst/>
+          </a:prstGeom>
+        </p:spPr>
+        <p:style>
+          <a:lnRef idx="2">
+            <a:schemeClr val="accent1">
+              <a:shade val="50000"/>
+            </a:schemeClr>
+          </a:lnRef>
+          <a:fillRef idx="1">
+            <a:schemeClr val="accent1"/>
+          </a:fillRef>
+          <a:effectRef idx="0">
+            <a:schemeClr val="accent1"/>
+          </a:effectRef>
+          <a:fontRef idx="minor">
+            <a:schemeClr val="lt1"/>
+          </a:fontRef>
+        </p:style>
+        <p:txBody>
+          <a:bodyPr rtlCol="0" anchor="ctr"/>
+          <a:lstStyle/>
+          <a:p>
+            <a:pPr algn="ctr"/>
+            <a:r>
+              <a:rPr lang="en-US" dirty="0"/>
+              <a:t>Admin</a:t>
+            </a:r>
+            <a:endParaRPr lang="en-IN" dirty="0"/>
+          </a:p>
+        </p:txBody>
+      </p:sp>
+      <p:sp>
+        <p:nvSpPr>
+          <p:cNvPr id="14" name="Arrow: Right 13">
+            <a:extLst>
+              <a:ext uri="{FF2B5EF4-FFF2-40B4-BE49-F238E27FC236}">
+                <a16:creationId xmlns:a16="http://schemas.microsoft.com/office/drawing/2014/main" id="{1CCE4E8F-B659-48BC-8A4D-8B71D13E309B}"/>
+              </a:ext>
+            </a:extLst>
+          </p:cNvPr>
+          <p:cNvSpPr/>
+          <p:nvPr/>
+        </p:nvSpPr>
+        <p:spPr>
+          <a:xfrm rot="5400000">
+            <a:off x="4013262" y="3785984"/>
+            <a:ext cx="1506069" cy="227326"/>
+          </a:xfrm>
+          <a:prstGeom prst="rightArrow">
+            <a:avLst/>
+          </a:prstGeom>
+        </p:spPr>
+        <p:style>
+          <a:lnRef idx="2">
+            <a:schemeClr val="accent1">
+              <a:shade val="50000"/>
+            </a:schemeClr>
+          </a:lnRef>
+          <a:fillRef idx="1">
+            <a:schemeClr val="accent1"/>
+          </a:fillRef>
+          <a:effectRef idx="0">
+            <a:schemeClr val="accent1"/>
+          </a:effectRef>
+          <a:fontRef idx="minor">
+            <a:schemeClr val="lt1"/>
+          </a:fontRef>
+        </p:style>
+        <p:txBody>
+          <a:bodyPr rtlCol="0" anchor="ctr"/>
+          <a:lstStyle/>
+          <a:p>
+            <a:pPr algn="ctr"/>
+            <a:endParaRPr lang="en-IN"/>
+          </a:p>
+        </p:txBody>
+      </p:sp>
+      <p:sp>
+        <p:nvSpPr>
+          <p:cNvPr id="15" name="Arrow: Right 14">
+            <a:extLst>
+              <a:ext uri="{FF2B5EF4-FFF2-40B4-BE49-F238E27FC236}">
+                <a16:creationId xmlns:a16="http://schemas.microsoft.com/office/drawing/2014/main" id="{92470B1E-169E-4CD2-A4E3-B0754A9E2A32}"/>
+              </a:ext>
+            </a:extLst>
+          </p:cNvPr>
+          <p:cNvSpPr/>
+          <p:nvPr/>
+        </p:nvSpPr>
+        <p:spPr>
+          <a:xfrm rot="10800000">
+            <a:off x="6215936" y="1943620"/>
+            <a:ext cx="1753294" cy="181099"/>
+          </a:xfrm>
+          <a:prstGeom prst="rightArrow">
+            <a:avLst/>
+          </a:prstGeom>
+        </p:spPr>
+        <p:style>
+          <a:lnRef idx="2">
+            <a:schemeClr val="accent1">
+              <a:shade val="50000"/>
+            </a:schemeClr>
+          </a:lnRef>
+          <a:fillRef idx="1">
+            <a:schemeClr val="accent1"/>
+          </a:fillRef>
+          <a:effectRef idx="0">
+            <a:schemeClr val="accent1"/>
+          </a:effectRef>
+          <a:fontRef idx="minor">
+            <a:schemeClr val="lt1"/>
+          </a:fontRef>
+        </p:style>
+        <p:txBody>
+          <a:bodyPr rtlCol="0" anchor="ctr"/>
+          <a:lstStyle/>
+          <a:p>
+            <a:pPr algn="ctr"/>
+            <a:endParaRPr lang="en-IN"/>
+          </a:p>
+        </p:txBody>
+      </p:sp>
+      <p:sp>
+        <p:nvSpPr>
+          <p:cNvPr id="16" name="Arrow: Right 15">
+            <a:extLst>
+              <a:ext uri="{FF2B5EF4-FFF2-40B4-BE49-F238E27FC236}">
+                <a16:creationId xmlns:a16="http://schemas.microsoft.com/office/drawing/2014/main" id="{33D1ECE0-14B8-4B54-8933-E6CABE0BF397}"/>
+              </a:ext>
+            </a:extLst>
+          </p:cNvPr>
+          <p:cNvSpPr/>
+          <p:nvPr/>
+        </p:nvSpPr>
+        <p:spPr>
+          <a:xfrm>
+            <a:off x="8883575" y="5341956"/>
+            <a:ext cx="1035593" cy="219295"/>
+          </a:xfrm>
+          <a:prstGeom prst="rightArrow">
+            <a:avLst/>
+          </a:prstGeom>
+        </p:spPr>
+        <p:style>
+          <a:lnRef idx="2">
+            <a:schemeClr val="accent1">
+              <a:shade val="50000"/>
+            </a:schemeClr>
+          </a:lnRef>
+          <a:fillRef idx="1">
+            <a:schemeClr val="accent1"/>
+          </a:fillRef>
+          <a:effectRef idx="0">
+            <a:schemeClr val="accent1"/>
+          </a:effectRef>
+          <a:fontRef idx="minor">
+            <a:schemeClr val="lt1"/>
+          </a:fontRef>
+        </p:style>
+        <p:txBody>
+          <a:bodyPr rtlCol="0" anchor="ctr"/>
+          <a:lstStyle/>
+          <a:p>
+            <a:pPr algn="ctr"/>
+            <a:endParaRPr lang="en-IN"/>
+          </a:p>
+        </p:txBody>
+      </p:sp>
+      <p:sp>
+        <p:nvSpPr>
+          <p:cNvPr id="3" name="TextBox 2">
+            <a:extLst>
+              <a:ext uri="{FF2B5EF4-FFF2-40B4-BE49-F238E27FC236}">
+                <a16:creationId xmlns:a16="http://schemas.microsoft.com/office/drawing/2014/main" id="{819B5563-AFDC-494C-8C00-D32C4D2098B3}"/>
+              </a:ext>
+            </a:extLst>
+          </p:cNvPr>
+          <p:cNvSpPr txBox="1"/>
+          <p:nvPr/>
+        </p:nvSpPr>
+        <p:spPr>
+          <a:xfrm>
+            <a:off x="2124630" y="1619483"/>
+            <a:ext cx="1559859" cy="369332"/>
+          </a:xfrm>
+          <a:prstGeom prst="rect">
+            <a:avLst/>
+          </a:prstGeom>
+          <a:noFill/>
+        </p:spPr>
+        <p:txBody>
+          <a:bodyPr wrap="square" rtlCol="0">
+            <a:spAutoFit/>
+          </a:bodyPr>
+          <a:lstStyle/>
+          <a:p>
+            <a:r>
+              <a:rPr lang="en-IN" dirty="0"/>
+              <a:t>Game State</a:t>
+            </a:r>
+          </a:p>
+        </p:txBody>
+      </p:sp>
+      <p:sp>
+        <p:nvSpPr>
+          <p:cNvPr id="17" name="TextBox 16">
+            <a:extLst>
+              <a:ext uri="{FF2B5EF4-FFF2-40B4-BE49-F238E27FC236}">
+                <a16:creationId xmlns:a16="http://schemas.microsoft.com/office/drawing/2014/main" id="{CF145991-0656-4853-A1DE-0900EB7250F5}"/>
+              </a:ext>
+            </a:extLst>
+          </p:cNvPr>
+          <p:cNvSpPr txBox="1"/>
+          <p:nvPr/>
+        </p:nvSpPr>
+        <p:spPr>
+          <a:xfrm>
+            <a:off x="6486974" y="1619483"/>
+            <a:ext cx="1669752" cy="369332"/>
+          </a:xfrm>
+          <a:prstGeom prst="rect">
+            <a:avLst/>
+          </a:prstGeom>
+          <a:noFill/>
+        </p:spPr>
+        <p:txBody>
+          <a:bodyPr wrap="square" rtlCol="0">
+            <a:spAutoFit/>
+          </a:bodyPr>
+          <a:lstStyle/>
+          <a:p>
+            <a:r>
+              <a:rPr lang="en-IN" dirty="0"/>
+              <a:t>Game State</a:t>
+            </a:r>
+          </a:p>
+        </p:txBody>
+      </p:sp>
+      <p:sp>
+        <p:nvSpPr>
+          <p:cNvPr id="18" name="TextBox 17">
+            <a:extLst>
+              <a:ext uri="{FF2B5EF4-FFF2-40B4-BE49-F238E27FC236}">
+                <a16:creationId xmlns:a16="http://schemas.microsoft.com/office/drawing/2014/main" id="{2BA6B01A-53BC-48E9-8537-2F62DA4025ED}"/>
+              </a:ext>
+            </a:extLst>
+          </p:cNvPr>
+          <p:cNvSpPr txBox="1"/>
+          <p:nvPr/>
+        </p:nvSpPr>
+        <p:spPr>
+          <a:xfrm>
+            <a:off x="5555802" y="4919580"/>
+            <a:ext cx="1396870" cy="646331"/>
+          </a:xfrm>
+          <a:prstGeom prst="rect">
+            <a:avLst/>
+          </a:prstGeom>
+          <a:noFill/>
+        </p:spPr>
+        <p:txBody>
+          <a:bodyPr wrap="square" rtlCol="0">
+            <a:spAutoFit/>
+          </a:bodyPr>
+          <a:lstStyle/>
+          <a:p>
+            <a:r>
+              <a:rPr lang="en-IN" dirty="0"/>
+              <a:t>Search for valid move</a:t>
+            </a:r>
+          </a:p>
+        </p:txBody>
+      </p:sp>
+      <p:sp>
+        <p:nvSpPr>
+          <p:cNvPr id="19" name="TextBox 18">
+            <a:extLst>
+              <a:ext uri="{FF2B5EF4-FFF2-40B4-BE49-F238E27FC236}">
+                <a16:creationId xmlns:a16="http://schemas.microsoft.com/office/drawing/2014/main" id="{B7449D8D-000B-47CB-8FAF-7588DE675EB6}"/>
+              </a:ext>
+            </a:extLst>
+          </p:cNvPr>
+          <p:cNvSpPr txBox="1"/>
+          <p:nvPr/>
+        </p:nvSpPr>
+        <p:spPr>
+          <a:xfrm>
+            <a:off x="8795458" y="5058079"/>
+            <a:ext cx="1488469" cy="369332"/>
+          </a:xfrm>
+          <a:prstGeom prst="rect">
+            <a:avLst/>
+          </a:prstGeom>
+          <a:noFill/>
+        </p:spPr>
+        <p:txBody>
+          <a:bodyPr wrap="square" rtlCol="0">
+            <a:spAutoFit/>
+          </a:bodyPr>
+          <a:lstStyle/>
+          <a:p>
+            <a:r>
+              <a:rPr lang="en-IN" dirty="0"/>
+              <a:t>Not found</a:t>
+            </a:r>
+          </a:p>
+        </p:txBody>
+      </p:sp>
+      <p:sp>
+        <p:nvSpPr>
+          <p:cNvPr id="4" name="Cylinder 3">
+            <a:extLst>
+              <a:ext uri="{FF2B5EF4-FFF2-40B4-BE49-F238E27FC236}">
+                <a16:creationId xmlns:a16="http://schemas.microsoft.com/office/drawing/2014/main" id="{BC10352D-988A-4B44-B519-4997E63298AC}"/>
+              </a:ext>
+            </a:extLst>
+          </p:cNvPr>
+          <p:cNvSpPr/>
+          <p:nvPr/>
+        </p:nvSpPr>
+        <p:spPr>
+          <a:xfrm>
+            <a:off x="4317517" y="4652681"/>
+            <a:ext cx="1219200" cy="1689605"/>
+          </a:xfrm>
+          <a:prstGeom prst="can">
+            <a:avLst/>
+          </a:prstGeom>
+        </p:spPr>
+        <p:style>
+          <a:lnRef idx="2">
+            <a:schemeClr val="accent1">
+              <a:shade val="50000"/>
+            </a:schemeClr>
+          </a:lnRef>
+          <a:fillRef idx="1">
+            <a:schemeClr val="accent1"/>
+          </a:fillRef>
+          <a:effectRef idx="0">
+            <a:schemeClr val="accent1"/>
+          </a:effectRef>
+          <a:fontRef idx="minor">
+            <a:schemeClr val="lt1"/>
+          </a:fontRef>
+        </p:style>
+        <p:txBody>
+          <a:bodyPr rtlCol="0" anchor="ctr"/>
+          <a:lstStyle/>
+          <a:p>
+            <a:pPr algn="ctr"/>
+            <a:r>
+              <a:rPr lang="en-IN" dirty="0"/>
+              <a:t>DataBase</a:t>
+            </a:r>
+          </a:p>
+        </p:txBody>
+      </p:sp>
+      <p:sp>
+        <p:nvSpPr>
+          <p:cNvPr id="20" name="TextBox 19">
+            <a:extLst>
+              <a:ext uri="{FF2B5EF4-FFF2-40B4-BE49-F238E27FC236}">
+                <a16:creationId xmlns:a16="http://schemas.microsoft.com/office/drawing/2014/main" id="{5C1D904A-97FF-4F4B-920D-F8086D54FC5D}"/>
+              </a:ext>
+            </a:extLst>
+          </p:cNvPr>
+          <p:cNvSpPr txBox="1"/>
+          <p:nvPr/>
+        </p:nvSpPr>
+        <p:spPr>
+          <a:xfrm rot="5400000">
+            <a:off x="3740422" y="3808797"/>
+            <a:ext cx="1669752" cy="369332"/>
+          </a:xfrm>
+          <a:prstGeom prst="rect">
+            <a:avLst/>
+          </a:prstGeom>
+          <a:noFill/>
+        </p:spPr>
+        <p:txBody>
+          <a:bodyPr wrap="square" rtlCol="0">
+            <a:spAutoFit/>
+          </a:bodyPr>
+          <a:lstStyle/>
+          <a:p>
+            <a:r>
+              <a:rPr lang="en-IN" dirty="0"/>
+              <a:t>Game State</a:t>
+            </a:r>
+          </a:p>
+        </p:txBody>
+      </p:sp>
+      <p:sp>
+        <p:nvSpPr>
+          <p:cNvPr id="21" name="Oval 20">
+            <a:extLst>
+              <a:ext uri="{FF2B5EF4-FFF2-40B4-BE49-F238E27FC236}">
+                <a16:creationId xmlns:a16="http://schemas.microsoft.com/office/drawing/2014/main" id="{F3E0C7BC-7A28-4F6C-BE5A-88A4F07C41B6}"/>
+              </a:ext>
+            </a:extLst>
+          </p:cNvPr>
+          <p:cNvSpPr/>
+          <p:nvPr/>
+        </p:nvSpPr>
+        <p:spPr>
+          <a:xfrm>
+            <a:off x="6971757" y="5128152"/>
+            <a:ext cx="1913348" cy="950249"/>
+          </a:xfrm>
+          <a:prstGeom prst="ellipse">
+            <a:avLst/>
+          </a:prstGeom>
+        </p:spPr>
+        <p:style>
+          <a:lnRef idx="2">
+            <a:schemeClr val="accent1">
+              <a:shade val="50000"/>
+            </a:schemeClr>
+          </a:lnRef>
+          <a:fillRef idx="1">
+            <a:schemeClr val="accent1"/>
+          </a:fillRef>
+          <a:effectRef idx="0">
+            <a:schemeClr val="accent1"/>
+          </a:effectRef>
+          <a:fontRef idx="minor">
+            <a:schemeClr val="lt1"/>
+          </a:fontRef>
+        </p:style>
+        <p:txBody>
+          <a:bodyPr rtlCol="0" anchor="ctr"/>
+          <a:lstStyle/>
+          <a:p>
+            <a:pPr algn="ctr"/>
+            <a:r>
+              <a:rPr lang="en-IN" dirty="0"/>
+              <a:t>Move found</a:t>
+            </a:r>
+          </a:p>
+        </p:txBody>
+      </p:sp>
+      <p:sp>
+        <p:nvSpPr>
+          <p:cNvPr id="22" name="Arrow: Right 21">
+            <a:extLst>
+              <a:ext uri="{FF2B5EF4-FFF2-40B4-BE49-F238E27FC236}">
+                <a16:creationId xmlns:a16="http://schemas.microsoft.com/office/drawing/2014/main" id="{377EB3C0-A065-44CC-B327-C847CBCCC4D9}"/>
+              </a:ext>
+            </a:extLst>
+          </p:cNvPr>
+          <p:cNvSpPr/>
+          <p:nvPr/>
+        </p:nvSpPr>
+        <p:spPr>
+          <a:xfrm>
+            <a:off x="5555802" y="5453000"/>
+            <a:ext cx="1415955" cy="246752"/>
+          </a:xfrm>
+          <a:prstGeom prst="rightArrow">
+            <a:avLst/>
+          </a:prstGeom>
+        </p:spPr>
+        <p:style>
+          <a:lnRef idx="2">
+            <a:schemeClr val="accent1">
+              <a:shade val="50000"/>
+            </a:schemeClr>
+          </a:lnRef>
+          <a:fillRef idx="1">
+            <a:schemeClr val="accent1"/>
+          </a:fillRef>
+          <a:effectRef idx="0">
+            <a:schemeClr val="accent1"/>
+          </a:effectRef>
+          <a:fontRef idx="minor">
+            <a:schemeClr val="lt1"/>
+          </a:fontRef>
+        </p:style>
+        <p:txBody>
+          <a:bodyPr rtlCol="0" anchor="ctr"/>
+          <a:lstStyle/>
+          <a:p>
+            <a:pPr algn="ctr"/>
+            <a:endParaRPr lang="en-IN" dirty="0"/>
+          </a:p>
+        </p:txBody>
+      </p:sp>
+      <p:sp>
+        <p:nvSpPr>
+          <p:cNvPr id="23" name="Oval 22">
+            <a:extLst>
+              <a:ext uri="{FF2B5EF4-FFF2-40B4-BE49-F238E27FC236}">
+                <a16:creationId xmlns:a16="http://schemas.microsoft.com/office/drawing/2014/main" id="{3FE3C824-7E06-4896-A5A3-FB2CEFA219F0}"/>
+              </a:ext>
+            </a:extLst>
+          </p:cNvPr>
+          <p:cNvSpPr/>
+          <p:nvPr/>
+        </p:nvSpPr>
+        <p:spPr>
+          <a:xfrm>
+            <a:off x="9882299" y="5128151"/>
+            <a:ext cx="1825935" cy="950249"/>
+          </a:xfrm>
+          <a:prstGeom prst="ellipse">
+            <a:avLst/>
+          </a:prstGeom>
+        </p:spPr>
+        <p:style>
+          <a:lnRef idx="2">
+            <a:schemeClr val="accent1">
+              <a:shade val="50000"/>
+            </a:schemeClr>
+          </a:lnRef>
+          <a:fillRef idx="1">
+            <a:schemeClr val="accent1"/>
+          </a:fillRef>
+          <a:effectRef idx="0">
+            <a:schemeClr val="accent1"/>
+          </a:effectRef>
+          <a:fontRef idx="minor">
+            <a:schemeClr val="lt1"/>
+          </a:fontRef>
+        </p:style>
+        <p:txBody>
+          <a:bodyPr rtlCol="0" anchor="ctr"/>
+          <a:lstStyle/>
+          <a:p>
+            <a:pPr algn="ctr"/>
+            <a:r>
+              <a:rPr lang="en-IN" dirty="0"/>
+              <a:t>Generate Random </a:t>
+            </a:r>
+            <a:r>
+              <a:rPr lang="en-IN" dirty="0" err="1"/>
+              <a:t>moive</a:t>
+            </a:r>
+            <a:endParaRPr lang="en-IN" dirty="0"/>
+          </a:p>
+        </p:txBody>
+      </p:sp>
+      <p:sp>
+        <p:nvSpPr>
+          <p:cNvPr id="24" name="Arrow: Right 23">
+            <a:extLst>
+              <a:ext uri="{FF2B5EF4-FFF2-40B4-BE49-F238E27FC236}">
+                <a16:creationId xmlns:a16="http://schemas.microsoft.com/office/drawing/2014/main" id="{8E3E1BEE-F987-42FF-AFB6-3CCC63548B39}"/>
+              </a:ext>
+            </a:extLst>
+          </p:cNvPr>
+          <p:cNvSpPr/>
+          <p:nvPr/>
+        </p:nvSpPr>
+        <p:spPr>
+          <a:xfrm rot="10800000">
+            <a:off x="2137298" y="2145801"/>
+            <a:ext cx="1443573" cy="205263"/>
+          </a:xfrm>
+          <a:prstGeom prst="rightArrow">
+            <a:avLst/>
+          </a:prstGeom>
+        </p:spPr>
+        <p:style>
+          <a:lnRef idx="2">
+            <a:schemeClr val="accent1">
+              <a:shade val="50000"/>
+            </a:schemeClr>
+          </a:lnRef>
+          <a:fillRef idx="1">
+            <a:schemeClr val="accent1"/>
+          </a:fillRef>
+          <a:effectRef idx="0">
+            <a:schemeClr val="accent1"/>
+          </a:effectRef>
+          <a:fontRef idx="minor">
+            <a:schemeClr val="lt1"/>
+          </a:fontRef>
+        </p:style>
+        <p:txBody>
+          <a:bodyPr rtlCol="0" anchor="ctr"/>
+          <a:lstStyle/>
+          <a:p>
+            <a:pPr algn="ctr"/>
+            <a:endParaRPr lang="en-IN"/>
+          </a:p>
+        </p:txBody>
+      </p:sp>
+      <p:sp>
+        <p:nvSpPr>
+          <p:cNvPr id="25" name="TextBox 24">
+            <a:extLst>
+              <a:ext uri="{FF2B5EF4-FFF2-40B4-BE49-F238E27FC236}">
+                <a16:creationId xmlns:a16="http://schemas.microsoft.com/office/drawing/2014/main" id="{C6757775-4752-4861-80B6-D57FC57C0235}"/>
+              </a:ext>
+            </a:extLst>
+          </p:cNvPr>
+          <p:cNvSpPr txBox="1"/>
+          <p:nvPr/>
+        </p:nvSpPr>
+        <p:spPr>
+          <a:xfrm>
+            <a:off x="2213853" y="2229150"/>
+            <a:ext cx="1730270" cy="646331"/>
+          </a:xfrm>
+          <a:prstGeom prst="rect">
+            <a:avLst/>
+          </a:prstGeom>
+          <a:noFill/>
+        </p:spPr>
+        <p:txBody>
+          <a:bodyPr wrap="square" rtlCol="0">
+            <a:spAutoFit/>
+          </a:bodyPr>
+          <a:lstStyle/>
+          <a:p>
+            <a:r>
+              <a:rPr lang="en-IN" dirty="0"/>
+              <a:t>Suggested 	move</a:t>
+            </a:r>
+          </a:p>
+        </p:txBody>
+      </p:sp>
+      <p:sp>
+        <p:nvSpPr>
+          <p:cNvPr id="26" name="Arrow: Right 25">
+            <a:extLst>
+              <a:ext uri="{FF2B5EF4-FFF2-40B4-BE49-F238E27FC236}">
+                <a16:creationId xmlns:a16="http://schemas.microsoft.com/office/drawing/2014/main" id="{1CA5CAA7-0FF6-4DA7-8182-E7BD64DBCDC5}"/>
+              </a:ext>
+            </a:extLst>
+          </p:cNvPr>
+          <p:cNvSpPr/>
+          <p:nvPr/>
+        </p:nvSpPr>
+        <p:spPr>
+          <a:xfrm>
+            <a:off x="6315512" y="2132564"/>
+            <a:ext cx="1669752" cy="181099"/>
+          </a:xfrm>
+          <a:prstGeom prst="rightArrow">
+            <a:avLst/>
+          </a:prstGeom>
+        </p:spPr>
+        <p:style>
+          <a:lnRef idx="2">
+            <a:schemeClr val="accent1">
+              <a:shade val="50000"/>
+            </a:schemeClr>
+          </a:lnRef>
+          <a:fillRef idx="1">
+            <a:schemeClr val="accent1"/>
+          </a:fillRef>
+          <a:effectRef idx="0">
+            <a:schemeClr val="accent1"/>
+          </a:effectRef>
+          <a:fontRef idx="minor">
+            <a:schemeClr val="lt1"/>
+          </a:fontRef>
+        </p:style>
+        <p:txBody>
+          <a:bodyPr rtlCol="0" anchor="ctr"/>
+          <a:lstStyle/>
+          <a:p>
+            <a:pPr algn="ctr"/>
+            <a:endParaRPr lang="en-IN" dirty="0"/>
+          </a:p>
+        </p:txBody>
+      </p:sp>
+      <p:sp>
+        <p:nvSpPr>
+          <p:cNvPr id="27" name="TextBox 26">
+            <a:extLst>
+              <a:ext uri="{FF2B5EF4-FFF2-40B4-BE49-F238E27FC236}">
+                <a16:creationId xmlns:a16="http://schemas.microsoft.com/office/drawing/2014/main" id="{3B2FDC75-4850-470A-B7D2-552A7FA63117}"/>
+              </a:ext>
+            </a:extLst>
+          </p:cNvPr>
+          <p:cNvSpPr txBox="1"/>
+          <p:nvPr/>
+        </p:nvSpPr>
+        <p:spPr>
+          <a:xfrm>
+            <a:off x="6099214" y="2256781"/>
+            <a:ext cx="2102348" cy="369332"/>
+          </a:xfrm>
+          <a:prstGeom prst="rect">
+            <a:avLst/>
+          </a:prstGeom>
+          <a:noFill/>
+        </p:spPr>
+        <p:txBody>
+          <a:bodyPr wrap="square" rtlCol="0">
+            <a:spAutoFit/>
+          </a:bodyPr>
+          <a:lstStyle/>
+          <a:p>
+            <a:r>
+              <a:rPr lang="en-IN" dirty="0"/>
+              <a:t>Acknowledgement</a:t>
+            </a:r>
+          </a:p>
+        </p:txBody>
+      </p:sp>
+      <p:sp>
+        <p:nvSpPr>
+          <p:cNvPr id="30" name="Arrow: Right 29">
+            <a:extLst>
+              <a:ext uri="{FF2B5EF4-FFF2-40B4-BE49-F238E27FC236}">
+                <a16:creationId xmlns:a16="http://schemas.microsoft.com/office/drawing/2014/main" id="{546459F7-2576-45AD-B779-EB067FDE6E55}"/>
+              </a:ext>
+            </a:extLst>
+          </p:cNvPr>
+          <p:cNvSpPr/>
+          <p:nvPr/>
+        </p:nvSpPr>
+        <p:spPr>
+          <a:xfrm rot="13704799">
+            <a:off x="5281987" y="3964836"/>
+            <a:ext cx="2842027" cy="223013"/>
+          </a:xfrm>
+          <a:prstGeom prst="rightArrow">
+            <a:avLst/>
+          </a:prstGeom>
+        </p:spPr>
+        <p:style>
+          <a:lnRef idx="2">
+            <a:schemeClr val="accent1">
+              <a:shade val="50000"/>
+            </a:schemeClr>
+          </a:lnRef>
+          <a:fillRef idx="1">
+            <a:schemeClr val="accent1"/>
+          </a:fillRef>
+          <a:effectRef idx="0">
+            <a:schemeClr val="accent1"/>
+          </a:effectRef>
+          <a:fontRef idx="minor">
+            <a:schemeClr val="lt1"/>
+          </a:fontRef>
+        </p:style>
+        <p:txBody>
+          <a:bodyPr rtlCol="0" anchor="ctr"/>
+          <a:lstStyle/>
+          <a:p>
+            <a:pPr algn="ctr"/>
+            <a:endParaRPr lang="en-IN"/>
+          </a:p>
+        </p:txBody>
+      </p:sp>
+      <p:sp>
+        <p:nvSpPr>
+          <p:cNvPr id="31" name="TextBox 30">
+            <a:extLst>
+              <a:ext uri="{FF2B5EF4-FFF2-40B4-BE49-F238E27FC236}">
+                <a16:creationId xmlns:a16="http://schemas.microsoft.com/office/drawing/2014/main" id="{150BEDEF-C758-4EDD-B940-1BD7BE798A25}"/>
+              </a:ext>
+            </a:extLst>
+          </p:cNvPr>
+          <p:cNvSpPr txBox="1"/>
+          <p:nvPr/>
+        </p:nvSpPr>
+        <p:spPr>
+          <a:xfrm rot="2876843">
+            <a:off x="6348429" y="4066033"/>
+            <a:ext cx="1669752" cy="369332"/>
+          </a:xfrm>
+          <a:prstGeom prst="rect">
+            <a:avLst/>
+          </a:prstGeom>
+          <a:noFill/>
+        </p:spPr>
+        <p:txBody>
+          <a:bodyPr wrap="square" rtlCol="0">
+            <a:spAutoFit/>
+          </a:bodyPr>
+          <a:lstStyle/>
+          <a:p>
+            <a:r>
+              <a:rPr lang="en-IN" dirty="0"/>
+              <a:t>Update</a:t>
+            </a:r>
+          </a:p>
+        </p:txBody>
+      </p:sp>
+      <p:sp>
+        <p:nvSpPr>
+          <p:cNvPr id="33" name="Arrow: Right 32">
+            <a:extLst>
+              <a:ext uri="{FF2B5EF4-FFF2-40B4-BE49-F238E27FC236}">
+                <a16:creationId xmlns:a16="http://schemas.microsoft.com/office/drawing/2014/main" id="{FDE7E6C0-C127-4355-BB08-4AB5D13C67B3}"/>
+              </a:ext>
+            </a:extLst>
+          </p:cNvPr>
+          <p:cNvSpPr/>
+          <p:nvPr/>
+        </p:nvSpPr>
+        <p:spPr>
+          <a:xfrm rot="16200000">
+            <a:off x="4258093" y="3792852"/>
+            <a:ext cx="1506069" cy="227326"/>
+          </a:xfrm>
+          <a:prstGeom prst="rightArrow">
+            <a:avLst/>
+          </a:prstGeom>
+        </p:spPr>
+        <p:style>
+          <a:lnRef idx="2">
+            <a:schemeClr val="accent1">
+              <a:shade val="50000"/>
+            </a:schemeClr>
+          </a:lnRef>
+          <a:fillRef idx="1">
+            <a:schemeClr val="accent1"/>
+          </a:fillRef>
+          <a:effectRef idx="0">
+            <a:schemeClr val="accent1"/>
+          </a:effectRef>
+          <a:fontRef idx="minor">
+            <a:schemeClr val="lt1"/>
+          </a:fontRef>
+        </p:style>
+        <p:txBody>
+          <a:bodyPr rtlCol="0" anchor="ctr"/>
+          <a:lstStyle/>
+          <a:p>
+            <a:pPr algn="ctr"/>
+            <a:endParaRPr lang="en-IN"/>
+          </a:p>
+        </p:txBody>
+      </p:sp>
+      <p:sp>
+        <p:nvSpPr>
+          <p:cNvPr id="34" name="TextBox 33">
+            <a:extLst>
+              <a:ext uri="{FF2B5EF4-FFF2-40B4-BE49-F238E27FC236}">
+                <a16:creationId xmlns:a16="http://schemas.microsoft.com/office/drawing/2014/main" id="{C4DBCFF6-BDCD-4E38-B2D4-C3AB795C7796}"/>
+              </a:ext>
+            </a:extLst>
+          </p:cNvPr>
+          <p:cNvSpPr txBox="1"/>
+          <p:nvPr/>
+        </p:nvSpPr>
+        <p:spPr>
+          <a:xfrm rot="16200000">
+            <a:off x="4157664" y="3407571"/>
+            <a:ext cx="2102348" cy="369332"/>
+          </a:xfrm>
+          <a:prstGeom prst="rect">
+            <a:avLst/>
+          </a:prstGeom>
+          <a:noFill/>
+        </p:spPr>
+        <p:txBody>
+          <a:bodyPr wrap="square" rtlCol="0">
+            <a:spAutoFit/>
+          </a:bodyPr>
+          <a:lstStyle/>
+          <a:p>
+            <a:r>
+              <a:rPr lang="en-IN" dirty="0"/>
+              <a:t>Suggestion</a:t>
+            </a:r>
+          </a:p>
+        </p:txBody>
+      </p:sp>
+      <p:sp>
+        <p:nvSpPr>
+          <p:cNvPr id="35" name="Arrow: Right 34">
+            <a:extLst>
+              <a:ext uri="{FF2B5EF4-FFF2-40B4-BE49-F238E27FC236}">
+                <a16:creationId xmlns:a16="http://schemas.microsoft.com/office/drawing/2014/main" id="{947F8F38-A1F8-4218-B67A-3152A2AFE56B}"/>
+              </a:ext>
+            </a:extLst>
+          </p:cNvPr>
+          <p:cNvSpPr/>
+          <p:nvPr/>
+        </p:nvSpPr>
+        <p:spPr>
+          <a:xfrm rot="10800000">
+            <a:off x="5585575" y="5671781"/>
+            <a:ext cx="1415955" cy="246752"/>
+          </a:xfrm>
+          <a:prstGeom prst="rightArrow">
+            <a:avLst/>
+          </a:prstGeom>
+        </p:spPr>
+        <p:style>
+          <a:lnRef idx="2">
+            <a:schemeClr val="accent1">
+              <a:shade val="50000"/>
+            </a:schemeClr>
+          </a:lnRef>
+          <a:fillRef idx="1">
+            <a:schemeClr val="accent1"/>
+          </a:fillRef>
+          <a:effectRef idx="0">
+            <a:schemeClr val="accent1"/>
+          </a:effectRef>
+          <a:fontRef idx="minor">
+            <a:schemeClr val="lt1"/>
+          </a:fontRef>
+        </p:style>
+        <p:txBody>
+          <a:bodyPr rtlCol="0" anchor="ctr"/>
+          <a:lstStyle/>
+          <a:p>
+            <a:pPr algn="ctr"/>
+            <a:endParaRPr lang="en-IN" dirty="0"/>
+          </a:p>
+        </p:txBody>
+      </p:sp>
+      <p:sp>
+        <p:nvSpPr>
+          <p:cNvPr id="36" name="TextBox 35">
+            <a:extLst>
+              <a:ext uri="{FF2B5EF4-FFF2-40B4-BE49-F238E27FC236}">
+                <a16:creationId xmlns:a16="http://schemas.microsoft.com/office/drawing/2014/main" id="{C6EDFB38-9198-488E-BC5A-6D1BCAB2B263}"/>
+              </a:ext>
+            </a:extLst>
+          </p:cNvPr>
+          <p:cNvSpPr txBox="1"/>
+          <p:nvPr/>
+        </p:nvSpPr>
+        <p:spPr>
+          <a:xfrm>
+            <a:off x="6004565" y="5818460"/>
+            <a:ext cx="1396870" cy="369332"/>
+          </a:xfrm>
+          <a:prstGeom prst="rect">
+            <a:avLst/>
+          </a:prstGeom>
+          <a:noFill/>
+        </p:spPr>
+        <p:txBody>
+          <a:bodyPr wrap="square" rtlCol="0">
+            <a:spAutoFit/>
+          </a:bodyPr>
+          <a:lstStyle/>
+          <a:p>
+            <a:r>
+              <a:rPr lang="en-IN" dirty="0"/>
+              <a:t>ACK</a:t>
+            </a:r>
+          </a:p>
+        </p:txBody>
+      </p:sp>
+      <p:sp>
+        <p:nvSpPr>
+          <p:cNvPr id="37" name="Arrow: Right 36">
+            <a:extLst>
+              <a:ext uri="{FF2B5EF4-FFF2-40B4-BE49-F238E27FC236}">
+                <a16:creationId xmlns:a16="http://schemas.microsoft.com/office/drawing/2014/main" id="{4AFE5A3D-D955-4CB0-9BB3-B256FF9EA429}"/>
+              </a:ext>
+            </a:extLst>
+          </p:cNvPr>
+          <p:cNvSpPr/>
+          <p:nvPr/>
+        </p:nvSpPr>
+        <p:spPr>
+          <a:xfrm rot="10800000">
+            <a:off x="8864490" y="5553150"/>
+            <a:ext cx="1035593" cy="242007"/>
+          </a:xfrm>
+          <a:prstGeom prst="rightArrow">
+            <a:avLst/>
+          </a:prstGeom>
+        </p:spPr>
+        <p:style>
+          <a:lnRef idx="2">
+            <a:schemeClr val="accent1">
+              <a:shade val="50000"/>
+            </a:schemeClr>
+          </a:lnRef>
+          <a:fillRef idx="1">
+            <a:schemeClr val="accent1"/>
+          </a:fillRef>
+          <a:effectRef idx="0">
+            <a:schemeClr val="accent1"/>
+          </a:effectRef>
+          <a:fontRef idx="minor">
+            <a:schemeClr val="lt1"/>
+          </a:fontRef>
+        </p:style>
+        <p:txBody>
+          <a:bodyPr rtlCol="0" anchor="ctr"/>
+          <a:lstStyle/>
+          <a:p>
+            <a:pPr algn="ctr"/>
+            <a:endParaRPr lang="en-IN" dirty="0"/>
+          </a:p>
+        </p:txBody>
+      </p:sp>
+      <p:sp>
+        <p:nvSpPr>
+          <p:cNvPr id="38" name="TextBox 37">
+            <a:extLst>
+              <a:ext uri="{FF2B5EF4-FFF2-40B4-BE49-F238E27FC236}">
+                <a16:creationId xmlns:a16="http://schemas.microsoft.com/office/drawing/2014/main" id="{82A4529A-361C-43F0-86E6-252F5AD56533}"/>
+              </a:ext>
+            </a:extLst>
+          </p:cNvPr>
+          <p:cNvSpPr txBox="1"/>
+          <p:nvPr/>
+        </p:nvSpPr>
+        <p:spPr>
+          <a:xfrm>
+            <a:off x="9115895" y="5718433"/>
+            <a:ext cx="1396870" cy="369332"/>
+          </a:xfrm>
+          <a:prstGeom prst="rect">
+            <a:avLst/>
+          </a:prstGeom>
+          <a:noFill/>
+        </p:spPr>
+        <p:txBody>
+          <a:bodyPr wrap="square" rtlCol="0">
+            <a:spAutoFit/>
+          </a:bodyPr>
+          <a:lstStyle/>
+          <a:p>
+            <a:r>
+              <a:rPr lang="en-IN" dirty="0"/>
+              <a:t>ACK</a:t>
+            </a:r>
+          </a:p>
+        </p:txBody>
+      </p:sp>
+    </p:spTree>
+    <p:extLst>
+      <p:ext uri="{BB962C8B-B14F-4D97-AF65-F5344CB8AC3E}">
+        <p14:creationId xmlns:p14="http://schemas.microsoft.com/office/powerpoint/2010/main" val="2724040330"/>
+      </p:ext>
+    </p:extLst>
+  </p:cSld>
+  <p:clrMapOvr>
+    <a:masterClrMapping/>
+  </p:clrMapOvr>
+  <mc:AlternateContent xmlns:mc="http://schemas.openxmlformats.org/markup-compatibility/2006">
+    <mc:Choice xmlns:p14="http://schemas.microsoft.com/office/powerpoint/2010/main" Requires="p14">
+      <p:transition spd="med" p14:dur="700">
+        <p:fade/>
+      </p:transition>
+    </mc:Choice>
+    <mc:Fallback>
+      <p:transition spd="med">
+        <p:fade/>
+      </p:transition>
+    </mc:Fallback>
+  </mc:AlternateContent>
+</p:sld>
+</file>
+
+<file path=ppt/slides/slide16.xml><?xml version="1.0" encoding="utf-8"?>
 <p:sld xmlns:a="http://schemas.openxmlformats.org/drawingml/2006/main" xmlns:r="http://schemas.openxmlformats.org/officeDocument/2006/relationships" xmlns:p="http://schemas.openxmlformats.org/presentationml/2006/main">
   <p:cSld>
     <p:spTree>
@@ -24104,10 +27783,120 @@
           </a:p>
         </p:txBody>
       </p:sp>
+      <p:sp>
+        <p:nvSpPr>
+          <p:cNvPr id="12" name="Rectangle: Rounded Corners 11">
+            <a:extLst>
+              <a:ext uri="{FF2B5EF4-FFF2-40B4-BE49-F238E27FC236}">
+                <a16:creationId xmlns:a16="http://schemas.microsoft.com/office/drawing/2014/main" id="{7096BDA6-82DE-41F0-996F-0A6749091D0A}"/>
+              </a:ext>
+            </a:extLst>
+          </p:cNvPr>
+          <p:cNvSpPr/>
+          <p:nvPr/>
+        </p:nvSpPr>
+        <p:spPr>
+          <a:xfrm>
+            <a:off x="6530465" y="3989294"/>
+            <a:ext cx="5114687" cy="2420471"/>
+          </a:xfrm>
+          <a:prstGeom prst="roundRect">
+            <a:avLst/>
+          </a:prstGeom>
+        </p:spPr>
+        <p:style>
+          <a:lnRef idx="2">
+            <a:schemeClr val="accent1">
+              <a:shade val="50000"/>
+            </a:schemeClr>
+          </a:lnRef>
+          <a:fillRef idx="1">
+            <a:schemeClr val="accent1"/>
+          </a:fillRef>
+          <a:effectRef idx="0">
+            <a:schemeClr val="accent1"/>
+          </a:effectRef>
+          <a:fontRef idx="minor">
+            <a:schemeClr val="lt1"/>
+          </a:fontRef>
+        </p:style>
+        <p:txBody>
+          <a:bodyPr rtlCol="0" anchor="ctr"/>
+          <a:lstStyle/>
+          <a:p>
+            <a:r>
+              <a:rPr lang="en-US" b="0" dirty="0" err="1">
+                <a:solidFill>
+                  <a:schemeClr val="tx1"/>
+                </a:solidFill>
+                <a:effectLst/>
+                <a:latin typeface="Consolas" panose="020B0609020204030204" pitchFamily="49" charset="0"/>
+              </a:rPr>
+              <a:t>this.placePieceBoxNumbers</a:t>
+            </a:r>
+            <a:r>
+              <a:rPr lang="en-US" b="0" dirty="0">
+                <a:solidFill>
+                  <a:schemeClr val="tx1"/>
+                </a:solidFill>
+                <a:effectLst/>
+                <a:latin typeface="Consolas" panose="020B0609020204030204" pitchFamily="49" charset="0"/>
+              </a:rPr>
+              <a:t>()//Place piece box numbers in every </a:t>
+            </a:r>
+            <a:r>
+              <a:rPr lang="en-US" b="0" dirty="0" err="1">
+                <a:solidFill>
+                  <a:schemeClr val="tx1"/>
+                </a:solidFill>
+                <a:effectLst/>
+                <a:latin typeface="Consolas" panose="020B0609020204030204" pitchFamily="49" charset="0"/>
+              </a:rPr>
+              <a:t>piecebox</a:t>
+            </a:r>
+            <a:r>
+              <a:rPr lang="en-US" b="0" dirty="0">
+                <a:solidFill>
+                  <a:schemeClr val="tx1"/>
+                </a:solidFill>
+                <a:effectLst/>
+                <a:latin typeface="Consolas" panose="020B0609020204030204" pitchFamily="49" charset="0"/>
+              </a:rPr>
+              <a:t> div</a:t>
+            </a:r>
+          </a:p>
+          <a:p>
+            <a:br>
+              <a:rPr lang="en-US" b="0" dirty="0">
+                <a:solidFill>
+                  <a:schemeClr val="tx1"/>
+                </a:solidFill>
+                <a:effectLst/>
+                <a:latin typeface="Consolas" panose="020B0609020204030204" pitchFamily="49" charset="0"/>
+              </a:rPr>
+            </a:br>
+            <a:endParaRPr lang="en-US" b="0" dirty="0">
+              <a:solidFill>
+                <a:schemeClr val="tx1"/>
+              </a:solidFill>
+              <a:effectLst/>
+              <a:latin typeface="Consolas" panose="020B0609020204030204" pitchFamily="49" charset="0"/>
+            </a:endParaRPr>
+          </a:p>
+          <a:p>
+            <a:pPr algn="ctr"/>
+            <a:endParaRPr lang="en-IN" dirty="0">
+              <a:solidFill>
+                <a:schemeClr val="tx1"/>
+              </a:solidFill>
+            </a:endParaRPr>
+          </a:p>
+        </p:txBody>
+      </p:sp>
     </p:spTree>
     <p:extLst>
       <p:ext uri="{BB962C8B-B14F-4D97-AF65-F5344CB8AC3E}">
-        <p14:creationId xmlns:p14="http://schemas.microsoft.com/office/powerpoint/2010/main" val="1101118378"/>
+        <p14:creationId xmlns:p14="http://schemas.microsoft.com/office/powerpoint/2010/main" val="3660116193"/>
       </p:ext>
     </p:extLst>
   </p:cSld>
@@ -24129,7 +27918,687 @@
 </p:sld>
 </file>
 
-<file path=ppt/slides/slide14.xml><?xml version="1.0" encoding="utf-8"?>
+<file path=ppt/slides/slide17.xml><?xml version="1.0" encoding="utf-8"?>
+<p:sld xmlns:a="http://schemas.openxmlformats.org/drawingml/2006/main" xmlns:r="http://schemas.openxmlformats.org/officeDocument/2006/relationships" xmlns:p="http://schemas.openxmlformats.org/presentationml/2006/main">
+  <p:cSld>
+    <p:spTree>
+      <p:nvGrpSpPr>
+        <p:cNvPr id="1" name=""/>
+        <p:cNvGrpSpPr/>
+        <p:nvPr/>
+      </p:nvGrpSpPr>
+      <p:grpSpPr>
+        <a:xfrm>
+          <a:off x="0" y="0"/>
+          <a:ext cx="0" cy="0"/>
+          <a:chOff x="0" y="0"/>
+          <a:chExt cx="0" cy="0"/>
+        </a:xfrm>
+      </p:grpSpPr>
+      <p:sp>
+        <p:nvSpPr>
+          <p:cNvPr id="5" name="Title 4">
+            <a:extLst>
+              <a:ext uri="{FF2B5EF4-FFF2-40B4-BE49-F238E27FC236}">
+                <a16:creationId xmlns:a16="http://schemas.microsoft.com/office/drawing/2014/main" id="{C24D817F-800F-42FD-8A23-6CE84305CE6D}"/>
+              </a:ext>
+            </a:extLst>
+          </p:cNvPr>
+          <p:cNvSpPr>
+            <a:spLocks noGrp="1"/>
+          </p:cNvSpPr>
+          <p:nvPr>
+            <p:ph type="title"/>
+          </p:nvPr>
+        </p:nvSpPr>
+        <p:spPr/>
+        <p:txBody>
+          <a:bodyPr/>
+          <a:lstStyle/>
+          <a:p>
+            <a:r>
+              <a:rPr lang="en-US" dirty="0"/>
+              <a:t>DFD:</a:t>
+            </a:r>
+            <a:endParaRPr lang="en-IN" dirty="0"/>
+          </a:p>
+        </p:txBody>
+      </p:sp>
+      <p:sp>
+        <p:nvSpPr>
+          <p:cNvPr id="6" name="Rectangle: Rounded Corners 5">
+            <a:extLst>
+              <a:ext uri="{FF2B5EF4-FFF2-40B4-BE49-F238E27FC236}">
+                <a16:creationId xmlns:a16="http://schemas.microsoft.com/office/drawing/2014/main" id="{92D7985D-F340-4616-BDE7-6009F7AFEE57}"/>
+              </a:ext>
+            </a:extLst>
+          </p:cNvPr>
+          <p:cNvSpPr/>
+          <p:nvPr/>
+        </p:nvSpPr>
+        <p:spPr>
+          <a:xfrm>
+            <a:off x="373097" y="1649043"/>
+            <a:ext cx="3283857" cy="1560322"/>
+          </a:xfrm>
+          <a:prstGeom prst="roundRect">
+            <a:avLst/>
+          </a:prstGeom>
+        </p:spPr>
+        <p:style>
+          <a:lnRef idx="2">
+            <a:schemeClr val="accent1">
+              <a:shade val="50000"/>
+            </a:schemeClr>
+          </a:lnRef>
+          <a:fillRef idx="1">
+            <a:schemeClr val="accent1"/>
+          </a:fillRef>
+          <a:effectRef idx="0">
+            <a:schemeClr val="accent1"/>
+          </a:effectRef>
+          <a:fontRef idx="minor">
+            <a:schemeClr val="lt1"/>
+          </a:fontRef>
+        </p:style>
+        <p:txBody>
+          <a:bodyPr rtlCol="0" anchor="ctr"/>
+          <a:lstStyle/>
+          <a:p>
+            <a:r>
+              <a:rPr lang="en-IN" b="0" dirty="0" err="1">
+                <a:solidFill>
+                  <a:schemeClr val="tx1"/>
+                </a:solidFill>
+                <a:effectLst/>
+                <a:latin typeface="Consolas" panose="020B0609020204030204" pitchFamily="49" charset="0"/>
+              </a:rPr>
+              <a:t>addPiecesBoxListeners</a:t>
+            </a:r>
+            <a:r>
+              <a:rPr lang="en-IN" b="0" dirty="0">
+                <a:solidFill>
+                  <a:schemeClr val="tx1"/>
+                </a:solidFill>
+                <a:effectLst/>
+                <a:latin typeface="Consolas" panose="020B0609020204030204" pitchFamily="49" charset="0"/>
+              </a:rPr>
+              <a:t>()</a:t>
+            </a:r>
+          </a:p>
+          <a:p>
+            <a:r>
+              <a:rPr lang="en-IN" dirty="0">
+                <a:solidFill>
+                  <a:schemeClr val="tx1"/>
+                </a:solidFill>
+                <a:latin typeface="Consolas" panose="020B0609020204030204" pitchFamily="49" charset="0"/>
+              </a:rPr>
+              <a:t>Add listeners to all piece positions</a:t>
+            </a:r>
+            <a:endParaRPr lang="en-IN" b="0" dirty="0">
+              <a:solidFill>
+                <a:schemeClr val="tx1"/>
+              </a:solidFill>
+              <a:effectLst/>
+              <a:latin typeface="Consolas" panose="020B0609020204030204" pitchFamily="49" charset="0"/>
+            </a:endParaRPr>
+          </a:p>
+        </p:txBody>
+      </p:sp>
+      <p:sp>
+        <p:nvSpPr>
+          <p:cNvPr id="7" name="Arrow: Right 6">
+            <a:extLst>
+              <a:ext uri="{FF2B5EF4-FFF2-40B4-BE49-F238E27FC236}">
+                <a16:creationId xmlns:a16="http://schemas.microsoft.com/office/drawing/2014/main" id="{2D11F8FD-2467-4160-A7D6-6EEEE1ED5027}"/>
+              </a:ext>
+            </a:extLst>
+          </p:cNvPr>
+          <p:cNvSpPr/>
+          <p:nvPr/>
+        </p:nvSpPr>
+        <p:spPr>
+          <a:xfrm>
+            <a:off x="4885303" y="5015267"/>
+            <a:ext cx="1645162" cy="368523"/>
+          </a:xfrm>
+          <a:prstGeom prst="rightArrow">
+            <a:avLst/>
+          </a:prstGeom>
+        </p:spPr>
+        <p:style>
+          <a:lnRef idx="2">
+            <a:schemeClr val="accent1">
+              <a:shade val="50000"/>
+            </a:schemeClr>
+          </a:lnRef>
+          <a:fillRef idx="1">
+            <a:schemeClr val="accent1"/>
+          </a:fillRef>
+          <a:effectRef idx="0">
+            <a:schemeClr val="accent1"/>
+          </a:effectRef>
+          <a:fontRef idx="minor">
+            <a:schemeClr val="lt1"/>
+          </a:fontRef>
+        </p:style>
+        <p:txBody>
+          <a:bodyPr rtlCol="0" anchor="ctr"/>
+          <a:lstStyle/>
+          <a:p>
+            <a:pPr algn="ctr"/>
+            <a:endParaRPr lang="en-IN"/>
+          </a:p>
+        </p:txBody>
+      </p:sp>
+      <p:sp>
+        <p:nvSpPr>
+          <p:cNvPr id="8" name="Rectangle: Rounded Corners 7">
+            <a:extLst>
+              <a:ext uri="{FF2B5EF4-FFF2-40B4-BE49-F238E27FC236}">
+                <a16:creationId xmlns:a16="http://schemas.microsoft.com/office/drawing/2014/main" id="{E67D9E09-684D-494E-8864-628B8B56BB4B}"/>
+              </a:ext>
+            </a:extLst>
+          </p:cNvPr>
+          <p:cNvSpPr/>
+          <p:nvPr/>
+        </p:nvSpPr>
+        <p:spPr>
+          <a:xfrm>
+            <a:off x="3735418" y="1649043"/>
+            <a:ext cx="2070848" cy="923364"/>
+          </a:xfrm>
+          <a:prstGeom prst="roundRect">
+            <a:avLst/>
+          </a:prstGeom>
+        </p:spPr>
+        <p:style>
+          <a:lnRef idx="2">
+            <a:schemeClr val="accent1">
+              <a:shade val="50000"/>
+            </a:schemeClr>
+          </a:lnRef>
+          <a:fillRef idx="1">
+            <a:schemeClr val="accent1"/>
+          </a:fillRef>
+          <a:effectRef idx="0">
+            <a:schemeClr val="accent1"/>
+          </a:effectRef>
+          <a:fontRef idx="minor">
+            <a:schemeClr val="lt1"/>
+          </a:fontRef>
+        </p:style>
+        <p:txBody>
+          <a:bodyPr rtlCol="0" anchor="ctr"/>
+          <a:lstStyle/>
+          <a:p>
+            <a:pPr algn="ctr"/>
+            <a:r>
+              <a:rPr lang="en-US" dirty="0"/>
+              <a:t>Import app.js</a:t>
+            </a:r>
+            <a:endParaRPr lang="en-IN" dirty="0"/>
+          </a:p>
+        </p:txBody>
+      </p:sp>
+      <p:sp>
+        <p:nvSpPr>
+          <p:cNvPr id="9" name="Arrow: Right 8">
+            <a:extLst>
+              <a:ext uri="{FF2B5EF4-FFF2-40B4-BE49-F238E27FC236}">
+                <a16:creationId xmlns:a16="http://schemas.microsoft.com/office/drawing/2014/main" id="{7857A135-BE65-41D6-9548-651BF6E3F3F3}"/>
+              </a:ext>
+            </a:extLst>
+          </p:cNvPr>
+          <p:cNvSpPr/>
+          <p:nvPr/>
+        </p:nvSpPr>
+        <p:spPr>
+          <a:xfrm>
+            <a:off x="5884730" y="1932321"/>
+            <a:ext cx="1291472" cy="368523"/>
+          </a:xfrm>
+          <a:prstGeom prst="rightArrow">
+            <a:avLst/>
+          </a:prstGeom>
+        </p:spPr>
+        <p:style>
+          <a:lnRef idx="2">
+            <a:schemeClr val="accent1">
+              <a:shade val="50000"/>
+            </a:schemeClr>
+          </a:lnRef>
+          <a:fillRef idx="1">
+            <a:schemeClr val="accent1"/>
+          </a:fillRef>
+          <a:effectRef idx="0">
+            <a:schemeClr val="accent1"/>
+          </a:effectRef>
+          <a:fontRef idx="minor">
+            <a:schemeClr val="lt1"/>
+          </a:fontRef>
+        </p:style>
+        <p:txBody>
+          <a:bodyPr rtlCol="0" anchor="ctr"/>
+          <a:lstStyle/>
+          <a:p>
+            <a:pPr algn="ctr"/>
+            <a:endParaRPr lang="en-IN"/>
+          </a:p>
+        </p:txBody>
+      </p:sp>
+      <p:sp>
+        <p:nvSpPr>
+          <p:cNvPr id="10" name="Rectangle: Rounded Corners 9">
+            <a:extLst>
+              <a:ext uri="{FF2B5EF4-FFF2-40B4-BE49-F238E27FC236}">
+                <a16:creationId xmlns:a16="http://schemas.microsoft.com/office/drawing/2014/main" id="{4CDE0FAC-1607-45A8-953C-3EC3CE667B9D}"/>
+              </a:ext>
+            </a:extLst>
+          </p:cNvPr>
+          <p:cNvSpPr/>
+          <p:nvPr/>
+        </p:nvSpPr>
+        <p:spPr>
+          <a:xfrm>
+            <a:off x="7176202" y="1649042"/>
+            <a:ext cx="3843732" cy="1779957"/>
+          </a:xfrm>
+          <a:prstGeom prst="roundRect">
+            <a:avLst/>
+          </a:prstGeom>
+        </p:spPr>
+        <p:style>
+          <a:lnRef idx="2">
+            <a:schemeClr val="accent1">
+              <a:shade val="50000"/>
+            </a:schemeClr>
+          </a:lnRef>
+          <a:fillRef idx="1">
+            <a:schemeClr val="accent1"/>
+          </a:fillRef>
+          <a:effectRef idx="0">
+            <a:schemeClr val="accent1"/>
+          </a:effectRef>
+          <a:fontRef idx="minor">
+            <a:schemeClr val="lt1"/>
+          </a:fontRef>
+        </p:style>
+        <p:txBody>
+          <a:bodyPr rtlCol="0" anchor="ctr"/>
+          <a:lstStyle/>
+          <a:p>
+            <a:pPr algn="ctr"/>
+            <a:endParaRPr lang="en-IN" b="0" dirty="0">
+              <a:solidFill>
+                <a:schemeClr val="tx1"/>
+              </a:solidFill>
+              <a:effectLst/>
+              <a:latin typeface="Consolas" panose="020B0609020204030204" pitchFamily="49" charset="0"/>
+            </a:endParaRPr>
+          </a:p>
+          <a:p>
+            <a:pPr algn="ctr"/>
+            <a:r>
+              <a:rPr lang="en-IN" b="0" dirty="0">
+                <a:solidFill>
+                  <a:schemeClr val="tx1"/>
+                </a:solidFill>
+                <a:effectLst/>
+                <a:latin typeface="Consolas" panose="020B0609020204030204" pitchFamily="49" charset="0"/>
+              </a:rPr>
+              <a:t>import { </a:t>
+            </a:r>
+            <a:r>
+              <a:rPr lang="en-IN" b="0" dirty="0" err="1">
+                <a:solidFill>
+                  <a:schemeClr val="tx1"/>
+                </a:solidFill>
+                <a:effectLst/>
+                <a:latin typeface="Consolas" panose="020B0609020204030204" pitchFamily="49" charset="0"/>
+              </a:rPr>
+              <a:t>piecesRender</a:t>
+            </a:r>
+            <a:r>
+              <a:rPr lang="en-IN" b="0" dirty="0">
+                <a:solidFill>
+                  <a:schemeClr val="tx1"/>
+                </a:solidFill>
+                <a:effectLst/>
+                <a:latin typeface="Consolas" panose="020B0609020204030204" pitchFamily="49" charset="0"/>
+              </a:rPr>
+              <a:t> } from './services/piecesRender.service.js’</a:t>
+            </a:r>
+          </a:p>
+          <a:p>
+            <a:pPr algn="ctr"/>
+            <a:r>
+              <a:rPr lang="en-IN" dirty="0">
+                <a:solidFill>
+                  <a:schemeClr val="tx1"/>
+                </a:solidFill>
+                <a:latin typeface="Consolas" panose="020B0609020204030204" pitchFamily="49" charset="0"/>
+              </a:rPr>
+              <a:t>After Dom contents are loaded call </a:t>
+            </a:r>
+            <a:r>
+              <a:rPr lang="en-IN" dirty="0" err="1">
+                <a:solidFill>
+                  <a:schemeClr val="tx1"/>
+                </a:solidFill>
+                <a:latin typeface="Consolas" panose="020B0609020204030204" pitchFamily="49" charset="0"/>
+              </a:rPr>
+              <a:t>renderPieces</a:t>
+            </a:r>
+            <a:endParaRPr lang="en-IN" b="0" dirty="0">
+              <a:solidFill>
+                <a:schemeClr val="tx1"/>
+              </a:solidFill>
+              <a:effectLst/>
+              <a:latin typeface="Consolas" panose="020B0609020204030204" pitchFamily="49" charset="0"/>
+            </a:endParaRPr>
+          </a:p>
+          <a:p>
+            <a:pPr algn="ctr"/>
+            <a:endParaRPr lang="en-IN" dirty="0">
+              <a:solidFill>
+                <a:schemeClr val="tx1"/>
+              </a:solidFill>
+            </a:endParaRPr>
+          </a:p>
+        </p:txBody>
+      </p:sp>
+      <p:sp>
+        <p:nvSpPr>
+          <p:cNvPr id="11" name="Rectangle: Rounded Corners 10">
+            <a:extLst>
+              <a:ext uri="{FF2B5EF4-FFF2-40B4-BE49-F238E27FC236}">
+                <a16:creationId xmlns:a16="http://schemas.microsoft.com/office/drawing/2014/main" id="{088C78EE-CCE7-43E4-88ED-88FA3F194F6E}"/>
+              </a:ext>
+            </a:extLst>
+          </p:cNvPr>
+          <p:cNvSpPr/>
+          <p:nvPr/>
+        </p:nvSpPr>
+        <p:spPr>
+          <a:xfrm>
+            <a:off x="209793" y="3823910"/>
+            <a:ext cx="4626158" cy="2907090"/>
+          </a:xfrm>
+          <a:prstGeom prst="roundRect">
+            <a:avLst/>
+          </a:prstGeom>
+        </p:spPr>
+        <p:style>
+          <a:lnRef idx="2">
+            <a:schemeClr val="accent1">
+              <a:shade val="50000"/>
+            </a:schemeClr>
+          </a:lnRef>
+          <a:fillRef idx="1">
+            <a:schemeClr val="accent1"/>
+          </a:fillRef>
+          <a:effectRef idx="0">
+            <a:schemeClr val="accent1"/>
+          </a:effectRef>
+          <a:fontRef idx="minor">
+            <a:schemeClr val="lt1"/>
+          </a:fontRef>
+        </p:style>
+        <p:txBody>
+          <a:bodyPr rtlCol="0" anchor="ctr"/>
+          <a:lstStyle/>
+          <a:p>
+            <a:r>
+              <a:rPr lang="en-IN" b="0" dirty="0">
+                <a:solidFill>
+                  <a:schemeClr val="tx1"/>
+                </a:solidFill>
+                <a:effectLst/>
+                <a:latin typeface="Consolas" panose="020B0609020204030204" pitchFamily="49" charset="0"/>
+              </a:rPr>
+              <a:t>Check </a:t>
+            </a:r>
+            <a:r>
+              <a:rPr lang="en-IN" b="0" dirty="0" err="1">
+                <a:solidFill>
+                  <a:schemeClr val="tx1"/>
+                </a:solidFill>
+                <a:effectLst/>
+                <a:latin typeface="Consolas" panose="020B0609020204030204" pitchFamily="49" charset="0"/>
+              </a:rPr>
+              <a:t>chessConfig.useInitialGame</a:t>
+            </a:r>
+            <a:r>
+              <a:rPr lang="en-IN" b="0" dirty="0">
+                <a:solidFill>
+                  <a:schemeClr val="tx1"/>
+                </a:solidFill>
+                <a:effectLst/>
+                <a:latin typeface="Consolas" panose="020B0609020204030204" pitchFamily="49" charset="0"/>
+              </a:rPr>
+              <a:t> property and load initial game or potential game.</a:t>
+            </a:r>
+          </a:p>
+          <a:p>
+            <a:r>
+              <a:rPr lang="en-IN" dirty="0" err="1">
+                <a:solidFill>
+                  <a:schemeClr val="tx1"/>
+                </a:solidFill>
+                <a:latin typeface="Consolas" panose="020B0609020204030204" pitchFamily="49" charset="0"/>
+              </a:rPr>
+              <a:t>ChessConfig</a:t>
+            </a:r>
+            <a:r>
+              <a:rPr lang="en-IN" dirty="0">
+                <a:solidFill>
+                  <a:schemeClr val="tx1"/>
+                </a:solidFill>
+                <a:latin typeface="Consolas" panose="020B0609020204030204" pitchFamily="49" charset="0"/>
+              </a:rPr>
+              <a:t> is in the config folder. </a:t>
+            </a:r>
+            <a:r>
+              <a:rPr lang="en-IN" dirty="0" err="1">
+                <a:solidFill>
+                  <a:schemeClr val="tx1"/>
+                </a:solidFill>
+                <a:latin typeface="Consolas" panose="020B0609020204030204" pitchFamily="49" charset="0"/>
+              </a:rPr>
+              <a:t>InitialGame</a:t>
+            </a:r>
+            <a:r>
+              <a:rPr lang="en-IN" dirty="0">
+                <a:solidFill>
+                  <a:schemeClr val="tx1"/>
+                </a:solidFill>
+                <a:latin typeface="Consolas" panose="020B0609020204030204" pitchFamily="49" charset="0"/>
+              </a:rPr>
+              <a:t> is in the same folder also </a:t>
+            </a:r>
+            <a:r>
+              <a:rPr lang="en-IN" dirty="0" err="1">
+                <a:solidFill>
+                  <a:schemeClr val="tx1"/>
+                </a:solidFill>
+                <a:latin typeface="Consolas" panose="020B0609020204030204" pitchFamily="49" charset="0"/>
+              </a:rPr>
+              <a:t>potentialgame</a:t>
+            </a:r>
+            <a:endParaRPr lang="en-IN" dirty="0">
+              <a:solidFill>
+                <a:schemeClr val="tx1"/>
+              </a:solidFill>
+              <a:latin typeface="Consolas" panose="020B0609020204030204" pitchFamily="49" charset="0"/>
+            </a:endParaRPr>
+          </a:p>
+          <a:p>
+            <a:endParaRPr lang="en-IN" b="0" dirty="0">
+              <a:solidFill>
+                <a:schemeClr val="tx1"/>
+              </a:solidFill>
+              <a:effectLst/>
+              <a:latin typeface="Consolas" panose="020B0609020204030204" pitchFamily="49" charset="0"/>
+            </a:endParaRPr>
+          </a:p>
+          <a:p>
+            <a:r>
+              <a:rPr lang="en-IN" dirty="0">
+                <a:solidFill>
+                  <a:schemeClr val="tx1"/>
+                </a:solidFill>
+                <a:latin typeface="Consolas" panose="020B0609020204030204" pitchFamily="49" charset="0"/>
+              </a:rPr>
+              <a:t>Both initial game and potential game contain the starting state of the board</a:t>
+            </a:r>
+            <a:endParaRPr lang="en-IN" b="0" dirty="0">
+              <a:solidFill>
+                <a:schemeClr val="tx1"/>
+              </a:solidFill>
+              <a:effectLst/>
+              <a:latin typeface="Consolas" panose="020B0609020204030204" pitchFamily="49" charset="0"/>
+            </a:endParaRPr>
+          </a:p>
+        </p:txBody>
+      </p:sp>
+      <p:sp>
+        <p:nvSpPr>
+          <p:cNvPr id="12" name="Rectangle: Rounded Corners 11">
+            <a:extLst>
+              <a:ext uri="{FF2B5EF4-FFF2-40B4-BE49-F238E27FC236}">
+                <a16:creationId xmlns:a16="http://schemas.microsoft.com/office/drawing/2014/main" id="{7096BDA6-82DE-41F0-996F-0A6749091D0A}"/>
+              </a:ext>
+            </a:extLst>
+          </p:cNvPr>
+          <p:cNvSpPr/>
+          <p:nvPr/>
+        </p:nvSpPr>
+        <p:spPr>
+          <a:xfrm>
+            <a:off x="6530465" y="3989294"/>
+            <a:ext cx="5114687" cy="2420471"/>
+          </a:xfrm>
+          <a:prstGeom prst="roundRect">
+            <a:avLst/>
+          </a:prstGeom>
+        </p:spPr>
+        <p:style>
+          <a:lnRef idx="2">
+            <a:schemeClr val="accent1">
+              <a:shade val="50000"/>
+            </a:schemeClr>
+          </a:lnRef>
+          <a:fillRef idx="1">
+            <a:schemeClr val="accent1"/>
+          </a:fillRef>
+          <a:effectRef idx="0">
+            <a:schemeClr val="accent1"/>
+          </a:effectRef>
+          <a:fontRef idx="minor">
+            <a:schemeClr val="lt1"/>
+          </a:fontRef>
+        </p:style>
+        <p:txBody>
+          <a:bodyPr rtlCol="0" anchor="ctr"/>
+          <a:lstStyle/>
+          <a:p>
+            <a:r>
+              <a:rPr lang="en-US" b="0" dirty="0" err="1">
+                <a:solidFill>
+                  <a:schemeClr val="tx1"/>
+                </a:solidFill>
+                <a:effectLst/>
+                <a:latin typeface="Consolas" panose="020B0609020204030204" pitchFamily="49" charset="0"/>
+              </a:rPr>
+              <a:t>this.placePieceBoxNumbers</a:t>
+            </a:r>
+            <a:r>
+              <a:rPr lang="en-US" b="0" dirty="0">
+                <a:solidFill>
+                  <a:schemeClr val="tx1"/>
+                </a:solidFill>
+                <a:effectLst/>
+                <a:latin typeface="Consolas" panose="020B0609020204030204" pitchFamily="49" charset="0"/>
+              </a:rPr>
+              <a:t>()//Place piece box numbers in every </a:t>
+            </a:r>
+            <a:r>
+              <a:rPr lang="en-US" b="0" dirty="0" err="1">
+                <a:solidFill>
+                  <a:schemeClr val="tx1"/>
+                </a:solidFill>
+                <a:effectLst/>
+                <a:latin typeface="Consolas" panose="020B0609020204030204" pitchFamily="49" charset="0"/>
+              </a:rPr>
+              <a:t>piecebox</a:t>
+            </a:r>
+            <a:r>
+              <a:rPr lang="en-US" b="0" dirty="0">
+                <a:solidFill>
+                  <a:schemeClr val="tx1"/>
+                </a:solidFill>
+                <a:effectLst/>
+                <a:latin typeface="Consolas" panose="020B0609020204030204" pitchFamily="49" charset="0"/>
+              </a:rPr>
+              <a:t> div</a:t>
+            </a:r>
+          </a:p>
+          <a:p>
+            <a:br>
+              <a:rPr lang="en-US" b="0" dirty="0">
+                <a:solidFill>
+                  <a:schemeClr val="tx1"/>
+                </a:solidFill>
+                <a:effectLst/>
+                <a:latin typeface="Consolas" panose="020B0609020204030204" pitchFamily="49" charset="0"/>
+              </a:rPr>
+            </a:br>
+            <a:endParaRPr lang="en-US" b="0" dirty="0">
+              <a:solidFill>
+                <a:schemeClr val="tx1"/>
+              </a:solidFill>
+              <a:effectLst/>
+              <a:latin typeface="Consolas" panose="020B0609020204030204" pitchFamily="49" charset="0"/>
+            </a:endParaRPr>
+          </a:p>
+          <a:p>
+            <a:pPr algn="ctr"/>
+            <a:endParaRPr lang="en-IN" dirty="0">
+              <a:solidFill>
+                <a:schemeClr val="tx1"/>
+              </a:solidFill>
+            </a:endParaRPr>
+          </a:p>
+        </p:txBody>
+      </p:sp>
+    </p:spTree>
+    <p:extLst>
+      <p:ext uri="{BB962C8B-B14F-4D97-AF65-F5344CB8AC3E}">
+        <p14:creationId xmlns:p14="http://schemas.microsoft.com/office/powerpoint/2010/main" val="4017788779"/>
+      </p:ext>
+    </p:extLst>
+  </p:cSld>
+  <p:clrMapOvr>
+    <a:masterClrMapping/>
+  </p:clrMapOvr>
+  <mc:AlternateContent xmlns:mc="http://schemas.openxmlformats.org/markup-compatibility/2006">
+    <mc:Choice xmlns:p14="http://schemas.microsoft.com/office/powerpoint/2010/main" Requires="p14">
+      <p:transition spd="med" p14:dur="700">
+        <p:fade/>
+      </p:transition>
+    </mc:Choice>
+    <mc:Fallback>
+      <p:transition spd="med">
+        <p:fade/>
+      </p:transition>
+    </mc:Fallback>
+  </mc:AlternateContent>
+</p:sld>
+</file>
+
+<file path=ppt/slides/slide18.xml><?xml version="1.0" encoding="utf-8"?>
 <p:sld xmlns:a="http://schemas.openxmlformats.org/drawingml/2006/main" xmlns:r="http://schemas.openxmlformats.org/officeDocument/2006/relationships" xmlns:p="http://schemas.openxmlformats.org/presentationml/2006/main">
   <p:cSld>
     <p:spTree>
@@ -24218,7 +28687,7 @@
 </p:sld>
 </file>
 
-<file path=ppt/slides/slide15.xml><?xml version="1.0" encoding="utf-8"?>
+<file path=ppt/slides/slide19.xml><?xml version="1.0" encoding="utf-8"?>
 <p:sld xmlns:a="http://schemas.openxmlformats.org/drawingml/2006/main" xmlns:r="http://schemas.openxmlformats.org/officeDocument/2006/relationships" xmlns:p="http://schemas.openxmlformats.org/presentationml/2006/main">
   <p:cSld>
     <p:spTree>
@@ -24252,118 +28721,7 @@
           <a:p>
             <a:r>
               <a:rPr lang="en-US" dirty="0"/>
-              <a:t>Data/Observations</a:t>
-            </a:r>
-          </a:p>
-        </p:txBody>
-      </p:sp>
-      <p:sp>
-        <p:nvSpPr>
-          <p:cNvPr id="3" name="Text Placeholder 2"/>
-          <p:cNvSpPr>
-            <a:spLocks noGrp="1"/>
-          </p:cNvSpPr>
-          <p:nvPr>
-            <p:ph type="body" sz="half" idx="2"/>
-          </p:nvPr>
-        </p:nvSpPr>
-        <p:spPr/>
-        <p:txBody>
-          <a:bodyPr/>
-          <a:lstStyle/>
-          <a:p>
-            <a:r>
-              <a:rPr lang="en-US" dirty="0"/>
-              <a:t>Include Observation based on the data from your experiments</a:t>
-            </a:r>
-          </a:p>
-        </p:txBody>
-      </p:sp>
-      <p:graphicFrame>
-        <p:nvGraphicFramePr>
-          <p:cNvPr id="6" name="Content Placeholder 3" descr="Clustered column chart showing the values of 3 series for 4 categories"/>
-          <p:cNvGraphicFramePr>
-            <a:graphicFrameLocks noGrp="1"/>
-          </p:cNvGraphicFramePr>
-          <p:nvPr>
-            <p:ph idx="1"/>
-            <p:extLst>
-              <p:ext uri="{D42A27DB-BD31-4B8C-83A1-F6EECF244321}">
-                <p14:modId xmlns:p14="http://schemas.microsoft.com/office/powerpoint/2010/main" val="1094775993"/>
-              </p:ext>
-            </p:extLst>
-          </p:nvPr>
-        </p:nvGraphicFramePr>
-        <p:xfrm>
-          <a:off x="4699000" y="465138"/>
-          <a:ext cx="7048500" cy="5935662"/>
-        </p:xfrm>
-        <a:graphic>
-          <a:graphicData uri="http://schemas.openxmlformats.org/drawingml/2006/chart">
-            <c:chart xmlns:c="http://schemas.openxmlformats.org/drawingml/2006/chart" xmlns:r="http://schemas.openxmlformats.org/officeDocument/2006/relationships" r:id="rId2"/>
-          </a:graphicData>
-        </a:graphic>
-      </p:graphicFrame>
-    </p:spTree>
-    <p:extLst>
-      <p:ext uri="{BB962C8B-B14F-4D97-AF65-F5344CB8AC3E}">
-        <p14:creationId xmlns:p14="http://schemas.microsoft.com/office/powerpoint/2010/main" val="2605552468"/>
-      </p:ext>
-    </p:extLst>
-  </p:cSld>
-  <p:clrMapOvr>
-    <a:masterClrMapping/>
-  </p:clrMapOvr>
-  <mc:AlternateContent xmlns:mc="http://schemas.openxmlformats.org/markup-compatibility/2006" xmlns:p14="http://schemas.microsoft.com/office/powerpoint/2010/main">
-    <mc:Choice Requires="p14">
-      <p:transition spd="med" p14:dur="700">
-        <p:fade/>
-      </p:transition>
-    </mc:Choice>
-    <mc:Fallback xmlns="">
-      <p:transition spd="med">
-        <p:fade/>
-      </p:transition>
-    </mc:Fallback>
-  </mc:AlternateContent>
-</p:sld>
-</file>
-
-<file path=ppt/slides/slide16.xml><?xml version="1.0" encoding="utf-8"?>
-<p:sld xmlns:a="http://schemas.openxmlformats.org/drawingml/2006/main" xmlns:r="http://schemas.openxmlformats.org/officeDocument/2006/relationships" xmlns:p="http://schemas.openxmlformats.org/presentationml/2006/main">
-  <p:cSld>
-    <p:spTree>
-      <p:nvGrpSpPr>
-        <p:cNvPr id="1" name=""/>
-        <p:cNvGrpSpPr/>
-        <p:nvPr/>
-      </p:nvGrpSpPr>
-      <p:grpSpPr>
-        <a:xfrm>
-          <a:off x="0" y="0"/>
-          <a:ext cx="0" cy="0"/>
-          <a:chOff x="0" y="0"/>
-          <a:chExt cx="0" cy="0"/>
-        </a:xfrm>
-      </p:grpSpPr>
-      <p:sp>
-        <p:nvSpPr>
-          <p:cNvPr id="2" name="Title 1"/>
-          <p:cNvSpPr>
-            <a:spLocks noGrp="1"/>
-          </p:cNvSpPr>
-          <p:nvPr>
-            <p:ph type="title"/>
-          </p:nvPr>
-        </p:nvSpPr>
-        <p:spPr/>
-        <p:txBody>
-          <a:bodyPr/>
-          <a:lstStyle/>
-          <a:p>
-            <a:r>
-              <a:rPr lang="en-US" dirty="0"/>
-              <a:t>Conclusion</a:t>
+              <a:t>Testing:</a:t>
             </a:r>
           </a:p>
         </p:txBody>
@@ -24383,15 +28741,30 @@
           <a:bodyPr/>
           <a:lstStyle/>
           <a:p>
+            <a:pPr marL="0" indent="0">
+              <a:buNone/>
+            </a:pPr>
+            <a:endParaRPr lang="en-US" dirty="0"/>
+          </a:p>
+          <a:p>
+            <a:pPr marL="0" indent="0">
+              <a:buNone/>
+            </a:pPr>
+            <a:endParaRPr lang="en-US" dirty="0"/>
+          </a:p>
+          <a:p>
+            <a:pPr marL="0" indent="0">
+              <a:buNone/>
+            </a:pPr>
+            <a:endParaRPr lang="en-US" dirty="0"/>
+          </a:p>
+          <a:p>
+            <a:pPr marL="0" indent="0">
+              <a:buNone/>
+            </a:pPr>
             <a:r>
               <a:rPr lang="en-US" dirty="0"/>
-              <a:t>Brief summary of what you discovered based on results</a:t>
-            </a:r>
-          </a:p>
-          <a:p>
-            <a:r>
-              <a:rPr lang="en-US" dirty="0"/>
-              <a:t>Indicate and explain whether or not the data supports your hypothesis</a:t>
+              <a:t>Extensive Black-box testing is done </a:t>
             </a:r>
           </a:p>
         </p:txBody>
@@ -24400,92 +28773,6 @@
     <p:extLst>
       <p:ext uri="{BB962C8B-B14F-4D97-AF65-F5344CB8AC3E}">
         <p14:creationId xmlns:p14="http://schemas.microsoft.com/office/powerpoint/2010/main" val="2396544352"/>
-      </p:ext>
-    </p:extLst>
-  </p:cSld>
-  <p:clrMapOvr>
-    <a:masterClrMapping/>
-  </p:clrMapOvr>
-  <mc:AlternateContent xmlns:mc="http://schemas.openxmlformats.org/markup-compatibility/2006" xmlns:p14="http://schemas.microsoft.com/office/powerpoint/2010/main">
-    <mc:Choice Requires="p14">
-      <p:transition spd="med" p14:dur="700">
-        <p:fade/>
-      </p:transition>
-    </mc:Choice>
-    <mc:Fallback xmlns="">
-      <p:transition spd="med">
-        <p:fade/>
-      </p:transition>
-    </mc:Fallback>
-  </mc:AlternateContent>
-</p:sld>
-</file>
-
-<file path=ppt/slides/slide17.xml><?xml version="1.0" encoding="utf-8"?>
-<p:sld xmlns:a="http://schemas.openxmlformats.org/drawingml/2006/main" xmlns:r="http://schemas.openxmlformats.org/officeDocument/2006/relationships" xmlns:p="http://schemas.openxmlformats.org/presentationml/2006/main">
-  <p:cSld>
-    <p:spTree>
-      <p:nvGrpSpPr>
-        <p:cNvPr id="1" name=""/>
-        <p:cNvGrpSpPr/>
-        <p:nvPr/>
-      </p:nvGrpSpPr>
-      <p:grpSpPr>
-        <a:xfrm>
-          <a:off x="0" y="0"/>
-          <a:ext cx="0" cy="0"/>
-          <a:chOff x="0" y="0"/>
-          <a:chExt cx="0" cy="0"/>
-        </a:xfrm>
-      </p:grpSpPr>
-      <p:sp>
-        <p:nvSpPr>
-          <p:cNvPr id="2" name="Title 1"/>
-          <p:cNvSpPr>
-            <a:spLocks noGrp="1"/>
-          </p:cNvSpPr>
-          <p:nvPr>
-            <p:ph type="title"/>
-          </p:nvPr>
-        </p:nvSpPr>
-        <p:spPr/>
-        <p:txBody>
-          <a:bodyPr/>
-          <a:lstStyle/>
-          <a:p>
-            <a:r>
-              <a:rPr lang="en-US" dirty="0"/>
-              <a:t>Works Cited</a:t>
-            </a:r>
-          </a:p>
-        </p:txBody>
-      </p:sp>
-      <p:sp>
-        <p:nvSpPr>
-          <p:cNvPr id="3" name="Content Placeholder 2"/>
-          <p:cNvSpPr>
-            <a:spLocks noGrp="1"/>
-          </p:cNvSpPr>
-          <p:nvPr>
-            <p:ph idx="1"/>
-          </p:nvPr>
-        </p:nvSpPr>
-        <p:spPr/>
-        <p:txBody>
-          <a:bodyPr/>
-          <a:lstStyle/>
-          <a:p>
-            <a:r>
-              <a:rPr lang="en-US" dirty="0"/>
-              <a:t>Include print and electronic sources in alphabetical order</a:t>
-            </a:r>
-          </a:p>
-        </p:txBody>
-      </p:sp>
-    </p:spTree>
-    <p:extLst>
-      <p:ext uri="{BB962C8B-B14F-4D97-AF65-F5344CB8AC3E}">
-        <p14:creationId xmlns:p14="http://schemas.microsoft.com/office/powerpoint/2010/main" val="1074044145"/>
       </p:ext>
     </p:extLst>
   </p:cSld>
@@ -24597,6 +28884,193 @@
     <p:extLst>
       <p:ext uri="{BB962C8B-B14F-4D97-AF65-F5344CB8AC3E}">
         <p14:creationId xmlns:p14="http://schemas.microsoft.com/office/powerpoint/2010/main" val="2301054955"/>
+      </p:ext>
+    </p:extLst>
+  </p:cSld>
+  <p:clrMapOvr>
+    <a:masterClrMapping/>
+  </p:clrMapOvr>
+  <mc:AlternateContent xmlns:mc="http://schemas.openxmlformats.org/markup-compatibility/2006" xmlns:p14="http://schemas.microsoft.com/office/powerpoint/2010/main">
+    <mc:Choice Requires="p14">
+      <p:transition spd="med" p14:dur="700">
+        <p:fade/>
+      </p:transition>
+    </mc:Choice>
+    <mc:Fallback xmlns="">
+      <p:transition spd="med">
+        <p:fade/>
+      </p:transition>
+    </mc:Fallback>
+  </mc:AlternateContent>
+</p:sld>
+</file>
+
+<file path=ppt/slides/slide20.xml><?xml version="1.0" encoding="utf-8"?>
+<p:sld xmlns:a="http://schemas.openxmlformats.org/drawingml/2006/main" xmlns:r="http://schemas.openxmlformats.org/officeDocument/2006/relationships" xmlns:p="http://schemas.openxmlformats.org/presentationml/2006/main">
+  <p:cSld>
+    <p:spTree>
+      <p:nvGrpSpPr>
+        <p:cNvPr id="1" name=""/>
+        <p:cNvGrpSpPr/>
+        <p:nvPr/>
+      </p:nvGrpSpPr>
+      <p:grpSpPr>
+        <a:xfrm>
+          <a:off x="0" y="0"/>
+          <a:ext cx="0" cy="0"/>
+          <a:chOff x="0" y="0"/>
+          <a:chExt cx="0" cy="0"/>
+        </a:xfrm>
+      </p:grpSpPr>
+      <p:sp>
+        <p:nvSpPr>
+          <p:cNvPr id="2" name="Title 1"/>
+          <p:cNvSpPr>
+            <a:spLocks noGrp="1"/>
+          </p:cNvSpPr>
+          <p:nvPr>
+            <p:ph type="title"/>
+          </p:nvPr>
+        </p:nvSpPr>
+        <p:spPr>
+          <a:xfrm>
+            <a:off x="1066800" y="127000"/>
+            <a:ext cx="10058400" cy="814294"/>
+          </a:xfrm>
+        </p:spPr>
+        <p:txBody>
+          <a:bodyPr/>
+          <a:lstStyle/>
+          <a:p>
+            <a:r>
+              <a:rPr lang="en-US" dirty="0"/>
+              <a:t>				Result:</a:t>
+            </a:r>
+          </a:p>
+        </p:txBody>
+      </p:sp>
+      <p:pic>
+        <p:nvPicPr>
+          <p:cNvPr id="9" name="Content Placeholder 8">
+            <a:extLst>
+              <a:ext uri="{FF2B5EF4-FFF2-40B4-BE49-F238E27FC236}">
+                <a16:creationId xmlns:a16="http://schemas.microsoft.com/office/drawing/2014/main" id="{4A30136F-1777-4E1F-B241-A60FDEBEB395}"/>
+              </a:ext>
+            </a:extLst>
+          </p:cNvPr>
+          <p:cNvPicPr>
+            <a:picLocks noGrp="1" noChangeAspect="1"/>
+          </p:cNvPicPr>
+          <p:nvPr>
+            <p:ph idx="1"/>
+          </p:nvPr>
+        </p:nvPicPr>
+        <p:blipFill>
+          <a:blip r:embed="rId3">
+            <a:extLst>
+              <a:ext uri="{28A0092B-C50C-407E-A947-70E740481C1C}">
+                <a14:useLocalDpi xmlns:a14="http://schemas.microsoft.com/office/drawing/2010/main" val="0"/>
+              </a:ext>
+            </a:extLst>
+          </a:blip>
+          <a:stretch>
+            <a:fillRect/>
+          </a:stretch>
+        </p:blipFill>
+        <p:spPr>
+          <a:xfrm>
+            <a:off x="0" y="1004046"/>
+            <a:ext cx="12192000" cy="5853953"/>
+          </a:xfrm>
+        </p:spPr>
+      </p:pic>
+    </p:spTree>
+    <p:extLst>
+      <p:ext uri="{BB962C8B-B14F-4D97-AF65-F5344CB8AC3E}">
+        <p14:creationId xmlns:p14="http://schemas.microsoft.com/office/powerpoint/2010/main" val="969687523"/>
+      </p:ext>
+    </p:extLst>
+  </p:cSld>
+  <p:clrMapOvr>
+    <a:masterClrMapping/>
+  </p:clrMapOvr>
+  <mc:AlternateContent xmlns:mc="http://schemas.openxmlformats.org/markup-compatibility/2006" xmlns:p14="http://schemas.microsoft.com/office/powerpoint/2010/main">
+    <mc:Choice Requires="p14">
+      <p:transition spd="med" p14:dur="700">
+        <p:fade/>
+      </p:transition>
+    </mc:Choice>
+    <mc:Fallback xmlns="">
+      <p:transition spd="med">
+        <p:fade/>
+      </p:transition>
+    </mc:Fallback>
+  </mc:AlternateContent>
+</p:sld>
+</file>
+
+<file path=ppt/slides/slide21.xml><?xml version="1.0" encoding="utf-8"?>
+<p:sld xmlns:a="http://schemas.openxmlformats.org/drawingml/2006/main" xmlns:r="http://schemas.openxmlformats.org/officeDocument/2006/relationships" xmlns:p="http://schemas.openxmlformats.org/presentationml/2006/main">
+  <p:cSld>
+    <p:spTree>
+      <p:nvGrpSpPr>
+        <p:cNvPr id="1" name=""/>
+        <p:cNvGrpSpPr/>
+        <p:nvPr/>
+      </p:nvGrpSpPr>
+      <p:grpSpPr>
+        <a:xfrm>
+          <a:off x="0" y="0"/>
+          <a:ext cx="0" cy="0"/>
+          <a:chOff x="0" y="0"/>
+          <a:chExt cx="0" cy="0"/>
+        </a:xfrm>
+      </p:grpSpPr>
+      <p:sp>
+        <p:nvSpPr>
+          <p:cNvPr id="2" name="Title 1"/>
+          <p:cNvSpPr>
+            <a:spLocks noGrp="1"/>
+          </p:cNvSpPr>
+          <p:nvPr>
+            <p:ph type="title"/>
+          </p:nvPr>
+        </p:nvSpPr>
+        <p:spPr/>
+        <p:txBody>
+          <a:bodyPr/>
+          <a:lstStyle/>
+          <a:p>
+            <a:r>
+              <a:rPr lang="en-US" dirty="0"/>
+              <a:t>Future Scope:</a:t>
+            </a:r>
+          </a:p>
+        </p:txBody>
+      </p:sp>
+      <p:sp>
+        <p:nvSpPr>
+          <p:cNvPr id="3" name="Content Placeholder 2"/>
+          <p:cNvSpPr>
+            <a:spLocks noGrp="1"/>
+          </p:cNvSpPr>
+          <p:nvPr>
+            <p:ph idx="1"/>
+          </p:nvPr>
+        </p:nvSpPr>
+        <p:spPr/>
+        <p:txBody>
+          <a:bodyPr/>
+          <a:lstStyle/>
+          <a:p>
+            <a:endParaRPr lang="en-US" dirty="0"/>
+          </a:p>
+        </p:txBody>
+      </p:sp>
+    </p:spTree>
+    <p:extLst>
+      <p:ext uri="{BB962C8B-B14F-4D97-AF65-F5344CB8AC3E}">
+        <p14:creationId xmlns:p14="http://schemas.microsoft.com/office/powerpoint/2010/main" val="1074044145"/>
       </p:ext>
     </p:extLst>
   </p:cSld>
@@ -24891,102 +29365,6 @@
           <a:bodyPr/>
           <a:lstStyle/>
           <a:p>
-            <a:endParaRPr lang="en-US" dirty="0"/>
-          </a:p>
-        </p:txBody>
-      </p:sp>
-      <p:pic>
-        <p:nvPicPr>
-          <p:cNvPr id="9" name="Content Placeholder 8">
-            <a:extLst>
-              <a:ext uri="{FF2B5EF4-FFF2-40B4-BE49-F238E27FC236}">
-                <a16:creationId xmlns:a16="http://schemas.microsoft.com/office/drawing/2014/main" id="{4A30136F-1777-4E1F-B241-A60FDEBEB395}"/>
-              </a:ext>
-            </a:extLst>
-          </p:cNvPr>
-          <p:cNvPicPr>
-            <a:picLocks noGrp="1" noChangeAspect="1"/>
-          </p:cNvPicPr>
-          <p:nvPr>
-            <p:ph idx="1"/>
-          </p:nvPr>
-        </p:nvPicPr>
-        <p:blipFill>
-          <a:blip r:embed="rId3">
-            <a:extLst>
-              <a:ext uri="{28A0092B-C50C-407E-A947-70E740481C1C}">
-                <a14:useLocalDpi xmlns:a14="http://schemas.microsoft.com/office/drawing/2010/main" val="0"/>
-              </a:ext>
-            </a:extLst>
-          </a:blip>
-          <a:stretch>
-            <a:fillRect/>
-          </a:stretch>
-        </p:blipFill>
-        <p:spPr>
-          <a:xfrm>
-            <a:off x="0" y="0"/>
-            <a:ext cx="12192000" cy="6858000"/>
-          </a:xfrm>
-        </p:spPr>
-      </p:pic>
-    </p:spTree>
-    <p:extLst>
-      <p:ext uri="{BB962C8B-B14F-4D97-AF65-F5344CB8AC3E}">
-        <p14:creationId xmlns:p14="http://schemas.microsoft.com/office/powerpoint/2010/main" val="969687523"/>
-      </p:ext>
-    </p:extLst>
-  </p:cSld>
-  <p:clrMapOvr>
-    <a:masterClrMapping/>
-  </p:clrMapOvr>
-  <mc:AlternateContent xmlns:mc="http://schemas.openxmlformats.org/markup-compatibility/2006" xmlns:p14="http://schemas.microsoft.com/office/powerpoint/2010/main">
-    <mc:Choice Requires="p14">
-      <p:transition spd="med" p14:dur="700">
-        <p:fade/>
-      </p:transition>
-    </mc:Choice>
-    <mc:Fallback xmlns="">
-      <p:transition spd="med">
-        <p:fade/>
-      </p:transition>
-    </mc:Fallback>
-  </mc:AlternateContent>
-</p:sld>
-</file>
-
-<file path=ppt/slides/slide6.xml><?xml version="1.0" encoding="utf-8"?>
-<p:sld xmlns:a="http://schemas.openxmlformats.org/drawingml/2006/main" xmlns:r="http://schemas.openxmlformats.org/officeDocument/2006/relationships" xmlns:p="http://schemas.openxmlformats.org/presentationml/2006/main">
-  <p:cSld>
-    <p:spTree>
-      <p:nvGrpSpPr>
-        <p:cNvPr id="1" name=""/>
-        <p:cNvGrpSpPr/>
-        <p:nvPr/>
-      </p:nvGrpSpPr>
-      <p:grpSpPr>
-        <a:xfrm>
-          <a:off x="0" y="0"/>
-          <a:ext cx="0" cy="0"/>
-          <a:chOff x="0" y="0"/>
-          <a:chExt cx="0" cy="0"/>
-        </a:xfrm>
-      </p:grpSpPr>
-      <p:sp>
-        <p:nvSpPr>
-          <p:cNvPr id="2" name="Title 1"/>
-          <p:cNvSpPr>
-            <a:spLocks noGrp="1"/>
-          </p:cNvSpPr>
-          <p:nvPr>
-            <p:ph type="title"/>
-          </p:nvPr>
-        </p:nvSpPr>
-        <p:spPr/>
-        <p:txBody>
-          <a:bodyPr/>
-          <a:lstStyle/>
-          <a:p>
             <a:r>
               <a:rPr lang="en-US" dirty="0"/>
               <a:t>Add your answer / solution here</a:t>
@@ -25120,7 +29498,7 @@
 </p:sld>
 </file>
 
-<file path=ppt/slides/slide7.xml><?xml version="1.0" encoding="utf-8"?>
+<file path=ppt/slides/slide6.xml><?xml version="1.0" encoding="utf-8"?>
 <p:sld xmlns:a="http://schemas.openxmlformats.org/drawingml/2006/main" xmlns:r="http://schemas.openxmlformats.org/officeDocument/2006/relationships" xmlns:p="http://schemas.openxmlformats.org/presentationml/2006/main">
   <p:cSld>
     <p:spTree>
@@ -25287,7 +29665,7 @@
 </p:sld>
 </file>
 
-<file path=ppt/slides/slide8.xml><?xml version="1.0" encoding="utf-8"?>
+<file path=ppt/slides/slide7.xml><?xml version="1.0" encoding="utf-8"?>
 <p:sld xmlns:a="http://schemas.openxmlformats.org/drawingml/2006/main" xmlns:r="http://schemas.openxmlformats.org/officeDocument/2006/relationships" xmlns:p="http://schemas.openxmlformats.org/presentationml/2006/main">
   <p:cSld>
     <p:spTree>
@@ -25354,23 +29732,7 @@
                   <a:schemeClr val="tx1"/>
                 </a:solidFill>
               </a:rPr>
-              <a:t>JavaScript Manages the Positioning , </a:t>
-            </a:r>
-            <a:r>
-              <a:rPr lang="en-US" dirty="0" err="1">
-                <a:solidFill>
-                  <a:schemeClr val="tx1"/>
-                </a:solidFill>
-              </a:rPr>
-              <a:t>Handeling</a:t>
-            </a:r>
-            <a:r>
-              <a:rPr lang="en-US" dirty="0">
-                <a:solidFill>
-                  <a:schemeClr val="tx1"/>
-                </a:solidFill>
-              </a:rPr>
-              <a:t> , Movements , Right / Wrong turns of the Pieces.</a:t>
+              <a:t>JavaScript Manages the Positioning , Handling , Movements , Right / Wrong turns of the Pieces.</a:t>
             </a:r>
           </a:p>
         </p:txBody>
@@ -25508,7 +29870,7 @@
 </p:sld>
 </file>
 
-<file path=ppt/slides/slide9.xml><?xml version="1.0" encoding="utf-8"?>
+<file path=ppt/slides/slide8.xml><?xml version="1.0" encoding="utf-8"?>
 <p:sld xmlns:a="http://schemas.openxmlformats.org/drawingml/2006/main" xmlns:r="http://schemas.openxmlformats.org/officeDocument/2006/relationships" xmlns:p="http://schemas.openxmlformats.org/presentationml/2006/main">
   <p:cSld>
     <p:spTree>
@@ -25557,7 +29919,7 @@
             <p:ph idx="1"/>
             <p:extLst>
               <p:ext uri="{D42A27DB-BD31-4B8C-83A1-F6EECF244321}">
-                <p14:modId xmlns:p14="http://schemas.microsoft.com/office/powerpoint/2010/main" val="1224685544"/>
+                <p14:modId xmlns:p14="http://schemas.microsoft.com/office/powerpoint/2010/main" val="761884966"/>
               </p:ext>
             </p:extLst>
           </p:nvPr>
@@ -25612,6 +29974,95 @@
     <p:extLst>
       <p:ext uri="{BB962C8B-B14F-4D97-AF65-F5344CB8AC3E}">
         <p14:creationId xmlns:p14="http://schemas.microsoft.com/office/powerpoint/2010/main" val="588768708"/>
+      </p:ext>
+    </p:extLst>
+  </p:cSld>
+  <p:clrMapOvr>
+    <a:masterClrMapping/>
+  </p:clrMapOvr>
+  <mc:AlternateContent xmlns:mc="http://schemas.openxmlformats.org/markup-compatibility/2006" xmlns:p14="http://schemas.microsoft.com/office/powerpoint/2010/main">
+    <mc:Choice Requires="p14">
+      <p:transition spd="med" p14:dur="700">
+        <p:fade/>
+      </p:transition>
+    </mc:Choice>
+    <mc:Fallback xmlns="">
+      <p:transition spd="med">
+        <p:fade/>
+      </p:transition>
+    </mc:Fallback>
+  </mc:AlternateContent>
+</p:sld>
+</file>
+
+<file path=ppt/slides/slide9.xml><?xml version="1.0" encoding="utf-8"?>
+<p:sld xmlns:a="http://schemas.openxmlformats.org/drawingml/2006/main" xmlns:r="http://schemas.openxmlformats.org/officeDocument/2006/relationships" xmlns:p="http://schemas.openxmlformats.org/presentationml/2006/main">
+  <p:cSld>
+    <p:spTree>
+      <p:nvGrpSpPr>
+        <p:cNvPr id="1" name=""/>
+        <p:cNvGrpSpPr/>
+        <p:nvPr/>
+      </p:nvGrpSpPr>
+      <p:grpSpPr>
+        <a:xfrm>
+          <a:off x="0" y="0"/>
+          <a:ext cx="0" cy="0"/>
+          <a:chOff x="0" y="0"/>
+          <a:chExt cx="0" cy="0"/>
+        </a:xfrm>
+      </p:grpSpPr>
+      <p:sp>
+        <p:nvSpPr>
+          <p:cNvPr id="2" name="Title 1"/>
+          <p:cNvSpPr>
+            <a:spLocks noGrp="1"/>
+          </p:cNvSpPr>
+          <p:nvPr>
+            <p:ph type="title"/>
+          </p:nvPr>
+        </p:nvSpPr>
+        <p:spPr/>
+        <p:txBody>
+          <a:bodyPr/>
+          <a:lstStyle/>
+          <a:p>
+            <a:r>
+              <a:rPr lang="en-US" dirty="0"/>
+              <a:t>Events:</a:t>
+            </a:r>
+          </a:p>
+        </p:txBody>
+      </p:sp>
+      <p:graphicFrame>
+        <p:nvGraphicFramePr>
+          <p:cNvPr id="4" name="Content Placeholder 2" descr="Horizontal bullet list showing 3 groups arranged adjacent to one another and bullet points are present under each group"/>
+          <p:cNvGraphicFramePr>
+            <a:graphicFrameLocks noGrp="1"/>
+          </p:cNvGraphicFramePr>
+          <p:nvPr>
+            <p:ph idx="1"/>
+            <p:extLst>
+              <p:ext uri="{D42A27DB-BD31-4B8C-83A1-F6EECF244321}">
+                <p14:modId xmlns:p14="http://schemas.microsoft.com/office/powerpoint/2010/main" val="900388693"/>
+              </p:ext>
+            </p:extLst>
+          </p:nvPr>
+        </p:nvGraphicFramePr>
+        <p:xfrm>
+          <a:off x="1066800" y="1714500"/>
+          <a:ext cx="10058400" cy="4457700"/>
+        </p:xfrm>
+        <a:graphic>
+          <a:graphicData uri="http://schemas.openxmlformats.org/drawingml/2006/diagram">
+            <dgm:relIds xmlns:dgm="http://schemas.openxmlformats.org/drawingml/2006/diagram" xmlns:r="http://schemas.openxmlformats.org/officeDocument/2006/relationships" r:dm="rId2" r:lo="rId3" r:qs="rId4" r:cs="rId5"/>
+          </a:graphicData>
+        </a:graphic>
+      </p:graphicFrame>
+    </p:spTree>
+    <p:extLst>
+      <p:ext uri="{BB962C8B-B14F-4D97-AF65-F5344CB8AC3E}">
+        <p14:creationId xmlns:p14="http://schemas.microsoft.com/office/powerpoint/2010/main" val="2458698177"/>
       </p:ext>
     </p:extLst>
   </p:cSld>
